--- a/docs/presentatie.pptx
+++ b/docs/presentatie.pptx
@@ -5,20 +5,21 @@
     <p:sldMasterId id="2147484478" r:id="rId4"/>
   </p:sldMasterIdLst>
   <p:notesMasterIdLst>
-    <p:notesMasterId r:id="rId13"/>
+    <p:notesMasterId r:id="rId14"/>
   </p:notesMasterIdLst>
   <p:handoutMasterIdLst>
-    <p:handoutMasterId r:id="rId14"/>
+    <p:handoutMasterId r:id="rId15"/>
   </p:handoutMasterIdLst>
   <p:sldIdLst>
     <p:sldId id="256" r:id="rId5"/>
     <p:sldId id="269" r:id="rId6"/>
     <p:sldId id="266" r:id="rId7"/>
-    <p:sldId id="263" r:id="rId8"/>
-    <p:sldId id="267" r:id="rId9"/>
-    <p:sldId id="268" r:id="rId10"/>
-    <p:sldId id="260" r:id="rId11"/>
-    <p:sldId id="257" r:id="rId12"/>
+    <p:sldId id="267" r:id="rId8"/>
+    <p:sldId id="270" r:id="rId9"/>
+    <p:sldId id="271" r:id="rId10"/>
+    <p:sldId id="268" r:id="rId11"/>
+    <p:sldId id="272" r:id="rId12"/>
+    <p:sldId id="273" r:id="rId13"/>
   </p:sldIdLst>
   <p:sldSz cx="12192000" cy="6858000"/>
   <p:notesSz cx="6858000" cy="9144000"/>
@@ -128,3416 +129,6 @@
 </p:presentation>
 </file>
 
-<file path=ppt/diagrams/colors1.xml><?xml version="1.0" encoding="utf-8"?>
-<dgm:colorsDef xmlns:dgm="http://schemas.openxmlformats.org/drawingml/2006/diagram" xmlns:a="http://schemas.openxmlformats.org/drawingml/2006/main" uniqueId="urn:microsoft.com/office/officeart/2005/8/colors/accent5_2">
-  <dgm:title val=""/>
-  <dgm:desc val=""/>
-  <dgm:catLst>
-    <dgm:cat type="accent5" pri="11200"/>
-  </dgm:catLst>
-  <dgm:styleLbl name="node0">
-    <dgm:fillClrLst meth="repeat">
-      <a:schemeClr val="accent5"/>
-    </dgm:fillClrLst>
-    <dgm:linClrLst meth="repeat">
-      <a:schemeClr val="lt1"/>
-    </dgm:linClrLst>
-    <dgm:effectClrLst/>
-    <dgm:txLinClrLst/>
-    <dgm:txFillClrLst/>
-    <dgm:txEffectClrLst/>
-  </dgm:styleLbl>
-  <dgm:styleLbl name="node1">
-    <dgm:fillClrLst meth="repeat">
-      <a:schemeClr val="accent5"/>
-    </dgm:fillClrLst>
-    <dgm:linClrLst meth="repeat">
-      <a:schemeClr val="lt1"/>
-    </dgm:linClrLst>
-    <dgm:effectClrLst/>
-    <dgm:txLinClrLst/>
-    <dgm:txFillClrLst/>
-    <dgm:txEffectClrLst/>
-  </dgm:styleLbl>
-  <dgm:styleLbl name="alignNode1">
-    <dgm:fillClrLst meth="repeat">
-      <a:schemeClr val="accent5"/>
-    </dgm:fillClrLst>
-    <dgm:linClrLst meth="repeat">
-      <a:schemeClr val="accent5"/>
-    </dgm:linClrLst>
-    <dgm:effectClrLst/>
-    <dgm:txLinClrLst/>
-    <dgm:txFillClrLst/>
-    <dgm:txEffectClrLst/>
-  </dgm:styleLbl>
-  <dgm:styleLbl name="lnNode1">
-    <dgm:fillClrLst meth="repeat">
-      <a:schemeClr val="accent5"/>
-    </dgm:fillClrLst>
-    <dgm:linClrLst meth="repeat">
-      <a:schemeClr val="lt1"/>
-    </dgm:linClrLst>
-    <dgm:effectClrLst/>
-    <dgm:txLinClrLst/>
-    <dgm:txFillClrLst/>
-    <dgm:txEffectClrLst/>
-  </dgm:styleLbl>
-  <dgm:styleLbl name="vennNode1">
-    <dgm:fillClrLst meth="repeat">
-      <a:schemeClr val="accent5">
-        <a:alpha val="50000"/>
-      </a:schemeClr>
-    </dgm:fillClrLst>
-    <dgm:linClrLst meth="repeat">
-      <a:schemeClr val="lt1"/>
-    </dgm:linClrLst>
-    <dgm:effectClrLst/>
-    <dgm:txLinClrLst/>
-    <dgm:txFillClrLst/>
-    <dgm:txEffectClrLst/>
-  </dgm:styleLbl>
-  <dgm:styleLbl name="node2">
-    <dgm:fillClrLst meth="repeat">
-      <a:schemeClr val="accent5"/>
-    </dgm:fillClrLst>
-    <dgm:linClrLst meth="repeat">
-      <a:schemeClr val="lt1"/>
-    </dgm:linClrLst>
-    <dgm:effectClrLst/>
-    <dgm:txLinClrLst/>
-    <dgm:txFillClrLst/>
-    <dgm:txEffectClrLst/>
-  </dgm:styleLbl>
-  <dgm:styleLbl name="node3">
-    <dgm:fillClrLst meth="repeat">
-      <a:schemeClr val="accent5"/>
-    </dgm:fillClrLst>
-    <dgm:linClrLst meth="repeat">
-      <a:schemeClr val="lt1"/>
-    </dgm:linClrLst>
-    <dgm:effectClrLst/>
-    <dgm:txLinClrLst/>
-    <dgm:txFillClrLst/>
-    <dgm:txEffectClrLst/>
-  </dgm:styleLbl>
-  <dgm:styleLbl name="node4">
-    <dgm:fillClrLst meth="repeat">
-      <a:schemeClr val="accent5"/>
-    </dgm:fillClrLst>
-    <dgm:linClrLst meth="repeat">
-      <a:schemeClr val="lt1"/>
-    </dgm:linClrLst>
-    <dgm:effectClrLst/>
-    <dgm:txLinClrLst/>
-    <dgm:txFillClrLst/>
-    <dgm:txEffectClrLst/>
-  </dgm:styleLbl>
-  <dgm:styleLbl name="fgImgPlace1">
-    <dgm:fillClrLst meth="repeat">
-      <a:schemeClr val="accent5">
-        <a:tint val="50000"/>
-      </a:schemeClr>
-    </dgm:fillClrLst>
-    <dgm:linClrLst meth="repeat">
-      <a:schemeClr val="lt1"/>
-    </dgm:linClrLst>
-    <dgm:effectClrLst/>
-    <dgm:txLinClrLst/>
-    <dgm:txFillClrLst meth="repeat">
-      <a:schemeClr val="lt1"/>
-    </dgm:txFillClrLst>
-    <dgm:txEffectClrLst/>
-  </dgm:styleLbl>
-  <dgm:styleLbl name="alignImgPlace1">
-    <dgm:fillClrLst meth="repeat">
-      <a:schemeClr val="accent5">
-        <a:tint val="50000"/>
-      </a:schemeClr>
-    </dgm:fillClrLst>
-    <dgm:linClrLst meth="repeat">
-      <a:schemeClr val="lt1"/>
-    </dgm:linClrLst>
-    <dgm:effectClrLst/>
-    <dgm:txLinClrLst/>
-    <dgm:txFillClrLst meth="repeat">
-      <a:schemeClr val="lt1"/>
-    </dgm:txFillClrLst>
-    <dgm:txEffectClrLst/>
-  </dgm:styleLbl>
-  <dgm:styleLbl name="bgImgPlace1">
-    <dgm:fillClrLst meth="repeat">
-      <a:schemeClr val="accent5">
-        <a:tint val="50000"/>
-      </a:schemeClr>
-    </dgm:fillClrLst>
-    <dgm:linClrLst meth="repeat">
-      <a:schemeClr val="lt1"/>
-    </dgm:linClrLst>
-    <dgm:effectClrLst/>
-    <dgm:txLinClrLst/>
-    <dgm:txFillClrLst meth="repeat">
-      <a:schemeClr val="lt1"/>
-    </dgm:txFillClrLst>
-    <dgm:txEffectClrLst/>
-  </dgm:styleLbl>
-  <dgm:styleLbl name="sibTrans2D1">
-    <dgm:fillClrLst meth="repeat">
-      <a:schemeClr val="accent5">
-        <a:tint val="60000"/>
-      </a:schemeClr>
-    </dgm:fillClrLst>
-    <dgm:linClrLst meth="repeat">
-      <a:schemeClr val="accent5">
-        <a:tint val="60000"/>
-      </a:schemeClr>
-    </dgm:linClrLst>
-    <dgm:effectClrLst/>
-    <dgm:txLinClrLst/>
-    <dgm:txFillClrLst/>
-    <dgm:txEffectClrLst/>
-  </dgm:styleLbl>
-  <dgm:styleLbl name="fgSibTrans2D1">
-    <dgm:fillClrLst meth="repeat">
-      <a:schemeClr val="accent5">
-        <a:tint val="60000"/>
-      </a:schemeClr>
-    </dgm:fillClrLst>
-    <dgm:linClrLst meth="repeat">
-      <a:schemeClr val="accent5">
-        <a:tint val="60000"/>
-      </a:schemeClr>
-    </dgm:linClrLst>
-    <dgm:effectClrLst/>
-    <dgm:txLinClrLst/>
-    <dgm:txFillClrLst/>
-    <dgm:txEffectClrLst/>
-  </dgm:styleLbl>
-  <dgm:styleLbl name="bgSibTrans2D1">
-    <dgm:fillClrLst meth="repeat">
-      <a:schemeClr val="accent5">
-        <a:tint val="60000"/>
-      </a:schemeClr>
-    </dgm:fillClrLst>
-    <dgm:linClrLst meth="repeat">
-      <a:schemeClr val="accent5">
-        <a:tint val="60000"/>
-      </a:schemeClr>
-    </dgm:linClrLst>
-    <dgm:effectClrLst/>
-    <dgm:txLinClrLst/>
-    <dgm:txFillClrLst/>
-    <dgm:txEffectClrLst/>
-  </dgm:styleLbl>
-  <dgm:styleLbl name="sibTrans1D1">
-    <dgm:fillClrLst meth="repeat">
-      <a:schemeClr val="accent5"/>
-    </dgm:fillClrLst>
-    <dgm:linClrLst meth="repeat">
-      <a:schemeClr val="accent5"/>
-    </dgm:linClrLst>
-    <dgm:effectClrLst/>
-    <dgm:txLinClrLst/>
-    <dgm:txFillClrLst meth="repeat">
-      <a:schemeClr val="tx1"/>
-    </dgm:txFillClrLst>
-    <dgm:txEffectClrLst/>
-  </dgm:styleLbl>
-  <dgm:styleLbl name="callout">
-    <dgm:fillClrLst meth="repeat">
-      <a:schemeClr val="accent5"/>
-    </dgm:fillClrLst>
-    <dgm:linClrLst meth="repeat">
-      <a:schemeClr val="accent5">
-        <a:tint val="50000"/>
-      </a:schemeClr>
-    </dgm:linClrLst>
-    <dgm:effectClrLst/>
-    <dgm:txLinClrLst/>
-    <dgm:txFillClrLst meth="repeat">
-      <a:schemeClr val="tx1"/>
-    </dgm:txFillClrLst>
-    <dgm:txEffectClrLst/>
-  </dgm:styleLbl>
-  <dgm:styleLbl name="asst0">
-    <dgm:fillClrLst meth="repeat">
-      <a:schemeClr val="accent5"/>
-    </dgm:fillClrLst>
-    <dgm:linClrLst meth="repeat">
-      <a:schemeClr val="lt1"/>
-    </dgm:linClrLst>
-    <dgm:effectClrLst/>
-    <dgm:txLinClrLst/>
-    <dgm:txFillClrLst/>
-    <dgm:txEffectClrLst/>
-  </dgm:styleLbl>
-  <dgm:styleLbl name="asst1">
-    <dgm:fillClrLst meth="repeat">
-      <a:schemeClr val="accent5"/>
-    </dgm:fillClrLst>
-    <dgm:linClrLst meth="repeat">
-      <a:schemeClr val="lt1"/>
-    </dgm:linClrLst>
-    <dgm:effectClrLst/>
-    <dgm:txLinClrLst/>
-    <dgm:txFillClrLst/>
-    <dgm:txEffectClrLst/>
-  </dgm:styleLbl>
-  <dgm:styleLbl name="asst2">
-    <dgm:fillClrLst meth="repeat">
-      <a:schemeClr val="accent5"/>
-    </dgm:fillClrLst>
-    <dgm:linClrLst meth="repeat">
-      <a:schemeClr val="lt1"/>
-    </dgm:linClrLst>
-    <dgm:effectClrLst/>
-    <dgm:txLinClrLst/>
-    <dgm:txFillClrLst/>
-    <dgm:txEffectClrLst/>
-  </dgm:styleLbl>
-  <dgm:styleLbl name="asst3">
-    <dgm:fillClrLst meth="repeat">
-      <a:schemeClr val="accent5"/>
-    </dgm:fillClrLst>
-    <dgm:linClrLst meth="repeat">
-      <a:schemeClr val="lt1"/>
-    </dgm:linClrLst>
-    <dgm:effectClrLst/>
-    <dgm:txLinClrLst/>
-    <dgm:txFillClrLst/>
-    <dgm:txEffectClrLst/>
-  </dgm:styleLbl>
-  <dgm:styleLbl name="asst4">
-    <dgm:fillClrLst meth="repeat">
-      <a:schemeClr val="accent5"/>
-    </dgm:fillClrLst>
-    <dgm:linClrLst meth="repeat">
-      <a:schemeClr val="lt1"/>
-    </dgm:linClrLst>
-    <dgm:effectClrLst/>
-    <dgm:txLinClrLst/>
-    <dgm:txFillClrLst/>
-    <dgm:txEffectClrLst/>
-  </dgm:styleLbl>
-  <dgm:styleLbl name="parChTrans2D1">
-    <dgm:fillClrLst meth="repeat">
-      <a:schemeClr val="accent5">
-        <a:tint val="60000"/>
-      </a:schemeClr>
-    </dgm:fillClrLst>
-    <dgm:linClrLst meth="repeat">
-      <a:schemeClr val="accent5">
-        <a:tint val="60000"/>
-      </a:schemeClr>
-    </dgm:linClrLst>
-    <dgm:effectClrLst/>
-    <dgm:txLinClrLst/>
-    <dgm:txFillClrLst meth="repeat">
-      <a:schemeClr val="lt1"/>
-    </dgm:txFillClrLst>
-    <dgm:txEffectClrLst/>
-  </dgm:styleLbl>
-  <dgm:styleLbl name="parChTrans2D2">
-    <dgm:fillClrLst meth="repeat">
-      <a:schemeClr val="accent5"/>
-    </dgm:fillClrLst>
-    <dgm:linClrLst meth="repeat">
-      <a:schemeClr val="accent5"/>
-    </dgm:linClrLst>
-    <dgm:effectClrLst/>
-    <dgm:txLinClrLst/>
-    <dgm:txFillClrLst meth="repeat">
-      <a:schemeClr val="lt1"/>
-    </dgm:txFillClrLst>
-    <dgm:txEffectClrLst/>
-  </dgm:styleLbl>
-  <dgm:styleLbl name="parChTrans2D3">
-    <dgm:fillClrLst meth="repeat">
-      <a:schemeClr val="accent5"/>
-    </dgm:fillClrLst>
-    <dgm:linClrLst meth="repeat">
-      <a:schemeClr val="accent5"/>
-    </dgm:linClrLst>
-    <dgm:effectClrLst/>
-    <dgm:txLinClrLst/>
-    <dgm:txFillClrLst meth="repeat">
-      <a:schemeClr val="lt1"/>
-    </dgm:txFillClrLst>
-    <dgm:txEffectClrLst/>
-  </dgm:styleLbl>
-  <dgm:styleLbl name="parChTrans2D4">
-    <dgm:fillClrLst meth="repeat">
-      <a:schemeClr val="accent5"/>
-    </dgm:fillClrLst>
-    <dgm:linClrLst meth="repeat">
-      <a:schemeClr val="accent5"/>
-    </dgm:linClrLst>
-    <dgm:effectClrLst/>
-    <dgm:txLinClrLst/>
-    <dgm:txFillClrLst meth="repeat">
-      <a:schemeClr val="lt1"/>
-    </dgm:txFillClrLst>
-    <dgm:txEffectClrLst/>
-  </dgm:styleLbl>
-  <dgm:styleLbl name="parChTrans1D1">
-    <dgm:fillClrLst meth="repeat">
-      <a:schemeClr val="accent5"/>
-    </dgm:fillClrLst>
-    <dgm:linClrLst meth="repeat">
-      <a:schemeClr val="accent5">
-        <a:shade val="60000"/>
-      </a:schemeClr>
-    </dgm:linClrLst>
-    <dgm:effectClrLst/>
-    <dgm:txLinClrLst/>
-    <dgm:txFillClrLst meth="repeat">
-      <a:schemeClr val="tx1"/>
-    </dgm:txFillClrLst>
-    <dgm:txEffectClrLst/>
-  </dgm:styleLbl>
-  <dgm:styleLbl name="parChTrans1D2">
-    <dgm:fillClrLst meth="repeat">
-      <a:schemeClr val="accent5"/>
-    </dgm:fillClrLst>
-    <dgm:linClrLst meth="repeat">
-      <a:schemeClr val="accent5">
-        <a:shade val="60000"/>
-      </a:schemeClr>
-    </dgm:linClrLst>
-    <dgm:effectClrLst/>
-    <dgm:txLinClrLst/>
-    <dgm:txFillClrLst meth="repeat">
-      <a:schemeClr val="tx1"/>
-    </dgm:txFillClrLst>
-    <dgm:txEffectClrLst/>
-  </dgm:styleLbl>
-  <dgm:styleLbl name="parChTrans1D3">
-    <dgm:fillClrLst meth="repeat">
-      <a:schemeClr val="accent5"/>
-    </dgm:fillClrLst>
-    <dgm:linClrLst meth="repeat">
-      <a:schemeClr val="accent5">
-        <a:shade val="80000"/>
-      </a:schemeClr>
-    </dgm:linClrLst>
-    <dgm:effectClrLst/>
-    <dgm:txLinClrLst/>
-    <dgm:txFillClrLst meth="repeat">
-      <a:schemeClr val="tx1"/>
-    </dgm:txFillClrLst>
-    <dgm:txEffectClrLst/>
-  </dgm:styleLbl>
-  <dgm:styleLbl name="parChTrans1D4">
-    <dgm:fillClrLst meth="repeat">
-      <a:schemeClr val="accent5"/>
-    </dgm:fillClrLst>
-    <dgm:linClrLst meth="repeat">
-      <a:schemeClr val="accent5">
-        <a:shade val="80000"/>
-      </a:schemeClr>
-    </dgm:linClrLst>
-    <dgm:effectClrLst/>
-    <dgm:txLinClrLst/>
-    <dgm:txFillClrLst meth="repeat">
-      <a:schemeClr val="tx1"/>
-    </dgm:txFillClrLst>
-    <dgm:txEffectClrLst/>
-  </dgm:styleLbl>
-  <dgm:styleLbl name="fgAcc1">
-    <dgm:fillClrLst meth="repeat">
-      <a:schemeClr val="lt1">
-        <a:alpha val="90000"/>
-      </a:schemeClr>
-    </dgm:fillClrLst>
-    <dgm:linClrLst meth="repeat">
-      <a:schemeClr val="accent5"/>
-    </dgm:linClrLst>
-    <dgm:effectClrLst/>
-    <dgm:txLinClrLst/>
-    <dgm:txFillClrLst meth="repeat">
-      <a:schemeClr val="dk1"/>
-    </dgm:txFillClrLst>
-    <dgm:txEffectClrLst/>
-  </dgm:styleLbl>
-  <dgm:styleLbl name="conFgAcc1">
-    <dgm:fillClrLst meth="repeat">
-      <a:schemeClr val="lt1">
-        <a:alpha val="90000"/>
-      </a:schemeClr>
-    </dgm:fillClrLst>
-    <dgm:linClrLst meth="repeat">
-      <a:schemeClr val="accent5"/>
-    </dgm:linClrLst>
-    <dgm:effectClrLst/>
-    <dgm:txLinClrLst/>
-    <dgm:txFillClrLst meth="repeat">
-      <a:schemeClr val="dk1"/>
-    </dgm:txFillClrLst>
-    <dgm:txEffectClrLst/>
-  </dgm:styleLbl>
-  <dgm:styleLbl name="alignAcc1">
-    <dgm:fillClrLst meth="repeat">
-      <a:schemeClr val="lt1">
-        <a:alpha val="90000"/>
-      </a:schemeClr>
-    </dgm:fillClrLst>
-    <dgm:linClrLst meth="repeat">
-      <a:schemeClr val="accent5"/>
-    </dgm:linClrLst>
-    <dgm:effectClrLst/>
-    <dgm:txLinClrLst/>
-    <dgm:txFillClrLst meth="repeat">
-      <a:schemeClr val="dk1"/>
-    </dgm:txFillClrLst>
-    <dgm:txEffectClrLst/>
-  </dgm:styleLbl>
-  <dgm:styleLbl name="trAlignAcc1">
-    <dgm:fillClrLst meth="repeat">
-      <a:schemeClr val="lt1">
-        <a:alpha val="40000"/>
-      </a:schemeClr>
-    </dgm:fillClrLst>
-    <dgm:linClrLst meth="repeat">
-      <a:schemeClr val="accent5"/>
-    </dgm:linClrLst>
-    <dgm:effectClrLst/>
-    <dgm:txLinClrLst/>
-    <dgm:txFillClrLst meth="repeat">
-      <a:schemeClr val="dk1"/>
-    </dgm:txFillClrLst>
-    <dgm:txEffectClrLst/>
-  </dgm:styleLbl>
-  <dgm:styleLbl name="bgAcc1">
-    <dgm:fillClrLst meth="repeat">
-      <a:schemeClr val="lt1">
-        <a:alpha val="90000"/>
-      </a:schemeClr>
-    </dgm:fillClrLst>
-    <dgm:linClrLst meth="repeat">
-      <a:schemeClr val="accent5"/>
-    </dgm:linClrLst>
-    <dgm:effectClrLst/>
-    <dgm:txLinClrLst/>
-    <dgm:txFillClrLst meth="repeat">
-      <a:schemeClr val="dk1"/>
-    </dgm:txFillClrLst>
-    <dgm:txEffectClrLst/>
-  </dgm:styleLbl>
-  <dgm:styleLbl name="solidFgAcc1">
-    <dgm:fillClrLst meth="repeat">
-      <a:schemeClr val="lt1"/>
-    </dgm:fillClrLst>
-    <dgm:linClrLst meth="repeat">
-      <a:schemeClr val="accent5"/>
-    </dgm:linClrLst>
-    <dgm:effectClrLst/>
-    <dgm:txLinClrLst/>
-    <dgm:txFillClrLst meth="repeat">
-      <a:schemeClr val="dk1"/>
-    </dgm:txFillClrLst>
-    <dgm:txEffectClrLst/>
-  </dgm:styleLbl>
-  <dgm:styleLbl name="solidAlignAcc1">
-    <dgm:fillClrLst meth="repeat">
-      <a:schemeClr val="lt1"/>
-    </dgm:fillClrLst>
-    <dgm:linClrLst meth="repeat">
-      <a:schemeClr val="accent5"/>
-    </dgm:linClrLst>
-    <dgm:effectClrLst/>
-    <dgm:txLinClrLst/>
-    <dgm:txFillClrLst meth="repeat">
-      <a:schemeClr val="dk1"/>
-    </dgm:txFillClrLst>
-    <dgm:txEffectClrLst/>
-  </dgm:styleLbl>
-  <dgm:styleLbl name="solidBgAcc1">
-    <dgm:fillClrLst meth="repeat">
-      <a:schemeClr val="lt1"/>
-    </dgm:fillClrLst>
-    <dgm:linClrLst meth="repeat">
-      <a:schemeClr val="accent5"/>
-    </dgm:linClrLst>
-    <dgm:effectClrLst/>
-    <dgm:txLinClrLst/>
-    <dgm:txFillClrLst meth="repeat">
-      <a:schemeClr val="dk1"/>
-    </dgm:txFillClrLst>
-    <dgm:txEffectClrLst/>
-  </dgm:styleLbl>
-  <dgm:styleLbl name="fgAccFollowNode1">
-    <dgm:fillClrLst meth="repeat">
-      <a:schemeClr val="accent5">
-        <a:alpha val="90000"/>
-        <a:tint val="40000"/>
-      </a:schemeClr>
-    </dgm:fillClrLst>
-    <dgm:linClrLst meth="repeat">
-      <a:schemeClr val="accent5">
-        <a:alpha val="90000"/>
-        <a:tint val="40000"/>
-      </a:schemeClr>
-    </dgm:linClrLst>
-    <dgm:effectClrLst/>
-    <dgm:txLinClrLst/>
-    <dgm:txFillClrLst meth="repeat">
-      <a:schemeClr val="dk1"/>
-    </dgm:txFillClrLst>
-    <dgm:txEffectClrLst/>
-  </dgm:styleLbl>
-  <dgm:styleLbl name="alignAccFollowNode1">
-    <dgm:fillClrLst meth="repeat">
-      <a:schemeClr val="accent5">
-        <a:alpha val="90000"/>
-        <a:tint val="40000"/>
-      </a:schemeClr>
-    </dgm:fillClrLst>
-    <dgm:linClrLst meth="repeat">
-      <a:schemeClr val="accent5">
-        <a:alpha val="90000"/>
-        <a:tint val="40000"/>
-      </a:schemeClr>
-    </dgm:linClrLst>
-    <dgm:effectClrLst/>
-    <dgm:txLinClrLst/>
-    <dgm:txFillClrLst meth="repeat">
-      <a:schemeClr val="dk1"/>
-    </dgm:txFillClrLst>
-    <dgm:txEffectClrLst/>
-  </dgm:styleLbl>
-  <dgm:styleLbl name="bgAccFollowNode1">
-    <dgm:fillClrLst meth="repeat">
-      <a:schemeClr val="accent5">
-        <a:alpha val="90000"/>
-        <a:tint val="40000"/>
-      </a:schemeClr>
-    </dgm:fillClrLst>
-    <dgm:linClrLst meth="repeat">
-      <a:schemeClr val="accent5">
-        <a:alpha val="90000"/>
-        <a:tint val="40000"/>
-      </a:schemeClr>
-    </dgm:linClrLst>
-    <dgm:effectClrLst/>
-    <dgm:txLinClrLst/>
-    <dgm:txFillClrLst meth="repeat">
-      <a:schemeClr val="dk1"/>
-    </dgm:txFillClrLst>
-    <dgm:txEffectClrLst/>
-  </dgm:styleLbl>
-  <dgm:styleLbl name="fgAcc0">
-    <dgm:fillClrLst meth="repeat">
-      <a:schemeClr val="lt1">
-        <a:alpha val="90000"/>
-      </a:schemeClr>
-    </dgm:fillClrLst>
-    <dgm:linClrLst meth="repeat">
-      <a:schemeClr val="accent5"/>
-    </dgm:linClrLst>
-    <dgm:effectClrLst/>
-    <dgm:txLinClrLst/>
-    <dgm:txFillClrLst meth="repeat">
-      <a:schemeClr val="dk1"/>
-    </dgm:txFillClrLst>
-    <dgm:txEffectClrLst/>
-  </dgm:styleLbl>
-  <dgm:styleLbl name="fgAcc2">
-    <dgm:fillClrLst meth="repeat">
-      <a:schemeClr val="lt1">
-        <a:alpha val="90000"/>
-      </a:schemeClr>
-    </dgm:fillClrLst>
-    <dgm:linClrLst meth="repeat">
-      <a:schemeClr val="accent5"/>
-    </dgm:linClrLst>
-    <dgm:effectClrLst/>
-    <dgm:txLinClrLst/>
-    <dgm:txFillClrLst meth="repeat">
-      <a:schemeClr val="dk1"/>
-    </dgm:txFillClrLst>
-    <dgm:txEffectClrLst/>
-  </dgm:styleLbl>
-  <dgm:styleLbl name="fgAcc3">
-    <dgm:fillClrLst meth="repeat">
-      <a:schemeClr val="lt1">
-        <a:alpha val="90000"/>
-      </a:schemeClr>
-    </dgm:fillClrLst>
-    <dgm:linClrLst meth="repeat">
-      <a:schemeClr val="accent5"/>
-    </dgm:linClrLst>
-    <dgm:effectClrLst/>
-    <dgm:txLinClrLst/>
-    <dgm:txFillClrLst meth="repeat">
-      <a:schemeClr val="dk1"/>
-    </dgm:txFillClrLst>
-    <dgm:txEffectClrLst/>
-  </dgm:styleLbl>
-  <dgm:styleLbl name="fgAcc4">
-    <dgm:fillClrLst meth="repeat">
-      <a:schemeClr val="lt1">
-        <a:alpha val="90000"/>
-      </a:schemeClr>
-    </dgm:fillClrLst>
-    <dgm:linClrLst meth="repeat">
-      <a:schemeClr val="accent5"/>
-    </dgm:linClrLst>
-    <dgm:effectClrLst/>
-    <dgm:txLinClrLst/>
-    <dgm:txFillClrLst meth="repeat">
-      <a:schemeClr val="dk1"/>
-    </dgm:txFillClrLst>
-    <dgm:txEffectClrLst/>
-  </dgm:styleLbl>
-  <dgm:styleLbl name="bgShp">
-    <dgm:fillClrLst meth="repeat">
-      <a:schemeClr val="accent5">
-        <a:tint val="40000"/>
-      </a:schemeClr>
-    </dgm:fillClrLst>
-    <dgm:linClrLst meth="repeat">
-      <a:schemeClr val="accent5"/>
-    </dgm:linClrLst>
-    <dgm:effectClrLst/>
-    <dgm:txLinClrLst/>
-    <dgm:txFillClrLst meth="repeat">
-      <a:schemeClr val="dk1"/>
-    </dgm:txFillClrLst>
-    <dgm:txEffectClrLst/>
-  </dgm:styleLbl>
-  <dgm:styleLbl name="dkBgShp">
-    <dgm:fillClrLst meth="repeat">
-      <a:schemeClr val="accent5">
-        <a:shade val="80000"/>
-      </a:schemeClr>
-    </dgm:fillClrLst>
-    <dgm:linClrLst meth="repeat">
-      <a:schemeClr val="accent5"/>
-    </dgm:linClrLst>
-    <dgm:effectClrLst/>
-    <dgm:txLinClrLst/>
-    <dgm:txFillClrLst meth="repeat">
-      <a:schemeClr val="lt1"/>
-    </dgm:txFillClrLst>
-    <dgm:txEffectClrLst/>
-  </dgm:styleLbl>
-  <dgm:styleLbl name="trBgShp">
-    <dgm:fillClrLst meth="repeat">
-      <a:schemeClr val="accent5">
-        <a:tint val="50000"/>
-        <a:alpha val="40000"/>
-      </a:schemeClr>
-    </dgm:fillClrLst>
-    <dgm:linClrLst meth="repeat">
-      <a:schemeClr val="accent5"/>
-    </dgm:linClrLst>
-    <dgm:effectClrLst/>
-    <dgm:txLinClrLst/>
-    <dgm:txFillClrLst meth="repeat">
-      <a:schemeClr val="lt1"/>
-    </dgm:txFillClrLst>
-    <dgm:txEffectClrLst/>
-  </dgm:styleLbl>
-  <dgm:styleLbl name="fgShp">
-    <dgm:fillClrLst meth="repeat">
-      <a:schemeClr val="accent5">
-        <a:tint val="60000"/>
-      </a:schemeClr>
-    </dgm:fillClrLst>
-    <dgm:linClrLst meth="repeat">
-      <a:schemeClr val="lt1"/>
-    </dgm:linClrLst>
-    <dgm:effectClrLst/>
-    <dgm:txLinClrLst/>
-    <dgm:txFillClrLst meth="repeat">
-      <a:schemeClr val="dk1"/>
-    </dgm:txFillClrLst>
-    <dgm:txEffectClrLst/>
-  </dgm:styleLbl>
-  <dgm:styleLbl name="revTx">
-    <dgm:fillClrLst meth="repeat">
-      <a:schemeClr val="lt1">
-        <a:alpha val="0"/>
-      </a:schemeClr>
-    </dgm:fillClrLst>
-    <dgm:linClrLst meth="repeat">
-      <a:schemeClr val="dk1">
-        <a:alpha val="0"/>
-      </a:schemeClr>
-    </dgm:linClrLst>
-    <dgm:effectClrLst/>
-    <dgm:txLinClrLst/>
-    <dgm:txFillClrLst meth="repeat">
-      <a:schemeClr val="tx1"/>
-    </dgm:txFillClrLst>
-    <dgm:txEffectClrLst/>
-  </dgm:styleLbl>
-</dgm:colorsDef>
-</file>
-
-<file path=ppt/diagrams/data1.xml><?xml version="1.0" encoding="utf-8"?>
-<dgm:dataModel xmlns:dgm="http://schemas.openxmlformats.org/drawingml/2006/diagram" xmlns:a="http://schemas.openxmlformats.org/drawingml/2006/main">
-  <dgm:ptLst>
-    <dgm:pt modelId="{AB08BA36-A16A-4C16-8F63-9AEE3FB76278}" type="doc">
-      <dgm:prSet loTypeId="urn:microsoft.com/office/officeart/2016/7/layout/HexagonTimeline" loCatId="process" qsTypeId="urn:microsoft.com/office/officeart/2005/8/quickstyle/simple5" qsCatId="simple" csTypeId="urn:microsoft.com/office/officeart/2005/8/colors/accent5_2" csCatId="accent5" phldr="1"/>
-      <dgm:spPr/>
-      <dgm:t>
-        <a:bodyPr rtlCol="0"/>
-        <a:lstStyle/>
-        <a:p>
-          <a:pPr rtl="0"/>
-          <a:endParaRPr lang="en-US"/>
-        </a:p>
-      </dgm:t>
-    </dgm:pt>
-    <dgm:pt modelId="{79D5E37C-6EE5-46B4-B136-E5E388C14C15}">
-      <dgm:prSet/>
-      <dgm:spPr>
-        <a:solidFill>
-          <a:schemeClr val="accent1">
-            <a:lumMod val="50000"/>
-          </a:schemeClr>
-        </a:solidFill>
-        <a:ln>
-          <a:noFill/>
-        </a:ln>
-        <a:effectLst/>
-      </dgm:spPr>
-      <dgm:t>
-        <a:bodyPr rtlCol="0"/>
-        <a:lstStyle/>
-        <a:p>
-          <a:pPr rtl="0"/>
-          <a:r>
-            <a:rPr lang="nl-NL" dirty="0"/>
-            <a:t>Jan. 20JJ</a:t>
-          </a:r>
-        </a:p>
-      </dgm:t>
-    </dgm:pt>
-    <dgm:pt modelId="{BE57F84A-B207-4C0D-8E09-A4D38A4F8E76}" type="parTrans" cxnId="{BCE39BB1-C22E-497B-987C-BCBDA5A4375D}">
-      <dgm:prSet/>
-      <dgm:spPr/>
-      <dgm:t>
-        <a:bodyPr rtlCol="0"/>
-        <a:lstStyle/>
-        <a:p>
-          <a:pPr rtl="0"/>
-          <a:endParaRPr lang="nl-NL" dirty="0"/>
-        </a:p>
-      </dgm:t>
-    </dgm:pt>
-    <dgm:pt modelId="{5D7642E4-C295-4232-A0B9-FFB60ECA314A}" type="sibTrans" cxnId="{BCE39BB1-C22E-497B-987C-BCBDA5A4375D}">
-      <dgm:prSet/>
-      <dgm:spPr/>
-      <dgm:t>
-        <a:bodyPr rtlCol="0"/>
-        <a:lstStyle/>
-        <a:p>
-          <a:pPr rtl="0"/>
-          <a:endParaRPr lang="nl-NL" dirty="0"/>
-        </a:p>
-      </dgm:t>
-    </dgm:pt>
-    <dgm:pt modelId="{3E75349A-CDC7-4946-94A4-E34887B449BA}">
-      <dgm:prSet/>
-      <dgm:spPr/>
-      <dgm:t>
-        <a:bodyPr rtlCol="0"/>
-        <a:lstStyle/>
-        <a:p>
-          <a:pPr rtl="0"/>
-          <a:r>
-            <a:rPr lang="nl-NL" dirty="0"/>
-            <a:t>Beschrijf de impact van het onderwerp </a:t>
-          </a:r>
-        </a:p>
-      </dgm:t>
-    </dgm:pt>
-    <dgm:pt modelId="{6A082C22-5B54-4131-AEF5-F8B4CD621D35}" type="parTrans" cxnId="{87C2CCCD-2503-438C-8922-672436A9A51E}">
-      <dgm:prSet/>
-      <dgm:spPr/>
-      <dgm:t>
-        <a:bodyPr rtlCol="0"/>
-        <a:lstStyle/>
-        <a:p>
-          <a:pPr rtl="0"/>
-          <a:endParaRPr lang="nl-NL" dirty="0"/>
-        </a:p>
-      </dgm:t>
-    </dgm:pt>
-    <dgm:pt modelId="{18BA5848-4D28-4878-98D0-6627678AB161}" type="sibTrans" cxnId="{87C2CCCD-2503-438C-8922-672436A9A51E}">
-      <dgm:prSet/>
-      <dgm:spPr/>
-      <dgm:t>
-        <a:bodyPr rtlCol="0"/>
-        <a:lstStyle/>
-        <a:p>
-          <a:pPr rtl="0"/>
-          <a:endParaRPr lang="nl-NL" dirty="0"/>
-        </a:p>
-      </dgm:t>
-    </dgm:pt>
-    <dgm:pt modelId="{5A7CD7F9-CA4B-4E8F-A1BF-F25860D96E9D}">
-      <dgm:prSet/>
-      <dgm:spPr>
-        <a:solidFill>
-          <a:schemeClr val="tx1">
-            <a:lumMod val="85000"/>
-            <a:lumOff val="15000"/>
-          </a:schemeClr>
-        </a:solidFill>
-        <a:ln>
-          <a:noFill/>
-        </a:ln>
-        <a:effectLst/>
-      </dgm:spPr>
-      <dgm:t>
-        <a:bodyPr rtlCol="0"/>
-        <a:lstStyle/>
-        <a:p>
-          <a:pPr rtl="0"/>
-          <a:r>
-            <a:rPr lang="nl-NL" dirty="0"/>
-            <a:t>Feb. 20JJ</a:t>
-          </a:r>
-        </a:p>
-      </dgm:t>
-    </dgm:pt>
-    <dgm:pt modelId="{D4EECE8E-3013-448B-9DF7-8C096854C02A}" type="parTrans" cxnId="{8668B309-818E-4D64-A43A-A3D51BDFF9E4}">
-      <dgm:prSet/>
-      <dgm:spPr/>
-      <dgm:t>
-        <a:bodyPr rtlCol="0"/>
-        <a:lstStyle/>
-        <a:p>
-          <a:pPr rtl="0"/>
-          <a:endParaRPr lang="nl-NL" dirty="0"/>
-        </a:p>
-      </dgm:t>
-    </dgm:pt>
-    <dgm:pt modelId="{22778933-56E6-4E89-B68E-F8578CFE0734}" type="sibTrans" cxnId="{8668B309-818E-4D64-A43A-A3D51BDFF9E4}">
-      <dgm:prSet/>
-      <dgm:spPr/>
-      <dgm:t>
-        <a:bodyPr rtlCol="0"/>
-        <a:lstStyle/>
-        <a:p>
-          <a:pPr rtl="0"/>
-          <a:endParaRPr lang="nl-NL" dirty="0"/>
-        </a:p>
-      </dgm:t>
-    </dgm:pt>
-    <dgm:pt modelId="{721865A7-48DF-48AF-B013-2706AB04AECB}">
-      <dgm:prSet/>
-      <dgm:spPr/>
-      <dgm:t>
-        <a:bodyPr rtlCol="0"/>
-        <a:lstStyle/>
-        <a:p>
-          <a:pPr rtl="0"/>
-          <a:r>
-            <a:rPr lang="nl-NL" noProof="0" dirty="0"/>
-            <a:t>Beschrijf de impact van het onderwerp </a:t>
-          </a:r>
-        </a:p>
-      </dgm:t>
-    </dgm:pt>
-    <dgm:pt modelId="{9867F13E-F6DE-45B4-9F66-F9748662E707}" type="parTrans" cxnId="{CD5F7384-F42E-47EB-A5DD-AC4847277DA6}">
-      <dgm:prSet/>
-      <dgm:spPr/>
-      <dgm:t>
-        <a:bodyPr rtlCol="0"/>
-        <a:lstStyle/>
-        <a:p>
-          <a:pPr rtl="0"/>
-          <a:endParaRPr lang="nl-NL" dirty="0"/>
-        </a:p>
-      </dgm:t>
-    </dgm:pt>
-    <dgm:pt modelId="{C10D6369-C1DA-4ABD-A9C2-1793F41241FC}" type="sibTrans" cxnId="{CD5F7384-F42E-47EB-A5DD-AC4847277DA6}">
-      <dgm:prSet/>
-      <dgm:spPr/>
-      <dgm:t>
-        <a:bodyPr rtlCol="0"/>
-        <a:lstStyle/>
-        <a:p>
-          <a:pPr rtl="0"/>
-          <a:endParaRPr lang="nl-NL" dirty="0"/>
-        </a:p>
-      </dgm:t>
-    </dgm:pt>
-    <dgm:pt modelId="{6EC236B8-3DCD-4D3B-BA1A-4DDB2D1D0501}">
-      <dgm:prSet/>
-      <dgm:spPr>
-        <a:solidFill>
-          <a:schemeClr val="bg1">
-            <a:lumMod val="85000"/>
-          </a:schemeClr>
-        </a:solidFill>
-        <a:ln>
-          <a:noFill/>
-        </a:ln>
-        <a:effectLst/>
-      </dgm:spPr>
-      <dgm:t>
-        <a:bodyPr rtlCol="0"/>
-        <a:lstStyle/>
-        <a:p>
-          <a:pPr rtl="0"/>
-          <a:r>
-            <a:rPr lang="nl-NL" dirty="0">
-              <a:solidFill>
-                <a:schemeClr val="tx1"/>
-              </a:solidFill>
-            </a:rPr>
-            <a:t>Mrt. 20JJ</a:t>
-          </a:r>
-        </a:p>
-      </dgm:t>
-    </dgm:pt>
-    <dgm:pt modelId="{A089C88B-5621-431F-9218-EEAA3DB4532B}" type="parTrans" cxnId="{DEBF011F-DBF0-41C7-AD96-98CB1261F1E6}">
-      <dgm:prSet/>
-      <dgm:spPr/>
-      <dgm:t>
-        <a:bodyPr rtlCol="0"/>
-        <a:lstStyle/>
-        <a:p>
-          <a:pPr rtl="0"/>
-          <a:endParaRPr lang="nl-NL" dirty="0"/>
-        </a:p>
-      </dgm:t>
-    </dgm:pt>
-    <dgm:pt modelId="{0392B523-7A12-4227-AFCC-1ECAFEDF80F5}" type="sibTrans" cxnId="{DEBF011F-DBF0-41C7-AD96-98CB1261F1E6}">
-      <dgm:prSet/>
-      <dgm:spPr/>
-      <dgm:t>
-        <a:bodyPr rtlCol="0"/>
-        <a:lstStyle/>
-        <a:p>
-          <a:pPr rtl="0"/>
-          <a:endParaRPr lang="nl-NL" dirty="0"/>
-        </a:p>
-      </dgm:t>
-    </dgm:pt>
-    <dgm:pt modelId="{77CFE12A-47BC-4C5B-8B19-9A3624B335DE}">
-      <dgm:prSet/>
-      <dgm:spPr/>
-      <dgm:t>
-        <a:bodyPr rtlCol="0"/>
-        <a:lstStyle/>
-        <a:p>
-          <a:pPr rtl="0"/>
-          <a:r>
-            <a:rPr lang="nl-NL" dirty="0"/>
-            <a:t>Beschrijf </a:t>
-          </a:r>
-          <a:r>
-            <a:rPr lang="nl-NL" noProof="0" dirty="0"/>
-            <a:t>de</a:t>
-          </a:r>
-          <a:r>
-            <a:rPr lang="nl-NL" dirty="0"/>
-            <a:t> impact van uw onderwerp </a:t>
-          </a:r>
-        </a:p>
-      </dgm:t>
-    </dgm:pt>
-    <dgm:pt modelId="{EA77DA41-DCDA-4F52-8093-032D4584C46B}" type="parTrans" cxnId="{E619F6D2-AB4E-4568-AA0D-DD5B723984E4}">
-      <dgm:prSet/>
-      <dgm:spPr/>
-      <dgm:t>
-        <a:bodyPr rtlCol="0"/>
-        <a:lstStyle/>
-        <a:p>
-          <a:pPr rtl="0"/>
-          <a:endParaRPr lang="nl-NL" dirty="0"/>
-        </a:p>
-      </dgm:t>
-    </dgm:pt>
-    <dgm:pt modelId="{2063576C-C2E8-4611-9778-BA81802BB256}" type="sibTrans" cxnId="{E619F6D2-AB4E-4568-AA0D-DD5B723984E4}">
-      <dgm:prSet/>
-      <dgm:spPr/>
-      <dgm:t>
-        <a:bodyPr rtlCol="0"/>
-        <a:lstStyle/>
-        <a:p>
-          <a:pPr rtl="0"/>
-          <a:endParaRPr lang="nl-NL" dirty="0"/>
-        </a:p>
-      </dgm:t>
-    </dgm:pt>
-    <dgm:pt modelId="{BA270F43-0C36-4246-8BB8-6065D927DFD3}" type="pres">
-      <dgm:prSet presAssocID="{AB08BA36-A16A-4C16-8F63-9AEE3FB76278}" presName="Name0" presStyleCnt="0">
-        <dgm:presLayoutVars>
-          <dgm:chMax/>
-          <dgm:chPref/>
-          <dgm:animLvl val="lvl"/>
-        </dgm:presLayoutVars>
-      </dgm:prSet>
-      <dgm:spPr/>
-    </dgm:pt>
-    <dgm:pt modelId="{DB77968F-28AC-402A-ADE0-64611B01B33F}" type="pres">
-      <dgm:prSet presAssocID="{79D5E37C-6EE5-46B4-B136-E5E388C14C15}" presName="composite" presStyleCnt="0"/>
-      <dgm:spPr/>
-    </dgm:pt>
-    <dgm:pt modelId="{87197975-52CC-4703-B090-3C0D7101D171}" type="pres">
-      <dgm:prSet presAssocID="{79D5E37C-6EE5-46B4-B136-E5E388C14C15}" presName="Parent1" presStyleLbl="alignNode1" presStyleIdx="0" presStyleCnt="3">
-        <dgm:presLayoutVars>
-          <dgm:chMax val="1"/>
-          <dgm:chPref val="1"/>
-          <dgm:bulletEnabled val="1"/>
-        </dgm:presLayoutVars>
-      </dgm:prSet>
-      <dgm:spPr/>
-    </dgm:pt>
-    <dgm:pt modelId="{95FCF055-303A-4445-9813-7E8E825042F7}" type="pres">
-      <dgm:prSet presAssocID="{79D5E37C-6EE5-46B4-B136-E5E388C14C15}" presName="Childtext1" presStyleLbl="revTx" presStyleIdx="0" presStyleCnt="3">
-        <dgm:presLayoutVars>
-          <dgm:chMax val="0"/>
-          <dgm:chPref val="0"/>
-          <dgm:bulletEnabled/>
-        </dgm:presLayoutVars>
-      </dgm:prSet>
-      <dgm:spPr/>
-    </dgm:pt>
-    <dgm:pt modelId="{D01E2BCD-A874-4A1C-89AC-5538E4157620}" type="pres">
-      <dgm:prSet presAssocID="{79D5E37C-6EE5-46B4-B136-E5E388C14C15}" presName="ConnectLine" presStyleLbl="sibTrans1D1" presStyleIdx="0" presStyleCnt="3"/>
-      <dgm:spPr>
-        <a:noFill/>
-        <a:ln w="12700" cap="flat" cmpd="sng" algn="in">
-          <a:solidFill>
-            <a:schemeClr val="accent5">
-              <a:hueOff val="0"/>
-              <a:satOff val="0"/>
-              <a:lumOff val="0"/>
-              <a:alphaOff val="0"/>
-            </a:schemeClr>
-          </a:solidFill>
-          <a:prstDash val="dash"/>
-        </a:ln>
-        <a:effectLst/>
-      </dgm:spPr>
-    </dgm:pt>
-    <dgm:pt modelId="{42FDB9A9-E4A8-41C4-8D31-90A173B96E5C}" type="pres">
-      <dgm:prSet presAssocID="{79D5E37C-6EE5-46B4-B136-E5E388C14C15}" presName="ConnectLineEnd" presStyleLbl="node1" presStyleIdx="0" presStyleCnt="3"/>
-      <dgm:spPr>
-        <a:solidFill>
-          <a:schemeClr val="accent1">
-            <a:lumMod val="50000"/>
-          </a:schemeClr>
-        </a:solidFill>
-        <a:effectLst/>
-      </dgm:spPr>
-    </dgm:pt>
-    <dgm:pt modelId="{3D54F6D0-2057-4B25-8365-ED10A3FE5FAC}" type="pres">
-      <dgm:prSet presAssocID="{79D5E37C-6EE5-46B4-B136-E5E388C14C15}" presName="EmptyPane" presStyleCnt="0"/>
-      <dgm:spPr/>
-    </dgm:pt>
-    <dgm:pt modelId="{9B8552CD-49EF-4C0D-A1E0-14E2B93937C6}" type="pres">
-      <dgm:prSet presAssocID="{5D7642E4-C295-4232-A0B9-FFB60ECA314A}" presName="spaceBetweenRectangles" presStyleLbl="fgAcc1" presStyleIdx="0" presStyleCnt="2"/>
-      <dgm:spPr/>
-    </dgm:pt>
-    <dgm:pt modelId="{B9613699-D389-47DE-94A2-9874595052A1}" type="pres">
-      <dgm:prSet presAssocID="{5A7CD7F9-CA4B-4E8F-A1BF-F25860D96E9D}" presName="composite" presStyleCnt="0"/>
-      <dgm:spPr/>
-    </dgm:pt>
-    <dgm:pt modelId="{26B4BD2F-FDF2-43F2-B16B-BEB2D2725732}" type="pres">
-      <dgm:prSet presAssocID="{5A7CD7F9-CA4B-4E8F-A1BF-F25860D96E9D}" presName="Parent1" presStyleLbl="alignNode1" presStyleIdx="1" presStyleCnt="3">
-        <dgm:presLayoutVars>
-          <dgm:chMax val="1"/>
-          <dgm:chPref val="1"/>
-          <dgm:bulletEnabled val="1"/>
-        </dgm:presLayoutVars>
-      </dgm:prSet>
-      <dgm:spPr/>
-    </dgm:pt>
-    <dgm:pt modelId="{6C70F55F-492B-43E5-837C-20655AECEE3D}" type="pres">
-      <dgm:prSet presAssocID="{5A7CD7F9-CA4B-4E8F-A1BF-F25860D96E9D}" presName="Childtext1" presStyleLbl="revTx" presStyleIdx="1" presStyleCnt="3">
-        <dgm:presLayoutVars>
-          <dgm:chMax val="0"/>
-          <dgm:chPref val="0"/>
-          <dgm:bulletEnabled/>
-        </dgm:presLayoutVars>
-      </dgm:prSet>
-      <dgm:spPr/>
-    </dgm:pt>
-    <dgm:pt modelId="{EFE2D3E2-1871-4306-945A-082E4C6DFF62}" type="pres">
-      <dgm:prSet presAssocID="{5A7CD7F9-CA4B-4E8F-A1BF-F25860D96E9D}" presName="ConnectLine" presStyleLbl="sibTrans1D1" presStyleIdx="1" presStyleCnt="3"/>
-      <dgm:spPr>
-        <a:noFill/>
-        <a:ln w="12700" cap="flat" cmpd="sng" algn="in">
-          <a:solidFill>
-            <a:schemeClr val="accent5">
-              <a:hueOff val="0"/>
-              <a:satOff val="0"/>
-              <a:lumOff val="0"/>
-              <a:alphaOff val="0"/>
-            </a:schemeClr>
-          </a:solidFill>
-          <a:prstDash val="dash"/>
-        </a:ln>
-        <a:effectLst/>
-      </dgm:spPr>
-    </dgm:pt>
-    <dgm:pt modelId="{1FA22CC1-F421-42D7-B327-A0748A5CA8CA}" type="pres">
-      <dgm:prSet presAssocID="{5A7CD7F9-CA4B-4E8F-A1BF-F25860D96E9D}" presName="ConnectLineEnd" presStyleLbl="node1" presStyleIdx="1" presStyleCnt="3"/>
-      <dgm:spPr>
-        <a:solidFill>
-          <a:schemeClr val="tx1">
-            <a:lumMod val="85000"/>
-            <a:lumOff val="15000"/>
-          </a:schemeClr>
-        </a:solidFill>
-        <a:effectLst/>
-      </dgm:spPr>
-    </dgm:pt>
-    <dgm:pt modelId="{B9AAF34C-316B-4600-BE86-CE8E2DB2A167}" type="pres">
-      <dgm:prSet presAssocID="{5A7CD7F9-CA4B-4E8F-A1BF-F25860D96E9D}" presName="EmptyPane" presStyleCnt="0"/>
-      <dgm:spPr/>
-    </dgm:pt>
-    <dgm:pt modelId="{237EB574-03EA-4B5E-A071-20BFF7A94025}" type="pres">
-      <dgm:prSet presAssocID="{22778933-56E6-4E89-B68E-F8578CFE0734}" presName="spaceBetweenRectangles" presStyleLbl="fgAcc1" presStyleIdx="1" presStyleCnt="2"/>
-      <dgm:spPr/>
-    </dgm:pt>
-    <dgm:pt modelId="{8713FAAE-A94E-4C45-80CC-D0CADC2C45F5}" type="pres">
-      <dgm:prSet presAssocID="{6EC236B8-3DCD-4D3B-BA1A-4DDB2D1D0501}" presName="composite" presStyleCnt="0"/>
-      <dgm:spPr/>
-    </dgm:pt>
-    <dgm:pt modelId="{42647E7A-7F8D-43C5-B7AA-DB1A84D62562}" type="pres">
-      <dgm:prSet presAssocID="{6EC236B8-3DCD-4D3B-BA1A-4DDB2D1D0501}" presName="Parent1" presStyleLbl="alignNode1" presStyleIdx="2" presStyleCnt="3">
-        <dgm:presLayoutVars>
-          <dgm:chMax val="1"/>
-          <dgm:chPref val="1"/>
-          <dgm:bulletEnabled val="1"/>
-        </dgm:presLayoutVars>
-      </dgm:prSet>
-      <dgm:spPr/>
-    </dgm:pt>
-    <dgm:pt modelId="{6459495F-68A2-4439-A9B3-5DDACF24ECD9}" type="pres">
-      <dgm:prSet presAssocID="{6EC236B8-3DCD-4D3B-BA1A-4DDB2D1D0501}" presName="Childtext1" presStyleLbl="revTx" presStyleIdx="2" presStyleCnt="3">
-        <dgm:presLayoutVars>
-          <dgm:chMax val="0"/>
-          <dgm:chPref val="0"/>
-          <dgm:bulletEnabled/>
-        </dgm:presLayoutVars>
-      </dgm:prSet>
-      <dgm:spPr/>
-    </dgm:pt>
-    <dgm:pt modelId="{DA9415BC-5F5D-427A-8E4A-15DE1DCD00EC}" type="pres">
-      <dgm:prSet presAssocID="{6EC236B8-3DCD-4D3B-BA1A-4DDB2D1D0501}" presName="ConnectLine" presStyleLbl="sibTrans1D1" presStyleIdx="2" presStyleCnt="3"/>
-      <dgm:spPr>
-        <a:noFill/>
-        <a:ln w="12700" cap="flat" cmpd="sng" algn="in">
-          <a:solidFill>
-            <a:schemeClr val="accent5">
-              <a:hueOff val="0"/>
-              <a:satOff val="0"/>
-              <a:lumOff val="0"/>
-              <a:alphaOff val="0"/>
-            </a:schemeClr>
-          </a:solidFill>
-          <a:prstDash val="dash"/>
-        </a:ln>
-        <a:effectLst/>
-      </dgm:spPr>
-    </dgm:pt>
-    <dgm:pt modelId="{66283014-8366-4F80-A66F-FA0C7794F36F}" type="pres">
-      <dgm:prSet presAssocID="{6EC236B8-3DCD-4D3B-BA1A-4DDB2D1D0501}" presName="ConnectLineEnd" presStyleLbl="node1" presStyleIdx="2" presStyleCnt="3"/>
-      <dgm:spPr>
-        <a:solidFill>
-          <a:schemeClr val="bg1">
-            <a:lumMod val="75000"/>
-          </a:schemeClr>
-        </a:solidFill>
-        <a:effectLst/>
-      </dgm:spPr>
-    </dgm:pt>
-    <dgm:pt modelId="{AF0F2ED6-BC80-4E40-B2CD-6C12B31151D5}" type="pres">
-      <dgm:prSet presAssocID="{6EC236B8-3DCD-4D3B-BA1A-4DDB2D1D0501}" presName="EmptyPane" presStyleCnt="0"/>
-      <dgm:spPr/>
-    </dgm:pt>
-  </dgm:ptLst>
-  <dgm:cxnLst>
-    <dgm:cxn modelId="{8668B309-818E-4D64-A43A-A3D51BDFF9E4}" srcId="{AB08BA36-A16A-4C16-8F63-9AEE3FB76278}" destId="{5A7CD7F9-CA4B-4E8F-A1BF-F25860D96E9D}" srcOrd="1" destOrd="0" parTransId="{D4EECE8E-3013-448B-9DF7-8C096854C02A}" sibTransId="{22778933-56E6-4E89-B68E-F8578CFE0734}"/>
-    <dgm:cxn modelId="{DEBF011F-DBF0-41C7-AD96-98CB1261F1E6}" srcId="{AB08BA36-A16A-4C16-8F63-9AEE3FB76278}" destId="{6EC236B8-3DCD-4D3B-BA1A-4DDB2D1D0501}" srcOrd="2" destOrd="0" parTransId="{A089C88B-5621-431F-9218-EEAA3DB4532B}" sibTransId="{0392B523-7A12-4227-AFCC-1ECAFEDF80F5}"/>
-    <dgm:cxn modelId="{56BFC82A-B3C7-4D8B-B364-019866A43DF2}" type="presOf" srcId="{79D5E37C-6EE5-46B4-B136-E5E388C14C15}" destId="{87197975-52CC-4703-B090-3C0D7101D171}" srcOrd="0" destOrd="0" presId="urn:microsoft.com/office/officeart/2016/7/layout/HexagonTimeline"/>
-    <dgm:cxn modelId="{37D9742D-B407-42C5-B0AF-29F531C5FE4B}" type="presOf" srcId="{77CFE12A-47BC-4C5B-8B19-9A3624B335DE}" destId="{6459495F-68A2-4439-A9B3-5DDACF24ECD9}" srcOrd="0" destOrd="0" presId="urn:microsoft.com/office/officeart/2016/7/layout/HexagonTimeline"/>
-    <dgm:cxn modelId="{EBDB614A-5533-4D48-BD82-CD12634648C8}" type="presOf" srcId="{3E75349A-CDC7-4946-94A4-E34887B449BA}" destId="{95FCF055-303A-4445-9813-7E8E825042F7}" srcOrd="0" destOrd="0" presId="urn:microsoft.com/office/officeart/2016/7/layout/HexagonTimeline"/>
-    <dgm:cxn modelId="{F8DCE64F-0CDA-4F47-A51D-A37BFD6B9D59}" type="presOf" srcId="{AB08BA36-A16A-4C16-8F63-9AEE3FB76278}" destId="{BA270F43-0C36-4246-8BB8-6065D927DFD3}" srcOrd="0" destOrd="0" presId="urn:microsoft.com/office/officeart/2016/7/layout/HexagonTimeline"/>
-    <dgm:cxn modelId="{CD5F7384-F42E-47EB-A5DD-AC4847277DA6}" srcId="{5A7CD7F9-CA4B-4E8F-A1BF-F25860D96E9D}" destId="{721865A7-48DF-48AF-B013-2706AB04AECB}" srcOrd="0" destOrd="0" parTransId="{9867F13E-F6DE-45B4-9F66-F9748662E707}" sibTransId="{C10D6369-C1DA-4ABD-A9C2-1793F41241FC}"/>
-    <dgm:cxn modelId="{BBC024AB-6643-4926-91A5-93900D44CDD9}" type="presOf" srcId="{721865A7-48DF-48AF-B013-2706AB04AECB}" destId="{6C70F55F-492B-43E5-837C-20655AECEE3D}" srcOrd="0" destOrd="0" presId="urn:microsoft.com/office/officeart/2016/7/layout/HexagonTimeline"/>
-    <dgm:cxn modelId="{BCE39BB1-C22E-497B-987C-BCBDA5A4375D}" srcId="{AB08BA36-A16A-4C16-8F63-9AEE3FB76278}" destId="{79D5E37C-6EE5-46B4-B136-E5E388C14C15}" srcOrd="0" destOrd="0" parTransId="{BE57F84A-B207-4C0D-8E09-A4D38A4F8E76}" sibTransId="{5D7642E4-C295-4232-A0B9-FFB60ECA314A}"/>
-    <dgm:cxn modelId="{87C2CCCD-2503-438C-8922-672436A9A51E}" srcId="{79D5E37C-6EE5-46B4-B136-E5E388C14C15}" destId="{3E75349A-CDC7-4946-94A4-E34887B449BA}" srcOrd="0" destOrd="0" parTransId="{6A082C22-5B54-4131-AEF5-F8B4CD621D35}" sibTransId="{18BA5848-4D28-4878-98D0-6627678AB161}"/>
-    <dgm:cxn modelId="{E619F6D2-AB4E-4568-AA0D-DD5B723984E4}" srcId="{6EC236B8-3DCD-4D3B-BA1A-4DDB2D1D0501}" destId="{77CFE12A-47BC-4C5B-8B19-9A3624B335DE}" srcOrd="0" destOrd="0" parTransId="{EA77DA41-DCDA-4F52-8093-032D4584C46B}" sibTransId="{2063576C-C2E8-4611-9778-BA81802BB256}"/>
-    <dgm:cxn modelId="{5F68CEE0-D8AC-420D-A3D8-E0DBA8791EB8}" type="presOf" srcId="{5A7CD7F9-CA4B-4E8F-A1BF-F25860D96E9D}" destId="{26B4BD2F-FDF2-43F2-B16B-BEB2D2725732}" srcOrd="0" destOrd="0" presId="urn:microsoft.com/office/officeart/2016/7/layout/HexagonTimeline"/>
-    <dgm:cxn modelId="{AD80E6F2-38FF-45B8-94E2-E6E589FE6739}" type="presOf" srcId="{6EC236B8-3DCD-4D3B-BA1A-4DDB2D1D0501}" destId="{42647E7A-7F8D-43C5-B7AA-DB1A84D62562}" srcOrd="0" destOrd="0" presId="urn:microsoft.com/office/officeart/2016/7/layout/HexagonTimeline"/>
-    <dgm:cxn modelId="{B88E1EBD-801F-4C31-BE75-DBBD8A06DC99}" type="presParOf" srcId="{BA270F43-0C36-4246-8BB8-6065D927DFD3}" destId="{DB77968F-28AC-402A-ADE0-64611B01B33F}" srcOrd="0" destOrd="0" presId="urn:microsoft.com/office/officeart/2016/7/layout/HexagonTimeline"/>
-    <dgm:cxn modelId="{D2B6F50D-D050-47D7-87AB-B741677EF213}" type="presParOf" srcId="{DB77968F-28AC-402A-ADE0-64611B01B33F}" destId="{87197975-52CC-4703-B090-3C0D7101D171}" srcOrd="0" destOrd="0" presId="urn:microsoft.com/office/officeart/2016/7/layout/HexagonTimeline"/>
-    <dgm:cxn modelId="{E7B89C9F-BC39-4F7E-B9F4-FCD18352F6D1}" type="presParOf" srcId="{DB77968F-28AC-402A-ADE0-64611B01B33F}" destId="{95FCF055-303A-4445-9813-7E8E825042F7}" srcOrd="1" destOrd="0" presId="urn:microsoft.com/office/officeart/2016/7/layout/HexagonTimeline"/>
-    <dgm:cxn modelId="{B66F869E-BCF8-434A-977B-F92DEBD2D74E}" type="presParOf" srcId="{DB77968F-28AC-402A-ADE0-64611B01B33F}" destId="{D01E2BCD-A874-4A1C-89AC-5538E4157620}" srcOrd="2" destOrd="0" presId="urn:microsoft.com/office/officeart/2016/7/layout/HexagonTimeline"/>
-    <dgm:cxn modelId="{DEA4149D-1D31-4367-AAA4-C3A793C12B52}" type="presParOf" srcId="{DB77968F-28AC-402A-ADE0-64611B01B33F}" destId="{42FDB9A9-E4A8-41C4-8D31-90A173B96E5C}" srcOrd="3" destOrd="0" presId="urn:microsoft.com/office/officeart/2016/7/layout/HexagonTimeline"/>
-    <dgm:cxn modelId="{02E1726A-92D2-42E5-B2C8-D25A44469517}" type="presParOf" srcId="{DB77968F-28AC-402A-ADE0-64611B01B33F}" destId="{3D54F6D0-2057-4B25-8365-ED10A3FE5FAC}" srcOrd="4" destOrd="0" presId="urn:microsoft.com/office/officeart/2016/7/layout/HexagonTimeline"/>
-    <dgm:cxn modelId="{49F734AF-39AD-4CCA-B2FA-9633454D1D8D}" type="presParOf" srcId="{BA270F43-0C36-4246-8BB8-6065D927DFD3}" destId="{9B8552CD-49EF-4C0D-A1E0-14E2B93937C6}" srcOrd="1" destOrd="0" presId="urn:microsoft.com/office/officeart/2016/7/layout/HexagonTimeline"/>
-    <dgm:cxn modelId="{E0AE7E7D-B690-4553-A347-052F2D67E1C7}" type="presParOf" srcId="{BA270F43-0C36-4246-8BB8-6065D927DFD3}" destId="{B9613699-D389-47DE-94A2-9874595052A1}" srcOrd="2" destOrd="0" presId="urn:microsoft.com/office/officeart/2016/7/layout/HexagonTimeline"/>
-    <dgm:cxn modelId="{549A0D3D-F32A-4EB0-B8A9-B6A9E9177C3A}" type="presParOf" srcId="{B9613699-D389-47DE-94A2-9874595052A1}" destId="{26B4BD2F-FDF2-43F2-B16B-BEB2D2725732}" srcOrd="0" destOrd="0" presId="urn:microsoft.com/office/officeart/2016/7/layout/HexagonTimeline"/>
-    <dgm:cxn modelId="{2BF5E4F5-C1B7-457A-AAE7-8385CAD99FC1}" type="presParOf" srcId="{B9613699-D389-47DE-94A2-9874595052A1}" destId="{6C70F55F-492B-43E5-837C-20655AECEE3D}" srcOrd="1" destOrd="0" presId="urn:microsoft.com/office/officeart/2016/7/layout/HexagonTimeline"/>
-    <dgm:cxn modelId="{63C06404-3690-4964-B886-10BBA95BCCEC}" type="presParOf" srcId="{B9613699-D389-47DE-94A2-9874595052A1}" destId="{EFE2D3E2-1871-4306-945A-082E4C6DFF62}" srcOrd="2" destOrd="0" presId="urn:microsoft.com/office/officeart/2016/7/layout/HexagonTimeline"/>
-    <dgm:cxn modelId="{2F2DDBDE-F1FC-41A5-905E-531E19AA631B}" type="presParOf" srcId="{B9613699-D389-47DE-94A2-9874595052A1}" destId="{1FA22CC1-F421-42D7-B327-A0748A5CA8CA}" srcOrd="3" destOrd="0" presId="urn:microsoft.com/office/officeart/2016/7/layout/HexagonTimeline"/>
-    <dgm:cxn modelId="{D20EFF5F-B5DA-452C-A36F-6CA0A783032E}" type="presParOf" srcId="{B9613699-D389-47DE-94A2-9874595052A1}" destId="{B9AAF34C-316B-4600-BE86-CE8E2DB2A167}" srcOrd="4" destOrd="0" presId="urn:microsoft.com/office/officeart/2016/7/layout/HexagonTimeline"/>
-    <dgm:cxn modelId="{58A13DBD-6EE7-46A3-93A2-57A7073EC670}" type="presParOf" srcId="{BA270F43-0C36-4246-8BB8-6065D927DFD3}" destId="{237EB574-03EA-4B5E-A071-20BFF7A94025}" srcOrd="3" destOrd="0" presId="urn:microsoft.com/office/officeart/2016/7/layout/HexagonTimeline"/>
-    <dgm:cxn modelId="{5CFE21CE-9216-4262-88DE-8E74347B84A1}" type="presParOf" srcId="{BA270F43-0C36-4246-8BB8-6065D927DFD3}" destId="{8713FAAE-A94E-4C45-80CC-D0CADC2C45F5}" srcOrd="4" destOrd="0" presId="urn:microsoft.com/office/officeart/2016/7/layout/HexagonTimeline"/>
-    <dgm:cxn modelId="{9767D93C-1927-4E18-9B06-9C9922515002}" type="presParOf" srcId="{8713FAAE-A94E-4C45-80CC-D0CADC2C45F5}" destId="{42647E7A-7F8D-43C5-B7AA-DB1A84D62562}" srcOrd="0" destOrd="0" presId="urn:microsoft.com/office/officeart/2016/7/layout/HexagonTimeline"/>
-    <dgm:cxn modelId="{A0BC8C4E-9631-4C4D-B1B5-67F3D8039D9D}" type="presParOf" srcId="{8713FAAE-A94E-4C45-80CC-D0CADC2C45F5}" destId="{6459495F-68A2-4439-A9B3-5DDACF24ECD9}" srcOrd="1" destOrd="0" presId="urn:microsoft.com/office/officeart/2016/7/layout/HexagonTimeline"/>
-    <dgm:cxn modelId="{2AC3F135-61F4-4121-93E8-68BCF3AE7F1F}" type="presParOf" srcId="{8713FAAE-A94E-4C45-80CC-D0CADC2C45F5}" destId="{DA9415BC-5F5D-427A-8E4A-15DE1DCD00EC}" srcOrd="2" destOrd="0" presId="urn:microsoft.com/office/officeart/2016/7/layout/HexagonTimeline"/>
-    <dgm:cxn modelId="{2B07FAA7-1259-4427-830E-DC787E62C767}" type="presParOf" srcId="{8713FAAE-A94E-4C45-80CC-D0CADC2C45F5}" destId="{66283014-8366-4F80-A66F-FA0C7794F36F}" srcOrd="3" destOrd="0" presId="urn:microsoft.com/office/officeart/2016/7/layout/HexagonTimeline"/>
-    <dgm:cxn modelId="{3CACEA81-F876-4956-86AA-EB1B446D4EE8}" type="presParOf" srcId="{8713FAAE-A94E-4C45-80CC-D0CADC2C45F5}" destId="{AF0F2ED6-BC80-4E40-B2CD-6C12B31151D5}" srcOrd="4" destOrd="0" presId="urn:microsoft.com/office/officeart/2016/7/layout/HexagonTimeline"/>
-  </dgm:cxnLst>
-  <dgm:bg/>
-  <dgm:whole/>
-  <dgm:extLst>
-    <a:ext uri="http://schemas.microsoft.com/office/drawing/2008/diagram">
-      <dsp:dataModelExt xmlns:dsp="http://schemas.microsoft.com/office/drawing/2008/diagram" relId="rId7" minVer="http://schemas.openxmlformats.org/drawingml/2006/diagram"/>
-    </a:ext>
-  </dgm:extLst>
-</dgm:dataModel>
-</file>
-
-<file path=ppt/diagrams/drawing1.xml><?xml version="1.0" encoding="utf-8"?>
-<dsp:drawing xmlns:dgm="http://schemas.openxmlformats.org/drawingml/2006/diagram" xmlns:dsp="http://schemas.microsoft.com/office/drawing/2008/diagram" xmlns:a="http://schemas.openxmlformats.org/drawingml/2006/main">
-  <dsp:spTree>
-    <dsp:nvGrpSpPr>
-      <dsp:cNvPr id="0" name=""/>
-      <dsp:cNvGrpSpPr/>
-    </dsp:nvGrpSpPr>
-    <dsp:grpSpPr/>
-    <dsp:sp modelId="{87197975-52CC-4703-B090-3C0D7101D171}">
-      <dsp:nvSpPr>
-        <dsp:cNvPr id="0" name=""/>
-        <dsp:cNvSpPr/>
-      </dsp:nvSpPr>
-      <dsp:spPr>
-        <a:xfrm>
-          <a:off x="294358" y="2488755"/>
-          <a:ext cx="1498151" cy="678751"/>
-        </a:xfrm>
-        <a:prstGeom prst="homePlate">
-          <a:avLst>
-            <a:gd name="adj" fmla="val 40000"/>
-          </a:avLst>
-        </a:prstGeom>
-        <a:solidFill>
-          <a:schemeClr val="accent1">
-            <a:lumMod val="50000"/>
-          </a:schemeClr>
-        </a:solidFill>
-        <a:ln w="6350" cap="flat" cmpd="sng" algn="in">
-          <a:noFill/>
-          <a:prstDash val="solid"/>
-        </a:ln>
-        <a:effectLst/>
-      </dsp:spPr>
-      <dsp:style>
-        <a:lnRef idx="1">
-          <a:scrgbClr r="0" g="0" b="0"/>
-        </a:lnRef>
-        <a:fillRef idx="3">
-          <a:scrgbClr r="0" g="0" b="0"/>
-        </a:fillRef>
-        <a:effectRef idx="3">
-          <a:scrgbClr r="0" g="0" b="0"/>
-        </a:effectRef>
-        <a:fontRef idx="minor">
-          <a:schemeClr val="lt1"/>
-        </a:fontRef>
-      </dsp:style>
-      <dsp:txBody>
-        <a:bodyPr spcFirstLastPara="0" vert="horz" wrap="square" lIns="121920" tIns="121920" rIns="121920" bIns="121920" numCol="1" spcCol="1270" rtlCol="0" anchor="ctr" anchorCtr="0">
-          <a:noAutofit/>
-        </a:bodyPr>
-        <a:lstStyle/>
-        <a:p>
-          <a:pPr marL="0" lvl="0" indent="0" algn="ctr" defTabSz="711200" rtl="0">
-            <a:lnSpc>
-              <a:spcPct val="90000"/>
-            </a:lnSpc>
-            <a:spcBef>
-              <a:spcPct val="0"/>
-            </a:spcBef>
-            <a:spcAft>
-              <a:spcPct val="35000"/>
-            </a:spcAft>
-            <a:buNone/>
-          </a:pPr>
-          <a:r>
-            <a:rPr lang="nl-NL" sz="1600" kern="1200" dirty="0"/>
-            <a:t>Jan. 20JJ</a:t>
-          </a:r>
-        </a:p>
-      </dsp:txBody>
-      <dsp:txXfrm>
-        <a:off x="294358" y="2488755"/>
-        <a:ext cx="1362401" cy="678751"/>
-      </dsp:txXfrm>
-    </dsp:sp>
-    <dsp:sp modelId="{95FCF055-303A-4445-9813-7E8E825042F7}">
-      <dsp:nvSpPr>
-        <dsp:cNvPr id="0" name=""/>
-        <dsp:cNvSpPr/>
-      </dsp:nvSpPr>
-      <dsp:spPr>
-        <a:xfrm>
-          <a:off x="3050" y="0"/>
-          <a:ext cx="2080766" cy="1810004"/>
-        </a:xfrm>
-        <a:prstGeom prst="rect">
-          <a:avLst/>
-        </a:prstGeom>
-        <a:noFill/>
-        <a:ln>
-          <a:noFill/>
-        </a:ln>
-        <a:effectLst/>
-      </dsp:spPr>
-      <dsp:style>
-        <a:lnRef idx="0">
-          <a:scrgbClr r="0" g="0" b="0"/>
-        </a:lnRef>
-        <a:fillRef idx="0">
-          <a:scrgbClr r="0" g="0" b="0"/>
-        </a:fillRef>
-        <a:effectRef idx="0">
-          <a:scrgbClr r="0" g="0" b="0"/>
-        </a:effectRef>
-        <a:fontRef idx="minor"/>
-      </dsp:style>
-      <dsp:txBody>
-        <a:bodyPr spcFirstLastPara="0" vert="horz" wrap="square" lIns="0" tIns="142240" rIns="0" bIns="142240" numCol="1" spcCol="1270" rtlCol="0" anchor="b" anchorCtr="1">
-          <a:noAutofit/>
-        </a:bodyPr>
-        <a:lstStyle/>
-        <a:p>
-          <a:pPr marL="0" lvl="0" indent="0" algn="ctr" defTabSz="711200" rtl="0">
-            <a:lnSpc>
-              <a:spcPct val="90000"/>
-            </a:lnSpc>
-            <a:spcBef>
-              <a:spcPct val="0"/>
-            </a:spcBef>
-            <a:spcAft>
-              <a:spcPct val="35000"/>
-            </a:spcAft>
-            <a:buNone/>
-          </a:pPr>
-          <a:r>
-            <a:rPr lang="nl-NL" sz="1600" kern="1200" dirty="0"/>
-            <a:t>Beschrijf de impact van het onderwerp </a:t>
-          </a:r>
-        </a:p>
-      </dsp:txBody>
-      <dsp:txXfrm>
-        <a:off x="3050" y="0"/>
-        <a:ext cx="2080766" cy="1810004"/>
-      </dsp:txXfrm>
-    </dsp:sp>
-    <dsp:sp modelId="{9B8552CD-49EF-4C0D-A1E0-14E2B93937C6}">
-      <dsp:nvSpPr>
-        <dsp:cNvPr id="0" name=""/>
-        <dsp:cNvSpPr/>
-      </dsp:nvSpPr>
-      <dsp:spPr>
-        <a:xfrm>
-          <a:off x="1792509" y="2828131"/>
-          <a:ext cx="582614" cy="0"/>
-        </a:xfrm>
-        <a:custGeom>
-          <a:avLst/>
-          <a:gdLst/>
-          <a:ahLst/>
-          <a:cxnLst/>
-          <a:rect l="0" t="0" r="0" b="0"/>
-          <a:pathLst>
-            <a:path>
-              <a:moveTo>
-                <a:pt x="0" y="0"/>
-              </a:moveTo>
-              <a:lnTo>
-                <a:pt x="582614" y="0"/>
-              </a:lnTo>
-            </a:path>
-          </a:pathLst>
-        </a:custGeom>
-        <a:noFill/>
-        <a:ln w="6350" cap="flat" cmpd="sng" algn="in">
-          <a:solidFill>
-            <a:schemeClr val="accent5">
-              <a:hueOff val="0"/>
-              <a:satOff val="0"/>
-              <a:lumOff val="0"/>
-              <a:alphaOff val="0"/>
-            </a:schemeClr>
-          </a:solidFill>
-          <a:prstDash val="solid"/>
-        </a:ln>
-        <a:effectLst/>
-      </dsp:spPr>
-      <dsp:style>
-        <a:lnRef idx="1">
-          <a:scrgbClr r="0" g="0" b="0"/>
-        </a:lnRef>
-        <a:fillRef idx="1">
-          <a:scrgbClr r="0" g="0" b="0"/>
-        </a:fillRef>
-        <a:effectRef idx="2">
-          <a:scrgbClr r="0" g="0" b="0"/>
-        </a:effectRef>
-        <a:fontRef idx="minor"/>
-      </dsp:style>
-    </dsp:sp>
-    <dsp:sp modelId="{D01E2BCD-A874-4A1C-89AC-5538E4157620}">
-      <dsp:nvSpPr>
-        <dsp:cNvPr id="0" name=""/>
-        <dsp:cNvSpPr/>
-      </dsp:nvSpPr>
-      <dsp:spPr>
-        <a:xfrm>
-          <a:off x="1043433" y="1923129"/>
-          <a:ext cx="0" cy="565626"/>
-        </a:xfrm>
-        <a:prstGeom prst="line">
-          <a:avLst/>
-        </a:prstGeom>
-        <a:noFill/>
-        <a:ln w="12700" cap="flat" cmpd="sng" algn="in">
-          <a:solidFill>
-            <a:schemeClr val="accent5">
-              <a:hueOff val="0"/>
-              <a:satOff val="0"/>
-              <a:lumOff val="0"/>
-              <a:alphaOff val="0"/>
-            </a:schemeClr>
-          </a:solidFill>
-          <a:prstDash val="dash"/>
-        </a:ln>
-        <a:effectLst/>
-      </dsp:spPr>
-      <dsp:style>
-        <a:lnRef idx="1">
-          <a:scrgbClr r="0" g="0" b="0"/>
-        </a:lnRef>
-        <a:fillRef idx="0">
-          <a:scrgbClr r="0" g="0" b="0"/>
-        </a:fillRef>
-        <a:effectRef idx="0">
-          <a:scrgbClr r="0" g="0" b="0"/>
-        </a:effectRef>
-        <a:fontRef idx="minor"/>
-      </dsp:style>
-    </dsp:sp>
-    <dsp:sp modelId="{42FDB9A9-E4A8-41C4-8D31-90A173B96E5C}">
-      <dsp:nvSpPr>
-        <dsp:cNvPr id="0" name=""/>
-        <dsp:cNvSpPr/>
-      </dsp:nvSpPr>
-      <dsp:spPr>
-        <a:xfrm>
-          <a:off x="986871" y="1810004"/>
-          <a:ext cx="113125" cy="113125"/>
-        </a:xfrm>
-        <a:prstGeom prst="rect">
-          <a:avLst/>
-        </a:prstGeom>
-        <a:solidFill>
-          <a:schemeClr val="accent1">
-            <a:lumMod val="50000"/>
-          </a:schemeClr>
-        </a:solidFill>
-        <a:ln>
-          <a:noFill/>
-        </a:ln>
-        <a:effectLst/>
-      </dsp:spPr>
-      <dsp:style>
-        <a:lnRef idx="0">
-          <a:scrgbClr r="0" g="0" b="0"/>
-        </a:lnRef>
-        <a:fillRef idx="3">
-          <a:scrgbClr r="0" g="0" b="0"/>
-        </a:fillRef>
-        <a:effectRef idx="3">
-          <a:scrgbClr r="0" g="0" b="0"/>
-        </a:effectRef>
-        <a:fontRef idx="minor">
-          <a:schemeClr val="lt1"/>
-        </a:fontRef>
-      </dsp:style>
-    </dsp:sp>
-    <dsp:sp modelId="{26B4BD2F-FDF2-43F2-B16B-BEB2D2725732}">
-      <dsp:nvSpPr>
-        <dsp:cNvPr id="0" name=""/>
-        <dsp:cNvSpPr/>
-      </dsp:nvSpPr>
-      <dsp:spPr>
-        <a:xfrm>
-          <a:off x="2375124" y="2488755"/>
-          <a:ext cx="1498151" cy="678751"/>
-        </a:xfrm>
-        <a:prstGeom prst="hexagon">
-          <a:avLst>
-            <a:gd name="adj" fmla="val 40000"/>
-            <a:gd name="vf" fmla="val 115470"/>
-          </a:avLst>
-        </a:prstGeom>
-        <a:solidFill>
-          <a:schemeClr val="tx1">
-            <a:lumMod val="85000"/>
-            <a:lumOff val="15000"/>
-          </a:schemeClr>
-        </a:solidFill>
-        <a:ln w="6350" cap="flat" cmpd="sng" algn="in">
-          <a:noFill/>
-          <a:prstDash val="solid"/>
-        </a:ln>
-        <a:effectLst/>
-      </dsp:spPr>
-      <dsp:style>
-        <a:lnRef idx="1">
-          <a:scrgbClr r="0" g="0" b="0"/>
-        </a:lnRef>
-        <a:fillRef idx="3">
-          <a:scrgbClr r="0" g="0" b="0"/>
-        </a:fillRef>
-        <a:effectRef idx="3">
-          <a:scrgbClr r="0" g="0" b="0"/>
-        </a:effectRef>
-        <a:fontRef idx="minor">
-          <a:schemeClr val="lt1"/>
-        </a:fontRef>
-      </dsp:style>
-      <dsp:txBody>
-        <a:bodyPr spcFirstLastPara="0" vert="horz" wrap="square" lIns="121920" tIns="121920" rIns="121920" bIns="121920" numCol="1" spcCol="1270" rtlCol="0" anchor="ctr" anchorCtr="0">
-          <a:noAutofit/>
-        </a:bodyPr>
-        <a:lstStyle/>
-        <a:p>
-          <a:pPr marL="0" lvl="0" indent="0" algn="ctr" defTabSz="711200" rtl="0">
-            <a:lnSpc>
-              <a:spcPct val="90000"/>
-            </a:lnSpc>
-            <a:spcBef>
-              <a:spcPct val="0"/>
-            </a:spcBef>
-            <a:spcAft>
-              <a:spcPct val="35000"/>
-            </a:spcAft>
-            <a:buNone/>
-          </a:pPr>
-          <a:r>
-            <a:rPr lang="nl-NL" sz="1600" kern="1200" dirty="0"/>
-            <a:t>Feb. 20JJ</a:t>
-          </a:r>
-        </a:p>
-      </dsp:txBody>
-      <dsp:txXfrm>
-        <a:off x="2590470" y="2586319"/>
-        <a:ext cx="1067459" cy="483623"/>
-      </dsp:txXfrm>
-    </dsp:sp>
-    <dsp:sp modelId="{6C70F55F-492B-43E5-837C-20655AECEE3D}">
-      <dsp:nvSpPr>
-        <dsp:cNvPr id="0" name=""/>
-        <dsp:cNvSpPr/>
-      </dsp:nvSpPr>
-      <dsp:spPr>
-        <a:xfrm>
-          <a:off x="2083816" y="3846258"/>
-          <a:ext cx="2080766" cy="1810004"/>
-        </a:xfrm>
-        <a:prstGeom prst="rect">
-          <a:avLst/>
-        </a:prstGeom>
-        <a:noFill/>
-        <a:ln>
-          <a:noFill/>
-        </a:ln>
-        <a:effectLst/>
-      </dsp:spPr>
-      <dsp:style>
-        <a:lnRef idx="0">
-          <a:scrgbClr r="0" g="0" b="0"/>
-        </a:lnRef>
-        <a:fillRef idx="0">
-          <a:scrgbClr r="0" g="0" b="0"/>
-        </a:fillRef>
-        <a:effectRef idx="0">
-          <a:scrgbClr r="0" g="0" b="0"/>
-        </a:effectRef>
-        <a:fontRef idx="minor"/>
-      </dsp:style>
-      <dsp:txBody>
-        <a:bodyPr spcFirstLastPara="0" vert="horz" wrap="square" lIns="0" tIns="142240" rIns="0" bIns="142240" numCol="1" spcCol="1270" rtlCol="0" anchor="t" anchorCtr="1">
-          <a:noAutofit/>
-        </a:bodyPr>
-        <a:lstStyle/>
-        <a:p>
-          <a:pPr marL="0" lvl="0" indent="0" algn="ctr" defTabSz="711200" rtl="0">
-            <a:lnSpc>
-              <a:spcPct val="90000"/>
-            </a:lnSpc>
-            <a:spcBef>
-              <a:spcPct val="0"/>
-            </a:spcBef>
-            <a:spcAft>
-              <a:spcPct val="35000"/>
-            </a:spcAft>
-            <a:buNone/>
-          </a:pPr>
-          <a:r>
-            <a:rPr lang="nl-NL" sz="1600" kern="1200" noProof="0" dirty="0"/>
-            <a:t>Beschrijf de impact van het onderwerp </a:t>
-          </a:r>
-        </a:p>
-      </dsp:txBody>
-      <dsp:txXfrm>
-        <a:off x="2083816" y="3846258"/>
-        <a:ext cx="2080766" cy="1810004"/>
-      </dsp:txXfrm>
-    </dsp:sp>
-    <dsp:sp modelId="{237EB574-03EA-4B5E-A071-20BFF7A94025}">
-      <dsp:nvSpPr>
-        <dsp:cNvPr id="0" name=""/>
-        <dsp:cNvSpPr/>
-      </dsp:nvSpPr>
-      <dsp:spPr>
-        <a:xfrm>
-          <a:off x="3873275" y="2828131"/>
-          <a:ext cx="582614" cy="0"/>
-        </a:xfrm>
-        <a:custGeom>
-          <a:avLst/>
-          <a:gdLst/>
-          <a:ahLst/>
-          <a:cxnLst/>
-          <a:rect l="0" t="0" r="0" b="0"/>
-          <a:pathLst>
-            <a:path>
-              <a:moveTo>
-                <a:pt x="0" y="0"/>
-              </a:moveTo>
-              <a:lnTo>
-                <a:pt x="582614" y="0"/>
-              </a:lnTo>
-            </a:path>
-          </a:pathLst>
-        </a:custGeom>
-        <a:noFill/>
-        <a:ln w="6350" cap="flat" cmpd="sng" algn="in">
-          <a:solidFill>
-            <a:schemeClr val="accent5">
-              <a:hueOff val="0"/>
-              <a:satOff val="0"/>
-              <a:lumOff val="0"/>
-              <a:alphaOff val="0"/>
-            </a:schemeClr>
-          </a:solidFill>
-          <a:prstDash val="solid"/>
-        </a:ln>
-        <a:effectLst/>
-      </dsp:spPr>
-      <dsp:style>
-        <a:lnRef idx="1">
-          <a:scrgbClr r="0" g="0" b="0"/>
-        </a:lnRef>
-        <a:fillRef idx="1">
-          <a:scrgbClr r="0" g="0" b="0"/>
-        </a:fillRef>
-        <a:effectRef idx="2">
-          <a:scrgbClr r="0" g="0" b="0"/>
-        </a:effectRef>
-        <a:fontRef idx="minor"/>
-      </dsp:style>
-    </dsp:sp>
-    <dsp:sp modelId="{EFE2D3E2-1871-4306-945A-082E4C6DFF62}">
-      <dsp:nvSpPr>
-        <dsp:cNvPr id="0" name=""/>
-        <dsp:cNvSpPr/>
-      </dsp:nvSpPr>
-      <dsp:spPr>
-        <a:xfrm>
-          <a:off x="3124200" y="3167507"/>
-          <a:ext cx="0" cy="565626"/>
-        </a:xfrm>
-        <a:prstGeom prst="line">
-          <a:avLst/>
-        </a:prstGeom>
-        <a:noFill/>
-        <a:ln w="12700" cap="flat" cmpd="sng" algn="in">
-          <a:solidFill>
-            <a:schemeClr val="accent5">
-              <a:hueOff val="0"/>
-              <a:satOff val="0"/>
-              <a:lumOff val="0"/>
-              <a:alphaOff val="0"/>
-            </a:schemeClr>
-          </a:solidFill>
-          <a:prstDash val="dash"/>
-        </a:ln>
-        <a:effectLst/>
-      </dsp:spPr>
-      <dsp:style>
-        <a:lnRef idx="1">
-          <a:scrgbClr r="0" g="0" b="0"/>
-        </a:lnRef>
-        <a:fillRef idx="0">
-          <a:scrgbClr r="0" g="0" b="0"/>
-        </a:fillRef>
-        <a:effectRef idx="0">
-          <a:scrgbClr r="0" g="0" b="0"/>
-        </a:effectRef>
-        <a:fontRef idx="minor"/>
-      </dsp:style>
-    </dsp:sp>
-    <dsp:sp modelId="{1FA22CC1-F421-42D7-B327-A0748A5CA8CA}">
-      <dsp:nvSpPr>
-        <dsp:cNvPr id="0" name=""/>
-        <dsp:cNvSpPr/>
-      </dsp:nvSpPr>
-      <dsp:spPr>
-        <a:xfrm>
-          <a:off x="3067637" y="3733133"/>
-          <a:ext cx="113125" cy="113125"/>
-        </a:xfrm>
-        <a:prstGeom prst="rect">
-          <a:avLst/>
-        </a:prstGeom>
-        <a:solidFill>
-          <a:schemeClr val="tx1">
-            <a:lumMod val="85000"/>
-            <a:lumOff val="15000"/>
-          </a:schemeClr>
-        </a:solidFill>
-        <a:ln>
-          <a:noFill/>
-        </a:ln>
-        <a:effectLst/>
-      </dsp:spPr>
-      <dsp:style>
-        <a:lnRef idx="0">
-          <a:scrgbClr r="0" g="0" b="0"/>
-        </a:lnRef>
-        <a:fillRef idx="3">
-          <a:scrgbClr r="0" g="0" b="0"/>
-        </a:fillRef>
-        <a:effectRef idx="3">
-          <a:scrgbClr r="0" g="0" b="0"/>
-        </a:effectRef>
-        <a:fontRef idx="minor">
-          <a:schemeClr val="lt1"/>
-        </a:fontRef>
-      </dsp:style>
-    </dsp:sp>
-    <dsp:sp modelId="{42647E7A-7F8D-43C5-B7AA-DB1A84D62562}">
-      <dsp:nvSpPr>
-        <dsp:cNvPr id="0" name=""/>
-        <dsp:cNvSpPr/>
-      </dsp:nvSpPr>
-      <dsp:spPr>
-        <a:xfrm rot="10800000">
-          <a:off x="4455890" y="2488755"/>
-          <a:ext cx="1498151" cy="678751"/>
-        </a:xfrm>
-        <a:prstGeom prst="homePlate">
-          <a:avLst>
-            <a:gd name="adj" fmla="val 40000"/>
-          </a:avLst>
-        </a:prstGeom>
-        <a:solidFill>
-          <a:schemeClr val="bg1">
-            <a:lumMod val="85000"/>
-          </a:schemeClr>
-        </a:solidFill>
-        <a:ln w="6350" cap="flat" cmpd="sng" algn="in">
-          <a:noFill/>
-          <a:prstDash val="solid"/>
-        </a:ln>
-        <a:effectLst/>
-      </dsp:spPr>
-      <dsp:style>
-        <a:lnRef idx="1">
-          <a:scrgbClr r="0" g="0" b="0"/>
-        </a:lnRef>
-        <a:fillRef idx="3">
-          <a:scrgbClr r="0" g="0" b="0"/>
-        </a:fillRef>
-        <a:effectRef idx="3">
-          <a:scrgbClr r="0" g="0" b="0"/>
-        </a:effectRef>
-        <a:fontRef idx="minor">
-          <a:schemeClr val="lt1"/>
-        </a:fontRef>
-      </dsp:style>
-      <dsp:txBody>
-        <a:bodyPr spcFirstLastPara="0" vert="horz" wrap="square" lIns="121920" tIns="121920" rIns="121920" bIns="121920" numCol="1" spcCol="1270" rtlCol="0" anchor="ctr" anchorCtr="0">
-          <a:noAutofit/>
-        </a:bodyPr>
-        <a:lstStyle/>
-        <a:p>
-          <a:pPr marL="0" lvl="0" indent="0" algn="ctr" defTabSz="711200" rtl="0">
-            <a:lnSpc>
-              <a:spcPct val="90000"/>
-            </a:lnSpc>
-            <a:spcBef>
-              <a:spcPct val="0"/>
-            </a:spcBef>
-            <a:spcAft>
-              <a:spcPct val="35000"/>
-            </a:spcAft>
-            <a:buNone/>
-          </a:pPr>
-          <a:r>
-            <a:rPr lang="nl-NL" sz="1600" kern="1200" dirty="0">
-              <a:solidFill>
-                <a:schemeClr val="tx1"/>
-              </a:solidFill>
-            </a:rPr>
-            <a:t>Mrt. 20JJ</a:t>
-          </a:r>
-        </a:p>
-      </dsp:txBody>
-      <dsp:txXfrm rot="10800000">
-        <a:off x="4591640" y="2488755"/>
-        <a:ext cx="1362401" cy="678751"/>
-      </dsp:txXfrm>
-    </dsp:sp>
-    <dsp:sp modelId="{6459495F-68A2-4439-A9B3-5DDACF24ECD9}">
-      <dsp:nvSpPr>
-        <dsp:cNvPr id="0" name=""/>
-        <dsp:cNvSpPr/>
-      </dsp:nvSpPr>
-      <dsp:spPr>
-        <a:xfrm>
-          <a:off x="4164583" y="0"/>
-          <a:ext cx="2080766" cy="1810004"/>
-        </a:xfrm>
-        <a:prstGeom prst="rect">
-          <a:avLst/>
-        </a:prstGeom>
-        <a:noFill/>
-        <a:ln>
-          <a:noFill/>
-        </a:ln>
-        <a:effectLst/>
-      </dsp:spPr>
-      <dsp:style>
-        <a:lnRef idx="0">
-          <a:scrgbClr r="0" g="0" b="0"/>
-        </a:lnRef>
-        <a:fillRef idx="0">
-          <a:scrgbClr r="0" g="0" b="0"/>
-        </a:fillRef>
-        <a:effectRef idx="0">
-          <a:scrgbClr r="0" g="0" b="0"/>
-        </a:effectRef>
-        <a:fontRef idx="minor"/>
-      </dsp:style>
-      <dsp:txBody>
-        <a:bodyPr spcFirstLastPara="0" vert="horz" wrap="square" lIns="0" tIns="142240" rIns="0" bIns="142240" numCol="1" spcCol="1270" rtlCol="0" anchor="b" anchorCtr="1">
-          <a:noAutofit/>
-        </a:bodyPr>
-        <a:lstStyle/>
-        <a:p>
-          <a:pPr marL="0" lvl="0" indent="0" algn="ctr" defTabSz="711200" rtl="0">
-            <a:lnSpc>
-              <a:spcPct val="90000"/>
-            </a:lnSpc>
-            <a:spcBef>
-              <a:spcPct val="0"/>
-            </a:spcBef>
-            <a:spcAft>
-              <a:spcPct val="35000"/>
-            </a:spcAft>
-            <a:buNone/>
-          </a:pPr>
-          <a:r>
-            <a:rPr lang="nl-NL" sz="1600" kern="1200" dirty="0"/>
-            <a:t>Beschrijf </a:t>
-          </a:r>
-          <a:r>
-            <a:rPr lang="nl-NL" sz="1600" kern="1200" noProof="0" dirty="0"/>
-            <a:t>de</a:t>
-          </a:r>
-          <a:r>
-            <a:rPr lang="nl-NL" sz="1600" kern="1200" dirty="0"/>
-            <a:t> impact van uw onderwerp </a:t>
-          </a:r>
-        </a:p>
-      </dsp:txBody>
-      <dsp:txXfrm>
-        <a:off x="4164583" y="0"/>
-        <a:ext cx="2080766" cy="1810004"/>
-      </dsp:txXfrm>
-    </dsp:sp>
-    <dsp:sp modelId="{DA9415BC-5F5D-427A-8E4A-15DE1DCD00EC}">
-      <dsp:nvSpPr>
-        <dsp:cNvPr id="0" name=""/>
-        <dsp:cNvSpPr/>
-      </dsp:nvSpPr>
-      <dsp:spPr>
-        <a:xfrm>
-          <a:off x="5204966" y="1923129"/>
-          <a:ext cx="0" cy="565626"/>
-        </a:xfrm>
-        <a:prstGeom prst="line">
-          <a:avLst/>
-        </a:prstGeom>
-        <a:noFill/>
-        <a:ln w="12700" cap="flat" cmpd="sng" algn="in">
-          <a:solidFill>
-            <a:schemeClr val="accent5">
-              <a:hueOff val="0"/>
-              <a:satOff val="0"/>
-              <a:lumOff val="0"/>
-              <a:alphaOff val="0"/>
-            </a:schemeClr>
-          </a:solidFill>
-          <a:prstDash val="dash"/>
-        </a:ln>
-        <a:effectLst/>
-      </dsp:spPr>
-      <dsp:style>
-        <a:lnRef idx="1">
-          <a:scrgbClr r="0" g="0" b="0"/>
-        </a:lnRef>
-        <a:fillRef idx="0">
-          <a:scrgbClr r="0" g="0" b="0"/>
-        </a:fillRef>
-        <a:effectRef idx="0">
-          <a:scrgbClr r="0" g="0" b="0"/>
-        </a:effectRef>
-        <a:fontRef idx="minor"/>
-      </dsp:style>
-    </dsp:sp>
-    <dsp:sp modelId="{66283014-8366-4F80-A66F-FA0C7794F36F}">
-      <dsp:nvSpPr>
-        <dsp:cNvPr id="0" name=""/>
-        <dsp:cNvSpPr/>
-      </dsp:nvSpPr>
-      <dsp:spPr>
-        <a:xfrm>
-          <a:off x="5148403" y="1810004"/>
-          <a:ext cx="113125" cy="113125"/>
-        </a:xfrm>
-        <a:prstGeom prst="rect">
-          <a:avLst/>
-        </a:prstGeom>
-        <a:solidFill>
-          <a:schemeClr val="bg1">
-            <a:lumMod val="75000"/>
-          </a:schemeClr>
-        </a:solidFill>
-        <a:ln>
-          <a:noFill/>
-        </a:ln>
-        <a:effectLst/>
-      </dsp:spPr>
-      <dsp:style>
-        <a:lnRef idx="0">
-          <a:scrgbClr r="0" g="0" b="0"/>
-        </a:lnRef>
-        <a:fillRef idx="3">
-          <a:scrgbClr r="0" g="0" b="0"/>
-        </a:fillRef>
-        <a:effectRef idx="3">
-          <a:scrgbClr r="0" g="0" b="0"/>
-        </a:effectRef>
-        <a:fontRef idx="minor">
-          <a:schemeClr val="lt1"/>
-        </a:fontRef>
-      </dsp:style>
-    </dsp:sp>
-  </dsp:spTree>
-</dsp:drawing>
-</file>
-
-<file path=ppt/diagrams/layout1.xml><?xml version="1.0" encoding="utf-8"?>
-<dgm:layoutDef xmlns:dgm="http://schemas.openxmlformats.org/drawingml/2006/diagram" xmlns:a="http://schemas.openxmlformats.org/drawingml/2006/main" uniqueId="urn:microsoft.com/office/officeart/2016/7/layout/HexagonTimeline">
-  <dgm:title val="Tijdlijn van Zeshoek"/>
-  <dgm:desc val="Gebruik deze om een lijst weer te geven met gebeurtenissen in chronologische volgorde. Een onzichtbaar vak bevat de beschrijving, terwijl de datum wordt weergegeven in zeshoeken, met uitzondering van het eerste en laatste knooppunt, waar de datum wordt weergegeven in een huisfiguur. Hiermee kan een grote hoeveelheid tekst met een datumnotatie van middelmatige lengte worden weergegeven."/>
-  <dgm:catLst>
-    <dgm:cat type="timeline" pri="500"/>
-    <dgm:cat type="process" pri="600"/>
-  </dgm:catLst>
-  <dgm:sampData>
-    <dgm:dataModel>
-      <dgm:ptLst>
-        <dgm:pt modelId="0" type="doc"/>
-        <dgm:pt modelId="10">
-          <dgm:prSet phldr="1"/>
-        </dgm:pt>
-        <dgm:pt modelId="11">
-          <dgm:prSet phldr="1"/>
-        </dgm:pt>
-        <dgm:pt modelId="20">
-          <dgm:prSet phldr="1"/>
-        </dgm:pt>
-        <dgm:pt modelId="21">
-          <dgm:prSet phldr="1"/>
-        </dgm:pt>
-        <dgm:pt modelId="30">
-          <dgm:prSet phldr="1"/>
-        </dgm:pt>
-        <dgm:pt modelId="31">
-          <dgm:prSet phldr="1"/>
-        </dgm:pt>
-      </dgm:ptLst>
-      <dgm:cxnLst>
-        <dgm:cxn modelId="40" srcId="0" destId="10" srcOrd="0" destOrd="0"/>
-        <dgm:cxn modelId="12" srcId="10" destId="11" srcOrd="0" destOrd="0"/>
-        <dgm:cxn modelId="50" srcId="0" destId="20" srcOrd="1" destOrd="0"/>
-        <dgm:cxn modelId="22" srcId="20" destId="21" srcOrd="0" destOrd="0"/>
-        <dgm:cxn modelId="60" srcId="0" destId="30" srcOrd="1" destOrd="0"/>
-        <dgm:cxn modelId="32" srcId="30" destId="31" srcOrd="0" destOrd="0"/>
-      </dgm:cxnLst>
-      <dgm:bg/>
-      <dgm:whole/>
-    </dgm:dataModel>
-  </dgm:sampData>
-  <dgm:styleData>
-    <dgm:dataModel>
-      <dgm:ptLst>
-        <dgm:pt modelId="0" type="doc"/>
-        <dgm:pt modelId="10">
-          <dgm:prSet phldr="1"/>
-        </dgm:pt>
-        <dgm:pt modelId="20">
-          <dgm:prSet phldr="1"/>
-        </dgm:pt>
-      </dgm:ptLst>
-      <dgm:cxnLst>
-        <dgm:cxn modelId="60" srcId="0" destId="10" srcOrd="0" destOrd="0"/>
-        <dgm:cxn modelId="70" srcId="0" destId="20" srcOrd="1" destOrd="0"/>
-      </dgm:cxnLst>
-      <dgm:bg/>
-      <dgm:whole/>
-    </dgm:dataModel>
-  </dgm:styleData>
-  <dgm:clrData>
-    <dgm:dataModel>
-      <dgm:ptLst>
-        <dgm:pt modelId="0" type="doc"/>
-        <dgm:pt modelId="10">
-          <dgm:prSet phldr="1"/>
-        </dgm:pt>
-        <dgm:pt modelId="20">
-          <dgm:prSet phldr="1"/>
-        </dgm:pt>
-        <dgm:pt modelId="30">
-          <dgm:prSet phldr="1"/>
-        </dgm:pt>
-        <dgm:pt modelId="40">
-          <dgm:prSet phldr="1"/>
-        </dgm:pt>
-      </dgm:ptLst>
-      <dgm:cxnLst>
-        <dgm:cxn modelId="60" srcId="0" destId="10" srcOrd="0" destOrd="0"/>
-        <dgm:cxn modelId="70" srcId="0" destId="20" srcOrd="1" destOrd="0"/>
-        <dgm:cxn modelId="80" srcId="0" destId="30" srcOrd="2" destOrd="0"/>
-        <dgm:cxn modelId="90" srcId="0" destId="40" srcOrd="3" destOrd="0"/>
-      </dgm:cxnLst>
-      <dgm:bg/>
-      <dgm:whole/>
-    </dgm:dataModel>
-  </dgm:clrData>
-  <dgm:layoutNode name="Name0">
-    <dgm:varLst>
-      <dgm:chMax/>
-      <dgm:chPref/>
-      <dgm:animLvl val="lvl"/>
-    </dgm:varLst>
-    <dgm:choose name="Name1">
-      <dgm:if name="Name2" func="var" arg="dir" op="equ" val="norm">
-        <dgm:alg type="lin"/>
-      </dgm:if>
-      <dgm:else name="Name3">
-        <dgm:alg type="lin">
-          <dgm:param type="linDir" val="fromR"/>
-        </dgm:alg>
-      </dgm:else>
-    </dgm:choose>
-    <dgm:shape xmlns:r="http://schemas.openxmlformats.org/officeDocument/2006/relationships" r:blip="">
-      <dgm:adjLst/>
-    </dgm:shape>
-    <dgm:constrLst>
-      <dgm:constr type="primFontSz" for="des" forName="Parent1" val="20"/>
-      <dgm:constr type="primFontSz" for="des" forName="Childtext1" val="20"/>
-      <dgm:constr type="primFontSz" for="des" forName="Childtext1" refType="primFontSz" refFor="des" refForName="Parent1" op="lte"/>
-      <dgm:constr type="w" for="ch" forName="composite" refType="w"/>
-      <dgm:constr type="h" for="ch" forName="composite" refType="h"/>
-      <dgm:constr type="w" for="ch" forName="spaceBetweenRectangles" refType="w" fact="0"/>
-      <dgm:constr type="h" for="ch" forName="spaceBetweenRectangles" refType="h" fact="0"/>
-      <dgm:constr type="primFontSz" for="des" forName="Parent1" op="equ"/>
-      <dgm:constr type="primFontSz" for="des" forName="Childtext1" op="equ"/>
-    </dgm:constrLst>
-    <dgm:forEach name="nodesForEach" axis="ch" ptType="node">
-      <dgm:layoutNode name="composite">
-        <dgm:alg type="composite"/>
-        <dgm:shape xmlns:r="http://schemas.openxmlformats.org/officeDocument/2006/relationships" r:blip="">
-          <dgm:adjLst/>
-        </dgm:shape>
-        <dgm:choose name="casesForSnakingLogic">
-          <dgm:if name="Name7" axis="self" ptType="node" func="posOdd" op="equ" val="1">
-            <dgm:constrLst>
-              <dgm:constr type="w" for="ch" forName="Parent1" refType="w" fact="0.72"/>
-              <dgm:constr type="ctrY" for="ch" forName="Parent1" refType="h" fact="0.5"/>
-              <dgm:constr type="h" for="ch" forName="Parent1" refType="h" fact="0.12"/>
-              <dgm:constr type="l" for="ch" forName="Parent1" refType="w" fact="0.14"/>
-              <dgm:constr type="w" for="ch" forName="Childtext1" refType="w"/>
-              <dgm:constr type="h" for="ch" forName="Childtext1" refType="h" fact="0.32"/>
-              <dgm:constr type="t" for="ch" forName="Childtext1" refType="h" fact="0"/>
-              <dgm:constr type="w" for="ch" forName="ConnectLine"/>
-              <dgm:constr type="h" for="ch" forName="ConnectLine" refType="h" fact="0.1"/>
-              <dgm:constr type="b" for="ch" forName="ConnectLine" refType="t" refFor="ch" refForName="Parent1"/>
-              <dgm:constr type="ctrX" for="ch" forName="ConnectLine" refType="w" fact="0.5"/>
-              <dgm:constr type="w" for="ch" forName="ConnectLineEnd" refType="h" fact="0.02"/>
-              <dgm:constr type="h" for="ch" forName="ConnectLineEnd" refType="h" fact="0.02"/>
-              <dgm:constr type="b" for="ch" forName="ConnectLineEnd" refType="t" refFor="ch" refForName="ConnectLine"/>
-              <dgm:constr type="ctrX" for="ch" forName="ConnectLineEnd" refType="ctrX" refFor="ch" refForName="ConnectLine"/>
-              <dgm:constr type="w" for="ch" forName="EmptyPane" refType="w"/>
-              <dgm:constr type="b" for="ch" forName="EmptyPane" refType="h"/>
-              <dgm:constr type="h" for="ch" forName="EmptyPane" refType="h" fact="0.44"/>
-            </dgm:constrLst>
-          </dgm:if>
-          <dgm:else name="Name8">
-            <dgm:constrLst>
-              <dgm:constr type="w" for="ch" forName="Parent1" refType="w" fact="0.72"/>
-              <dgm:constr type="ctrY" for="ch" forName="Parent1" refType="h" fact="0.5"/>
-              <dgm:constr type="h" for="ch" forName="Parent1" refType="h" fact="0.12"/>
-              <dgm:constr type="l" for="ch" forName="Parent1" refType="w" fact="0.14"/>
-              <dgm:constr type="w" for="ch" forName="Childtext1" refType="w"/>
-              <dgm:constr type="h" for="ch" forName="Childtext1" refType="h" fact="0.32"/>
-              <dgm:constr type="b" for="ch" forName="Childtext1" refType="h"/>
-              <dgm:constr type="w" for="ch" forName="ConnectLine"/>
-              <dgm:constr type="h" for="ch" forName="ConnectLine" refType="h" fact="0.1"/>
-              <dgm:constr type="t" for="ch" forName="ConnectLine" refType="b" refFor="ch" refForName="Parent1"/>
-              <dgm:constr type="ctrX" for="ch" forName="ConnectLine" refType="w" fact="0.5"/>
-              <dgm:constr type="w" for="ch" forName="ConnectLineEnd" refType="h" fact="0.02"/>
-              <dgm:constr type="h" for="ch" forName="ConnectLineEnd" refType="h" fact="0.02"/>
-              <dgm:constr type="t" for="ch" forName="ConnectLineEnd" refType="b" refFor="ch" refForName="ConnectLine"/>
-              <dgm:constr type="ctrX" for="ch" forName="ConnectLineEnd" refType="ctrX" refFor="ch" refForName="ConnectLine"/>
-              <dgm:constr type="w" for="ch" forName="EmptyPane" refType="w"/>
-              <dgm:constr type="h" for="ch" forName="EmptyPane" refType="h" fact="0.44"/>
-            </dgm:constrLst>
-          </dgm:else>
-        </dgm:choose>
-        <dgm:layoutNode name="Parent1" styleLbl="alignNode1">
-          <dgm:varLst>
-            <dgm:chMax val="1"/>
-            <dgm:chPref val="1"/>
-            <dgm:bulletEnabled val="1"/>
-          </dgm:varLst>
-          <dgm:alg type="tx"/>
-          <dgm:choose name="casesForFirstAndLastNode">
-            <dgm:if name="startNode" axis="self" ptType="node" func="pos" op="equ" val="1">
-              <dgm:choose name="removeLineWhenOnlyOneNode">
-                <dgm:if name="ifOnlyOneNode" axis="followSib" ptType="node" func="cnt" op="equ" val="0">
-                  <dgm:shape xmlns:r="http://schemas.openxmlformats.org/officeDocument/2006/relationships" type="rect" r:blip="">
-                    <dgm:adjLst/>
-                  </dgm:shape>
-                </dgm:if>
-                <dgm:else name="ifMoreThanOneNode">
-                  <dgm:choose name="Name18">
-                    <dgm:if name="Name19" func="var" arg="dir" op="equ" val="norm">
-                      <dgm:shape xmlns:r="http://schemas.openxmlformats.org/officeDocument/2006/relationships" type="homePlate" r:blip="">
-                        <dgm:adjLst>
-                          <dgm:adj idx="1" val="0.4"/>
-                        </dgm:adjLst>
-                      </dgm:shape>
-                    </dgm:if>
-                    <dgm:else name="Name20">
-                      <dgm:shape xmlns:r="http://schemas.openxmlformats.org/officeDocument/2006/relationships" rot="180" type="homePlate" r:blip="">
-                        <dgm:adjLst>
-                          <dgm:adj idx="1" val="0.4"/>
-                        </dgm:adjLst>
-                      </dgm:shape>
-                    </dgm:else>
-                  </dgm:choose>
-                </dgm:else>
-              </dgm:choose>
-            </dgm:if>
-            <dgm:else name="notStartNode">
-              <dgm:choose name="Name22">
-                <dgm:if name="Name23" axis="self" ptType="node" func="revPos" op="equ" val="1">
-                  <dgm:choose name="Name24">
-                    <dgm:if name="Name25" func="var" arg="dir" op="equ" val="norm">
-                      <dgm:shape xmlns:r="http://schemas.openxmlformats.org/officeDocument/2006/relationships" rot="180" type="homePlate" r:blip="">
-                        <dgm:adjLst>
-                          <dgm:adj idx="1" val="0.4"/>
-                        </dgm:adjLst>
-                      </dgm:shape>
-                    </dgm:if>
-                    <dgm:else name="Name26">
-                      <dgm:shape xmlns:r="http://schemas.openxmlformats.org/officeDocument/2006/relationships" type="homePlate" r:blip="">
-                        <dgm:adjLst>
-                          <dgm:adj idx="1" val="0.4"/>
-                        </dgm:adjLst>
-                      </dgm:shape>
-                    </dgm:else>
-                  </dgm:choose>
-                </dgm:if>
-                <dgm:else name="Name27">
-                  <dgm:shape xmlns:r="http://schemas.openxmlformats.org/officeDocument/2006/relationships" type="hexagon" r:blip="">
-                    <dgm:adjLst>
-                      <dgm:adj idx="1" val="0.4"/>
-                    </dgm:adjLst>
-                  </dgm:shape>
-                </dgm:else>
-              </dgm:choose>
-            </dgm:else>
-          </dgm:choose>
-          <dgm:presOf axis="self" ptType="node"/>
-          <dgm:constrLst>
-            <dgm:constr type="lMarg" refType="primFontSz" fact="0.6"/>
-            <dgm:constr type="rMarg" refType="primFontSz" fact="0.6"/>
-            <dgm:constr type="tMarg" refType="primFontSz" fact="0.6"/>
-            <dgm:constr type="bMarg" refType="primFontSz" fact="0.6"/>
-          </dgm:constrLst>
-          <dgm:ruleLst>
-            <dgm:rule type="primFontSz" val="11" fact="NaN" max="NaN"/>
-          </dgm:ruleLst>
-        </dgm:layoutNode>
-        <dgm:layoutNode name="Childtext1" styleLbl="revTx" moveWith="Parent1">
-          <dgm:varLst>
-            <dgm:chMax val="0"/>
-            <dgm:chPref val="0"/>
-            <dgm:bulletEnabled/>
-          </dgm:varLst>
-          <dgm:choose name="casesForTxtDirLogic1">
-            <dgm:if name="Name77" axis="self" ptType="node" func="posOdd" op="equ" val="1">
-              <dgm:alg type="tx">
-                <dgm:param type="txAnchorVert" val="b"/>
-                <dgm:param type="txAnchorHorz" val="ctr"/>
-                <dgm:param type="parTxRTLAlign" val="ctr"/>
-                <dgm:param type="parTxLTRAlign" val="ctr"/>
-              </dgm:alg>
-            </dgm:if>
-            <dgm:else name="Name88">
-              <dgm:alg type="tx">
-                <dgm:param type="txAnchorVert" val="t"/>
-                <dgm:param type="txAnchorHorz" val="ctr"/>
-                <dgm:param type="parTxRTLAlign" val="ctr"/>
-                <dgm:param type="parTxLTRAlign" val="ctr"/>
-              </dgm:alg>
-            </dgm:else>
-          </dgm:choose>
-          <dgm:shape xmlns:r="http://schemas.openxmlformats.org/officeDocument/2006/relationships" type="rect" r:blip="">
-            <dgm:adjLst/>
-          </dgm:shape>
-          <dgm:constrLst>
-            <dgm:constr type="lMarg"/>
-            <dgm:constr type="rMarg"/>
-            <dgm:constr type="tMarg" refType="primFontSz" fact="0.7"/>
-            <dgm:constr type="bMarg" refType="primFontSz" fact="0.7"/>
-          </dgm:constrLst>
-          <dgm:presOf axis="ch" ptType="node"/>
-          <dgm:ruleLst>
-            <dgm:rule type="primFontSz" val="11" fact="NaN" max="NaN"/>
-          </dgm:ruleLst>
-        </dgm:layoutNode>
-        <dgm:layoutNode name="ConnectLine" styleLbl="sibTrans1D1" moveWith="Parent1">
-          <dgm:alg type="sp"/>
-          <dgm:shape xmlns:r="http://schemas.openxmlformats.org/officeDocument/2006/relationships" type="line" r:blip="">
-            <dgm:adjLst/>
-            <dgm:extLst>
-              <a:ext uri="{B698B0E9-8C71-41B9-8309-B3DCBF30829C}">
-                <dgm1612:spPr xmlns:dgm1612="http://schemas.microsoft.com/office/drawing/2016/12/diagram">
-                  <a:ln w="12700">
-                    <a:prstDash val="dash"/>
-                  </a:ln>
-                </dgm1612:spPr>
-              </a:ext>
-            </dgm:extLst>
-          </dgm:shape>
-          <dgm:presOf/>
-          <dgm:constrLst/>
-        </dgm:layoutNode>
-        <dgm:layoutNode name="ConnectLineEnd" styleLbl="node1" moveWith="Parent1">
-          <dgm:alg type="sp"/>
-          <dgm:shape xmlns:r="http://schemas.openxmlformats.org/officeDocument/2006/relationships" type="rect" r:blip="">
-            <dgm:adjLst/>
-          </dgm:shape>
-          <dgm:presOf/>
-          <dgm:constrLst/>
-        </dgm:layoutNode>
-        <dgm:layoutNode name="EmptyPane" moveWith="Parent1">
-          <dgm:alg type="sp"/>
-          <dgm:shape xmlns:r="http://schemas.openxmlformats.org/officeDocument/2006/relationships" r:blip="">
-            <dgm:adjLst/>
-          </dgm:shape>
-          <dgm:presOf/>
-          <dgm:constrLst/>
-        </dgm:layoutNode>
-      </dgm:layoutNode>
-      <dgm:forEach name="Name28" axis="followSib" ptType="sibTrans" cnt="1">
-        <dgm:layoutNode name="spaceBetweenRectangles" styleLbl="fgAcc1">
-          <dgm:alg type="conn">
-            <dgm:param type="dim" val="1D"/>
-            <dgm:param type="srcNode" val="Parent1"/>
-            <dgm:param type="dstNode" val="Parent1"/>
-            <dgm:param type="begPts" val="midR"/>
-            <dgm:param type="endPts" val="midL"/>
-            <dgm:param type="endSty" val="noArr"/>
-          </dgm:alg>
-          <dgm:shape xmlns:r="http://schemas.openxmlformats.org/officeDocument/2006/relationships" type="conn" r:blip="" zOrderOff="-2">
-            <dgm:adjLst/>
-          </dgm:shape>
-          <dgm:presOf/>
-          <dgm:constrLst>
-            <dgm:constr type="connDist"/>
-            <dgm:constr type="begPad"/>
-            <dgm:constr type="endPad"/>
-          </dgm:constrLst>
-          <dgm:ruleLst/>
-        </dgm:layoutNode>
-      </dgm:forEach>
-    </dgm:forEach>
-  </dgm:layoutNode>
-</dgm:layoutDef>
-</file>
-
-<file path=ppt/diagrams/quickStyle1.xml><?xml version="1.0" encoding="utf-8"?>
-<dgm:styleDef xmlns:dgm="http://schemas.openxmlformats.org/drawingml/2006/diagram" xmlns:a="http://schemas.openxmlformats.org/drawingml/2006/main" uniqueId="urn:microsoft.com/office/officeart/2005/8/quickstyle/simple5">
-  <dgm:title val=""/>
-  <dgm:desc val=""/>
-  <dgm:catLst>
-    <dgm:cat type="simple" pri="10500"/>
-  </dgm:catLst>
-  <dgm:scene3d>
-    <a:camera prst="orthographicFront"/>
-    <a:lightRig rig="threePt" dir="t"/>
-  </dgm:scene3d>
-  <dgm:styleLbl name="node0">
-    <dgm:scene3d>
-      <a:camera prst="orthographicFront"/>
-      <a:lightRig rig="threePt" dir="t"/>
-    </dgm:scene3d>
-    <dgm:sp3d/>
-    <dgm:txPr/>
-    <dgm:style>
-      <a:lnRef idx="0">
-        <a:scrgbClr r="0" g="0" b="0"/>
-      </a:lnRef>
-      <a:fillRef idx="3">
-        <a:scrgbClr r="0" g="0" b="0"/>
-      </a:fillRef>
-      <a:effectRef idx="3">
-        <a:scrgbClr r="0" g="0" b="0"/>
-      </a:effectRef>
-      <a:fontRef idx="minor">
-        <a:schemeClr val="lt1"/>
-      </a:fontRef>
-    </dgm:style>
-  </dgm:styleLbl>
-  <dgm:styleLbl name="lnNode1">
-    <dgm:scene3d>
-      <a:camera prst="orthographicFront"/>
-      <a:lightRig rig="threePt" dir="t"/>
-    </dgm:scene3d>
-    <dgm:sp3d/>
-    <dgm:txPr/>
-    <dgm:style>
-      <a:lnRef idx="0">
-        <a:scrgbClr r="0" g="0" b="0"/>
-      </a:lnRef>
-      <a:fillRef idx="3">
-        <a:scrgbClr r="0" g="0" b="0"/>
-      </a:fillRef>
-      <a:effectRef idx="3">
-        <a:scrgbClr r="0" g="0" b="0"/>
-      </a:effectRef>
-      <a:fontRef idx="minor">
-        <a:schemeClr val="lt1"/>
-      </a:fontRef>
-    </dgm:style>
-  </dgm:styleLbl>
-  <dgm:styleLbl name="vennNode1">
-    <dgm:scene3d>
-      <a:camera prst="orthographicFront"/>
-      <a:lightRig rig="threePt" dir="t"/>
-    </dgm:scene3d>
-    <dgm:sp3d/>
-    <dgm:txPr/>
-    <dgm:style>
-      <a:lnRef idx="0">
-        <a:scrgbClr r="0" g="0" b="0"/>
-      </a:lnRef>
-      <a:fillRef idx="3">
-        <a:scrgbClr r="0" g="0" b="0"/>
-      </a:fillRef>
-      <a:effectRef idx="3">
-        <a:scrgbClr r="0" g="0" b="0"/>
-      </a:effectRef>
-      <a:fontRef idx="minor">
-        <a:schemeClr val="tx1"/>
-      </a:fontRef>
-    </dgm:style>
-  </dgm:styleLbl>
-  <dgm:styleLbl name="alignNode1">
-    <dgm:scene3d>
-      <a:camera prst="orthographicFront"/>
-      <a:lightRig rig="threePt" dir="t"/>
-    </dgm:scene3d>
-    <dgm:sp3d/>
-    <dgm:txPr/>
-    <dgm:style>
-      <a:lnRef idx="1">
-        <a:scrgbClr r="0" g="0" b="0"/>
-      </a:lnRef>
-      <a:fillRef idx="3">
-        <a:scrgbClr r="0" g="0" b="0"/>
-      </a:fillRef>
-      <a:effectRef idx="3">
-        <a:scrgbClr r="0" g="0" b="0"/>
-      </a:effectRef>
-      <a:fontRef idx="minor">
-        <a:schemeClr val="lt1"/>
-      </a:fontRef>
-    </dgm:style>
-  </dgm:styleLbl>
-  <dgm:styleLbl name="node1">
-    <dgm:scene3d>
-      <a:camera prst="orthographicFront"/>
-      <a:lightRig rig="threePt" dir="t"/>
-    </dgm:scene3d>
-    <dgm:sp3d/>
-    <dgm:txPr/>
-    <dgm:style>
-      <a:lnRef idx="0">
-        <a:scrgbClr r="0" g="0" b="0"/>
-      </a:lnRef>
-      <a:fillRef idx="3">
-        <a:scrgbClr r="0" g="0" b="0"/>
-      </a:fillRef>
-      <a:effectRef idx="3">
-        <a:scrgbClr r="0" g="0" b="0"/>
-      </a:effectRef>
-      <a:fontRef idx="minor">
-        <a:schemeClr val="lt1"/>
-      </a:fontRef>
-    </dgm:style>
-  </dgm:styleLbl>
-  <dgm:styleLbl name="node2">
-    <dgm:scene3d>
-      <a:camera prst="orthographicFront"/>
-      <a:lightRig rig="threePt" dir="t"/>
-    </dgm:scene3d>
-    <dgm:sp3d/>
-    <dgm:txPr/>
-    <dgm:style>
-      <a:lnRef idx="0">
-        <a:scrgbClr r="0" g="0" b="0"/>
-      </a:lnRef>
-      <a:fillRef idx="3">
-        <a:scrgbClr r="0" g="0" b="0"/>
-      </a:fillRef>
-      <a:effectRef idx="3">
-        <a:scrgbClr r="0" g="0" b="0"/>
-      </a:effectRef>
-      <a:fontRef idx="minor">
-        <a:schemeClr val="lt1"/>
-      </a:fontRef>
-    </dgm:style>
-  </dgm:styleLbl>
-  <dgm:styleLbl name="node3">
-    <dgm:scene3d>
-      <a:camera prst="orthographicFront"/>
-      <a:lightRig rig="threePt" dir="t"/>
-    </dgm:scene3d>
-    <dgm:sp3d/>
-    <dgm:txPr/>
-    <dgm:style>
-      <a:lnRef idx="0">
-        <a:scrgbClr r="0" g="0" b="0"/>
-      </a:lnRef>
-      <a:fillRef idx="3">
-        <a:scrgbClr r="0" g="0" b="0"/>
-      </a:fillRef>
-      <a:effectRef idx="3">
-        <a:scrgbClr r="0" g="0" b="0"/>
-      </a:effectRef>
-      <a:fontRef idx="minor">
-        <a:schemeClr val="lt1"/>
-      </a:fontRef>
-    </dgm:style>
-  </dgm:styleLbl>
-  <dgm:styleLbl name="node4">
-    <dgm:scene3d>
-      <a:camera prst="orthographicFront"/>
-      <a:lightRig rig="threePt" dir="t"/>
-    </dgm:scene3d>
-    <dgm:sp3d/>
-    <dgm:txPr/>
-    <dgm:style>
-      <a:lnRef idx="0">
-        <a:scrgbClr r="0" g="0" b="0"/>
-      </a:lnRef>
-      <a:fillRef idx="3">
-        <a:scrgbClr r="0" g="0" b="0"/>
-      </a:fillRef>
-      <a:effectRef idx="3">
-        <a:scrgbClr r="0" g="0" b="0"/>
-      </a:effectRef>
-      <a:fontRef idx="minor">
-        <a:schemeClr val="lt1"/>
-      </a:fontRef>
-    </dgm:style>
-  </dgm:styleLbl>
-  <dgm:styleLbl name="fgImgPlace1">
-    <dgm:scene3d>
-      <a:camera prst="orthographicFront"/>
-      <a:lightRig rig="threePt" dir="t"/>
-    </dgm:scene3d>
-    <dgm:sp3d/>
-    <dgm:txPr/>
-    <dgm:style>
-      <a:lnRef idx="0">
-        <a:scrgbClr r="0" g="0" b="0"/>
-      </a:lnRef>
-      <a:fillRef idx="1">
-        <a:scrgbClr r="0" g="0" b="0"/>
-      </a:fillRef>
-      <a:effectRef idx="3">
-        <a:scrgbClr r="0" g="0" b="0"/>
-      </a:effectRef>
-      <a:fontRef idx="minor"/>
-    </dgm:style>
-  </dgm:styleLbl>
-  <dgm:styleLbl name="alignImgPlace1">
-    <dgm:scene3d>
-      <a:camera prst="orthographicFront"/>
-      <a:lightRig rig="threePt" dir="t"/>
-    </dgm:scene3d>
-    <dgm:sp3d/>
-    <dgm:txPr/>
-    <dgm:style>
-      <a:lnRef idx="0">
-        <a:scrgbClr r="0" g="0" b="0"/>
-      </a:lnRef>
-      <a:fillRef idx="1">
-        <a:scrgbClr r="0" g="0" b="0"/>
-      </a:fillRef>
-      <a:effectRef idx="3">
-        <a:scrgbClr r="0" g="0" b="0"/>
-      </a:effectRef>
-      <a:fontRef idx="minor"/>
-    </dgm:style>
-  </dgm:styleLbl>
-  <dgm:styleLbl name="bgImgPlace1">
-    <dgm:scene3d>
-      <a:camera prst="orthographicFront"/>
-      <a:lightRig rig="threePt" dir="t"/>
-    </dgm:scene3d>
-    <dgm:sp3d/>
-    <dgm:txPr/>
-    <dgm:style>
-      <a:lnRef idx="0">
-        <a:scrgbClr r="0" g="0" b="0"/>
-      </a:lnRef>
-      <a:fillRef idx="1">
-        <a:scrgbClr r="0" g="0" b="0"/>
-      </a:fillRef>
-      <a:effectRef idx="3">
-        <a:scrgbClr r="0" g="0" b="0"/>
-      </a:effectRef>
-      <a:fontRef idx="minor"/>
-    </dgm:style>
-  </dgm:styleLbl>
-  <dgm:styleLbl name="sibTrans2D1">
-    <dgm:scene3d>
-      <a:camera prst="orthographicFront"/>
-      <a:lightRig rig="threePt" dir="t"/>
-    </dgm:scene3d>
-    <dgm:sp3d/>
-    <dgm:txPr/>
-    <dgm:style>
-      <a:lnRef idx="0">
-        <a:scrgbClr r="0" g="0" b="0"/>
-      </a:lnRef>
-      <a:fillRef idx="3">
-        <a:scrgbClr r="0" g="0" b="0"/>
-      </a:fillRef>
-      <a:effectRef idx="3">
-        <a:scrgbClr r="0" g="0" b="0"/>
-      </a:effectRef>
-      <a:fontRef idx="minor">
-        <a:schemeClr val="lt1"/>
-      </a:fontRef>
-    </dgm:style>
-  </dgm:styleLbl>
-  <dgm:styleLbl name="fgSibTrans2D1">
-    <dgm:scene3d>
-      <a:camera prst="orthographicFront"/>
-      <a:lightRig rig="threePt" dir="t"/>
-    </dgm:scene3d>
-    <dgm:sp3d/>
-    <dgm:txPr/>
-    <dgm:style>
-      <a:lnRef idx="0">
-        <a:scrgbClr r="0" g="0" b="0"/>
-      </a:lnRef>
-      <a:fillRef idx="3">
-        <a:scrgbClr r="0" g="0" b="0"/>
-      </a:fillRef>
-      <a:effectRef idx="3">
-        <a:scrgbClr r="0" g="0" b="0"/>
-      </a:effectRef>
-      <a:fontRef idx="minor">
-        <a:schemeClr val="lt1"/>
-      </a:fontRef>
-    </dgm:style>
-  </dgm:styleLbl>
-  <dgm:styleLbl name="bgSibTrans2D1">
-    <dgm:scene3d>
-      <a:camera prst="orthographicFront"/>
-      <a:lightRig rig="threePt" dir="t"/>
-    </dgm:scene3d>
-    <dgm:sp3d/>
-    <dgm:txPr/>
-    <dgm:style>
-      <a:lnRef idx="0">
-        <a:scrgbClr r="0" g="0" b="0"/>
-      </a:lnRef>
-      <a:fillRef idx="3">
-        <a:scrgbClr r="0" g="0" b="0"/>
-      </a:fillRef>
-      <a:effectRef idx="3">
-        <a:scrgbClr r="0" g="0" b="0"/>
-      </a:effectRef>
-      <a:fontRef idx="minor">
-        <a:schemeClr val="lt1"/>
-      </a:fontRef>
-    </dgm:style>
-  </dgm:styleLbl>
-  <dgm:styleLbl name="sibTrans1D1">
-    <dgm:scene3d>
-      <a:camera prst="orthographicFront"/>
-      <a:lightRig rig="threePt" dir="t"/>
-    </dgm:scene3d>
-    <dgm:sp3d/>
-    <dgm:txPr/>
-    <dgm:style>
-      <a:lnRef idx="1">
-        <a:scrgbClr r="0" g="0" b="0"/>
-      </a:lnRef>
-      <a:fillRef idx="0">
-        <a:scrgbClr r="0" g="0" b="0"/>
-      </a:fillRef>
-      <a:effectRef idx="0">
-        <a:scrgbClr r="0" g="0" b="0"/>
-      </a:effectRef>
-      <a:fontRef idx="minor"/>
-    </dgm:style>
-  </dgm:styleLbl>
-  <dgm:styleLbl name="callout">
-    <dgm:scene3d>
-      <a:camera prst="orthographicFront"/>
-      <a:lightRig rig="threePt" dir="t"/>
-    </dgm:scene3d>
-    <dgm:sp3d/>
-    <dgm:txPr/>
-    <dgm:style>
-      <a:lnRef idx="1">
-        <a:scrgbClr r="0" g="0" b="0"/>
-      </a:lnRef>
-      <a:fillRef idx="0">
-        <a:scrgbClr r="0" g="0" b="0"/>
-      </a:fillRef>
-      <a:effectRef idx="1">
-        <a:scrgbClr r="0" g="0" b="0"/>
-      </a:effectRef>
-      <a:fontRef idx="minor"/>
-    </dgm:style>
-  </dgm:styleLbl>
-  <dgm:styleLbl name="asst0">
-    <dgm:scene3d>
-      <a:camera prst="orthographicFront"/>
-      <a:lightRig rig="threePt" dir="t"/>
-    </dgm:scene3d>
-    <dgm:sp3d/>
-    <dgm:txPr/>
-    <dgm:style>
-      <a:lnRef idx="0">
-        <a:scrgbClr r="0" g="0" b="0"/>
-      </a:lnRef>
-      <a:fillRef idx="3">
-        <a:scrgbClr r="0" g="0" b="0"/>
-      </a:fillRef>
-      <a:effectRef idx="3">
-        <a:scrgbClr r="0" g="0" b="0"/>
-      </a:effectRef>
-      <a:fontRef idx="minor">
-        <a:schemeClr val="lt1"/>
-      </a:fontRef>
-    </dgm:style>
-  </dgm:styleLbl>
-  <dgm:styleLbl name="asst1">
-    <dgm:scene3d>
-      <a:camera prst="orthographicFront"/>
-      <a:lightRig rig="threePt" dir="t"/>
-    </dgm:scene3d>
-    <dgm:sp3d/>
-    <dgm:txPr/>
-    <dgm:style>
-      <a:lnRef idx="0">
-        <a:scrgbClr r="0" g="0" b="0"/>
-      </a:lnRef>
-      <a:fillRef idx="3">
-        <a:scrgbClr r="0" g="0" b="0"/>
-      </a:fillRef>
-      <a:effectRef idx="3">
-        <a:scrgbClr r="0" g="0" b="0"/>
-      </a:effectRef>
-      <a:fontRef idx="minor">
-        <a:schemeClr val="lt1"/>
-      </a:fontRef>
-    </dgm:style>
-  </dgm:styleLbl>
-  <dgm:styleLbl name="asst2">
-    <dgm:scene3d>
-      <a:camera prst="orthographicFront"/>
-      <a:lightRig rig="threePt" dir="t"/>
-    </dgm:scene3d>
-    <dgm:sp3d/>
-    <dgm:txPr/>
-    <dgm:style>
-      <a:lnRef idx="0">
-        <a:scrgbClr r="0" g="0" b="0"/>
-      </a:lnRef>
-      <a:fillRef idx="3">
-        <a:scrgbClr r="0" g="0" b="0"/>
-      </a:fillRef>
-      <a:effectRef idx="3">
-        <a:scrgbClr r="0" g="0" b="0"/>
-      </a:effectRef>
-      <a:fontRef idx="minor">
-        <a:schemeClr val="lt1"/>
-      </a:fontRef>
-    </dgm:style>
-  </dgm:styleLbl>
-  <dgm:styleLbl name="asst3">
-    <dgm:scene3d>
-      <a:camera prst="orthographicFront"/>
-      <a:lightRig rig="threePt" dir="t"/>
-    </dgm:scene3d>
-    <dgm:sp3d/>
-    <dgm:txPr/>
-    <dgm:style>
-      <a:lnRef idx="0">
-        <a:scrgbClr r="0" g="0" b="0"/>
-      </a:lnRef>
-      <a:fillRef idx="3">
-        <a:scrgbClr r="0" g="0" b="0"/>
-      </a:fillRef>
-      <a:effectRef idx="3">
-        <a:scrgbClr r="0" g="0" b="0"/>
-      </a:effectRef>
-      <a:fontRef idx="minor">
-        <a:schemeClr val="lt1"/>
-      </a:fontRef>
-    </dgm:style>
-  </dgm:styleLbl>
-  <dgm:styleLbl name="asst4">
-    <dgm:scene3d>
-      <a:camera prst="orthographicFront"/>
-      <a:lightRig rig="threePt" dir="t"/>
-    </dgm:scene3d>
-    <dgm:sp3d/>
-    <dgm:txPr/>
-    <dgm:style>
-      <a:lnRef idx="0">
-        <a:scrgbClr r="0" g="0" b="0"/>
-      </a:lnRef>
-      <a:fillRef idx="3">
-        <a:scrgbClr r="0" g="0" b="0"/>
-      </a:fillRef>
-      <a:effectRef idx="3">
-        <a:scrgbClr r="0" g="0" b="0"/>
-      </a:effectRef>
-      <a:fontRef idx="minor">
-        <a:schemeClr val="lt1"/>
-      </a:fontRef>
-    </dgm:style>
-  </dgm:styleLbl>
-  <dgm:styleLbl name="parChTrans2D1">
-    <dgm:scene3d>
-      <a:camera prst="orthographicFront"/>
-      <a:lightRig rig="threePt" dir="t"/>
-    </dgm:scene3d>
-    <dgm:sp3d/>
-    <dgm:txPr/>
-    <dgm:style>
-      <a:lnRef idx="0">
-        <a:scrgbClr r="0" g="0" b="0"/>
-      </a:lnRef>
-      <a:fillRef idx="3">
-        <a:scrgbClr r="0" g="0" b="0"/>
-      </a:fillRef>
-      <a:effectRef idx="3">
-        <a:scrgbClr r="0" g="0" b="0"/>
-      </a:effectRef>
-      <a:fontRef idx="minor">
-        <a:schemeClr val="lt1"/>
-      </a:fontRef>
-    </dgm:style>
-  </dgm:styleLbl>
-  <dgm:styleLbl name="parChTrans2D2">
-    <dgm:scene3d>
-      <a:camera prst="orthographicFront"/>
-      <a:lightRig rig="threePt" dir="t"/>
-    </dgm:scene3d>
-    <dgm:sp3d/>
-    <dgm:txPr/>
-    <dgm:style>
-      <a:lnRef idx="0">
-        <a:scrgbClr r="0" g="0" b="0"/>
-      </a:lnRef>
-      <a:fillRef idx="3">
-        <a:scrgbClr r="0" g="0" b="0"/>
-      </a:fillRef>
-      <a:effectRef idx="3">
-        <a:scrgbClr r="0" g="0" b="0"/>
-      </a:effectRef>
-      <a:fontRef idx="minor">
-        <a:schemeClr val="lt1"/>
-      </a:fontRef>
-    </dgm:style>
-  </dgm:styleLbl>
-  <dgm:styleLbl name="parChTrans2D3">
-    <dgm:scene3d>
-      <a:camera prst="orthographicFront"/>
-      <a:lightRig rig="threePt" dir="t"/>
-    </dgm:scene3d>
-    <dgm:sp3d/>
-    <dgm:txPr/>
-    <dgm:style>
-      <a:lnRef idx="0">
-        <a:scrgbClr r="0" g="0" b="0"/>
-      </a:lnRef>
-      <a:fillRef idx="3">
-        <a:scrgbClr r="0" g="0" b="0"/>
-      </a:fillRef>
-      <a:effectRef idx="3">
-        <a:scrgbClr r="0" g="0" b="0"/>
-      </a:effectRef>
-      <a:fontRef idx="minor">
-        <a:schemeClr val="lt1"/>
-      </a:fontRef>
-    </dgm:style>
-  </dgm:styleLbl>
-  <dgm:styleLbl name="parChTrans2D4">
-    <dgm:scene3d>
-      <a:camera prst="orthographicFront"/>
-      <a:lightRig rig="threePt" dir="t"/>
-    </dgm:scene3d>
-    <dgm:sp3d/>
-    <dgm:txPr/>
-    <dgm:style>
-      <a:lnRef idx="0">
-        <a:scrgbClr r="0" g="0" b="0"/>
-      </a:lnRef>
-      <a:fillRef idx="3">
-        <a:scrgbClr r="0" g="0" b="0"/>
-      </a:fillRef>
-      <a:effectRef idx="3">
-        <a:scrgbClr r="0" g="0" b="0"/>
-      </a:effectRef>
-      <a:fontRef idx="minor">
-        <a:schemeClr val="lt1"/>
-      </a:fontRef>
-    </dgm:style>
-  </dgm:styleLbl>
-  <dgm:styleLbl name="parChTrans1D1">
-    <dgm:scene3d>
-      <a:camera prst="orthographicFront"/>
-      <a:lightRig rig="threePt" dir="t"/>
-    </dgm:scene3d>
-    <dgm:sp3d/>
-    <dgm:txPr/>
-    <dgm:style>
-      <a:lnRef idx="2">
-        <a:scrgbClr r="0" g="0" b="0"/>
-      </a:lnRef>
-      <a:fillRef idx="0">
-        <a:scrgbClr r="0" g="0" b="0"/>
-      </a:fillRef>
-      <a:effectRef idx="0">
-        <a:scrgbClr r="0" g="0" b="0"/>
-      </a:effectRef>
-      <a:fontRef idx="minor"/>
-    </dgm:style>
-  </dgm:styleLbl>
-  <dgm:styleLbl name="parChTrans1D2">
-    <dgm:scene3d>
-      <a:camera prst="orthographicFront"/>
-      <a:lightRig rig="threePt" dir="t"/>
-    </dgm:scene3d>
-    <dgm:sp3d/>
-    <dgm:txPr/>
-    <dgm:style>
-      <a:lnRef idx="2">
-        <a:scrgbClr r="0" g="0" b="0"/>
-      </a:lnRef>
-      <a:fillRef idx="0">
-        <a:scrgbClr r="0" g="0" b="0"/>
-      </a:fillRef>
-      <a:effectRef idx="0">
-        <a:scrgbClr r="0" g="0" b="0"/>
-      </a:effectRef>
-      <a:fontRef idx="minor"/>
-    </dgm:style>
-  </dgm:styleLbl>
-  <dgm:styleLbl name="parChTrans1D3">
-    <dgm:scene3d>
-      <a:camera prst="orthographicFront"/>
-      <a:lightRig rig="threePt" dir="t"/>
-    </dgm:scene3d>
-    <dgm:sp3d/>
-    <dgm:txPr/>
-    <dgm:style>
-      <a:lnRef idx="2">
-        <a:scrgbClr r="0" g="0" b="0"/>
-      </a:lnRef>
-      <a:fillRef idx="0">
-        <a:scrgbClr r="0" g="0" b="0"/>
-      </a:fillRef>
-      <a:effectRef idx="0">
-        <a:scrgbClr r="0" g="0" b="0"/>
-      </a:effectRef>
-      <a:fontRef idx="minor"/>
-    </dgm:style>
-  </dgm:styleLbl>
-  <dgm:styleLbl name="parChTrans1D4">
-    <dgm:scene3d>
-      <a:camera prst="orthographicFront"/>
-      <a:lightRig rig="threePt" dir="t"/>
-    </dgm:scene3d>
-    <dgm:sp3d/>
-    <dgm:txPr/>
-    <dgm:style>
-      <a:lnRef idx="2">
-        <a:scrgbClr r="0" g="0" b="0"/>
-      </a:lnRef>
-      <a:fillRef idx="0">
-        <a:scrgbClr r="0" g="0" b="0"/>
-      </a:fillRef>
-      <a:effectRef idx="0">
-        <a:scrgbClr r="0" g="0" b="0"/>
-      </a:effectRef>
-      <a:fontRef idx="minor"/>
-    </dgm:style>
-  </dgm:styleLbl>
-  <dgm:styleLbl name="fgAcc1">
-    <dgm:scene3d>
-      <a:camera prst="orthographicFront"/>
-      <a:lightRig rig="threePt" dir="t"/>
-    </dgm:scene3d>
-    <dgm:sp3d/>
-    <dgm:txPr/>
-    <dgm:style>
-      <a:lnRef idx="1">
-        <a:scrgbClr r="0" g="0" b="0"/>
-      </a:lnRef>
-      <a:fillRef idx="1">
-        <a:scrgbClr r="0" g="0" b="0"/>
-      </a:fillRef>
-      <a:effectRef idx="2">
-        <a:scrgbClr r="0" g="0" b="0"/>
-      </a:effectRef>
-      <a:fontRef idx="minor"/>
-    </dgm:style>
-  </dgm:styleLbl>
-  <dgm:styleLbl name="conFgAcc1">
-    <dgm:scene3d>
-      <a:camera prst="orthographicFront"/>
-      <a:lightRig rig="threePt" dir="t"/>
-    </dgm:scene3d>
-    <dgm:sp3d/>
-    <dgm:txPr/>
-    <dgm:style>
-      <a:lnRef idx="1">
-        <a:scrgbClr r="0" g="0" b="0"/>
-      </a:lnRef>
-      <a:fillRef idx="1">
-        <a:scrgbClr r="0" g="0" b="0"/>
-      </a:fillRef>
-      <a:effectRef idx="2">
-        <a:scrgbClr r="0" g="0" b="0"/>
-      </a:effectRef>
-      <a:fontRef idx="minor"/>
-    </dgm:style>
-  </dgm:styleLbl>
-  <dgm:styleLbl name="alignAcc1">
-    <dgm:scene3d>
-      <a:camera prst="orthographicFront"/>
-      <a:lightRig rig="threePt" dir="t"/>
-    </dgm:scene3d>
-    <dgm:sp3d/>
-    <dgm:txPr/>
-    <dgm:style>
-      <a:lnRef idx="1">
-        <a:scrgbClr r="0" g="0" b="0"/>
-      </a:lnRef>
-      <a:fillRef idx="1">
-        <a:scrgbClr r="0" g="0" b="0"/>
-      </a:fillRef>
-      <a:effectRef idx="2">
-        <a:scrgbClr r="0" g="0" b="0"/>
-      </a:effectRef>
-      <a:fontRef idx="minor"/>
-    </dgm:style>
-  </dgm:styleLbl>
-  <dgm:styleLbl name="trAlignAcc1">
-    <dgm:scene3d>
-      <a:camera prst="orthographicFront"/>
-      <a:lightRig rig="threePt" dir="t"/>
-    </dgm:scene3d>
-    <dgm:sp3d/>
-    <dgm:txPr/>
-    <dgm:style>
-      <a:lnRef idx="1">
-        <a:scrgbClr r="0" g="0" b="0"/>
-      </a:lnRef>
-      <a:fillRef idx="1">
-        <a:scrgbClr r="0" g="0" b="0"/>
-      </a:fillRef>
-      <a:effectRef idx="0">
-        <a:scrgbClr r="0" g="0" b="0"/>
-      </a:effectRef>
-      <a:fontRef idx="minor"/>
-    </dgm:style>
-  </dgm:styleLbl>
-  <dgm:styleLbl name="bgAcc1">
-    <dgm:scene3d>
-      <a:camera prst="orthographicFront"/>
-      <a:lightRig rig="threePt" dir="t"/>
-    </dgm:scene3d>
-    <dgm:sp3d/>
-    <dgm:txPr/>
-    <dgm:style>
-      <a:lnRef idx="1">
-        <a:scrgbClr r="0" g="0" b="0"/>
-      </a:lnRef>
-      <a:fillRef idx="1">
-        <a:scrgbClr r="0" g="0" b="0"/>
-      </a:fillRef>
-      <a:effectRef idx="2">
-        <a:scrgbClr r="0" g="0" b="0"/>
-      </a:effectRef>
-      <a:fontRef idx="minor"/>
-    </dgm:style>
-  </dgm:styleLbl>
-  <dgm:styleLbl name="solidFgAcc1">
-    <dgm:scene3d>
-      <a:camera prst="orthographicFront"/>
-      <a:lightRig rig="threePt" dir="t"/>
-    </dgm:scene3d>
-    <dgm:sp3d/>
-    <dgm:txPr/>
-    <dgm:style>
-      <a:lnRef idx="1">
-        <a:scrgbClr r="0" g="0" b="0"/>
-      </a:lnRef>
-      <a:fillRef idx="1">
-        <a:scrgbClr r="0" g="0" b="0"/>
-      </a:fillRef>
-      <a:effectRef idx="2">
-        <a:scrgbClr r="0" g="0" b="0"/>
-      </a:effectRef>
-      <a:fontRef idx="minor"/>
-    </dgm:style>
-  </dgm:styleLbl>
-  <dgm:styleLbl name="solidAlignAcc1">
-    <dgm:scene3d>
-      <a:camera prst="orthographicFront"/>
-      <a:lightRig rig="threePt" dir="t"/>
-    </dgm:scene3d>
-    <dgm:sp3d/>
-    <dgm:txPr/>
-    <dgm:style>
-      <a:lnRef idx="1">
-        <a:scrgbClr r="0" g="0" b="0"/>
-      </a:lnRef>
-      <a:fillRef idx="1">
-        <a:scrgbClr r="0" g="0" b="0"/>
-      </a:fillRef>
-      <a:effectRef idx="3">
-        <a:scrgbClr r="0" g="0" b="0"/>
-      </a:effectRef>
-      <a:fontRef idx="minor"/>
-    </dgm:style>
-  </dgm:styleLbl>
-  <dgm:styleLbl name="solidBgAcc1">
-    <dgm:scene3d>
-      <a:camera prst="orthographicFront"/>
-      <a:lightRig rig="threePt" dir="t"/>
-    </dgm:scene3d>
-    <dgm:sp3d/>
-    <dgm:txPr/>
-    <dgm:style>
-      <a:lnRef idx="1">
-        <a:scrgbClr r="0" g="0" b="0"/>
-      </a:lnRef>
-      <a:fillRef idx="1">
-        <a:scrgbClr r="0" g="0" b="0"/>
-      </a:fillRef>
-      <a:effectRef idx="3">
-        <a:scrgbClr r="0" g="0" b="0"/>
-      </a:effectRef>
-      <a:fontRef idx="minor"/>
-    </dgm:style>
-  </dgm:styleLbl>
-  <dgm:styleLbl name="fgAccFollowNode1">
-    <dgm:scene3d>
-      <a:camera prst="orthographicFront"/>
-      <a:lightRig rig="threePt" dir="t"/>
-    </dgm:scene3d>
-    <dgm:sp3d/>
-    <dgm:txPr/>
-    <dgm:style>
-      <a:lnRef idx="1">
-        <a:scrgbClr r="0" g="0" b="0"/>
-      </a:lnRef>
-      <a:fillRef idx="1">
-        <a:scrgbClr r="0" g="0" b="0"/>
-      </a:fillRef>
-      <a:effectRef idx="2">
-        <a:scrgbClr r="0" g="0" b="0"/>
-      </a:effectRef>
-      <a:fontRef idx="minor"/>
-    </dgm:style>
-  </dgm:styleLbl>
-  <dgm:styleLbl name="alignAccFollowNode1">
-    <dgm:scene3d>
-      <a:camera prst="orthographicFront"/>
-      <a:lightRig rig="threePt" dir="t"/>
-    </dgm:scene3d>
-    <dgm:sp3d/>
-    <dgm:txPr/>
-    <dgm:style>
-      <a:lnRef idx="1">
-        <a:scrgbClr r="0" g="0" b="0"/>
-      </a:lnRef>
-      <a:fillRef idx="1">
-        <a:scrgbClr r="0" g="0" b="0"/>
-      </a:fillRef>
-      <a:effectRef idx="2">
-        <a:scrgbClr r="0" g="0" b="0"/>
-      </a:effectRef>
-      <a:fontRef idx="minor"/>
-    </dgm:style>
-  </dgm:styleLbl>
-  <dgm:styleLbl name="bgAccFollowNode1">
-    <dgm:scene3d>
-      <a:camera prst="orthographicFront"/>
-      <a:lightRig rig="threePt" dir="t"/>
-    </dgm:scene3d>
-    <dgm:sp3d/>
-    <dgm:txPr/>
-    <dgm:style>
-      <a:lnRef idx="1">
-        <a:scrgbClr r="0" g="0" b="0"/>
-      </a:lnRef>
-      <a:fillRef idx="1">
-        <a:scrgbClr r="0" g="0" b="0"/>
-      </a:fillRef>
-      <a:effectRef idx="2">
-        <a:scrgbClr r="0" g="0" b="0"/>
-      </a:effectRef>
-      <a:fontRef idx="minor"/>
-    </dgm:style>
-  </dgm:styleLbl>
-  <dgm:styleLbl name="fgAcc0">
-    <dgm:scene3d>
-      <a:camera prst="orthographicFront"/>
-      <a:lightRig rig="threePt" dir="t"/>
-    </dgm:scene3d>
-    <dgm:sp3d/>
-    <dgm:txPr/>
-    <dgm:style>
-      <a:lnRef idx="1">
-        <a:scrgbClr r="0" g="0" b="0"/>
-      </a:lnRef>
-      <a:fillRef idx="1">
-        <a:scrgbClr r="0" g="0" b="0"/>
-      </a:fillRef>
-      <a:effectRef idx="2">
-        <a:scrgbClr r="0" g="0" b="0"/>
-      </a:effectRef>
-      <a:fontRef idx="minor"/>
-    </dgm:style>
-  </dgm:styleLbl>
-  <dgm:styleLbl name="fgAcc2">
-    <dgm:scene3d>
-      <a:camera prst="orthographicFront"/>
-      <a:lightRig rig="threePt" dir="t"/>
-    </dgm:scene3d>
-    <dgm:sp3d/>
-    <dgm:txPr/>
-    <dgm:style>
-      <a:lnRef idx="1">
-        <a:scrgbClr r="0" g="0" b="0"/>
-      </a:lnRef>
-      <a:fillRef idx="1">
-        <a:scrgbClr r="0" g="0" b="0"/>
-      </a:fillRef>
-      <a:effectRef idx="2">
-        <a:scrgbClr r="0" g="0" b="0"/>
-      </a:effectRef>
-      <a:fontRef idx="minor"/>
-    </dgm:style>
-  </dgm:styleLbl>
-  <dgm:styleLbl name="fgAcc3">
-    <dgm:scene3d>
-      <a:camera prst="orthographicFront"/>
-      <a:lightRig rig="threePt" dir="t"/>
-    </dgm:scene3d>
-    <dgm:sp3d/>
-    <dgm:txPr/>
-    <dgm:style>
-      <a:lnRef idx="1">
-        <a:scrgbClr r="0" g="0" b="0"/>
-      </a:lnRef>
-      <a:fillRef idx="1">
-        <a:scrgbClr r="0" g="0" b="0"/>
-      </a:fillRef>
-      <a:effectRef idx="2">
-        <a:scrgbClr r="0" g="0" b="0"/>
-      </a:effectRef>
-      <a:fontRef idx="minor"/>
-    </dgm:style>
-  </dgm:styleLbl>
-  <dgm:styleLbl name="fgAcc4">
-    <dgm:scene3d>
-      <a:camera prst="orthographicFront"/>
-      <a:lightRig rig="threePt" dir="t"/>
-    </dgm:scene3d>
-    <dgm:sp3d/>
-    <dgm:txPr/>
-    <dgm:style>
-      <a:lnRef idx="1">
-        <a:scrgbClr r="0" g="0" b="0"/>
-      </a:lnRef>
-      <a:fillRef idx="1">
-        <a:scrgbClr r="0" g="0" b="0"/>
-      </a:fillRef>
-      <a:effectRef idx="2">
-        <a:scrgbClr r="0" g="0" b="0"/>
-      </a:effectRef>
-      <a:fontRef idx="minor"/>
-    </dgm:style>
-  </dgm:styleLbl>
-  <dgm:styleLbl name="bgShp">
-    <dgm:scene3d>
-      <a:camera prst="orthographicFront"/>
-      <a:lightRig rig="threePt" dir="t"/>
-    </dgm:scene3d>
-    <dgm:sp3d/>
-    <dgm:txPr/>
-    <dgm:style>
-      <a:lnRef idx="0">
-        <a:scrgbClr r="0" g="0" b="0"/>
-      </a:lnRef>
-      <a:fillRef idx="1">
-        <a:scrgbClr r="0" g="0" b="0"/>
-      </a:fillRef>
-      <a:effectRef idx="2">
-        <a:scrgbClr r="0" g="0" b="0"/>
-      </a:effectRef>
-      <a:fontRef idx="minor"/>
-    </dgm:style>
-  </dgm:styleLbl>
-  <dgm:styleLbl name="dkBgShp">
-    <dgm:scene3d>
-      <a:camera prst="orthographicFront"/>
-      <a:lightRig rig="threePt" dir="t"/>
-    </dgm:scene3d>
-    <dgm:sp3d/>
-    <dgm:txPr/>
-    <dgm:style>
-      <a:lnRef idx="0">
-        <a:scrgbClr r="0" g="0" b="0"/>
-      </a:lnRef>
-      <a:fillRef idx="1">
-        <a:scrgbClr r="0" g="0" b="0"/>
-      </a:fillRef>
-      <a:effectRef idx="3">
-        <a:scrgbClr r="0" g="0" b="0"/>
-      </a:effectRef>
-      <a:fontRef idx="minor"/>
-    </dgm:style>
-  </dgm:styleLbl>
-  <dgm:styleLbl name="trBgShp">
-    <dgm:scene3d>
-      <a:camera prst="orthographicFront"/>
-      <a:lightRig rig="threePt" dir="t"/>
-    </dgm:scene3d>
-    <dgm:sp3d/>
-    <dgm:txPr/>
-    <dgm:style>
-      <a:lnRef idx="0">
-        <a:scrgbClr r="0" g="0" b="0"/>
-      </a:lnRef>
-      <a:fillRef idx="1">
-        <a:scrgbClr r="0" g="0" b="0"/>
-      </a:fillRef>
-      <a:effectRef idx="0">
-        <a:scrgbClr r="0" g="0" b="0"/>
-      </a:effectRef>
-      <a:fontRef idx="minor"/>
-    </dgm:style>
-  </dgm:styleLbl>
-  <dgm:styleLbl name="fgShp">
-    <dgm:scene3d>
-      <a:camera prst="orthographicFront"/>
-      <a:lightRig rig="threePt" dir="t"/>
-    </dgm:scene3d>
-    <dgm:sp3d/>
-    <dgm:txPr/>
-    <dgm:style>
-      <a:lnRef idx="0">
-        <a:scrgbClr r="0" g="0" b="0"/>
-      </a:lnRef>
-      <a:fillRef idx="3">
-        <a:scrgbClr r="0" g="0" b="0"/>
-      </a:fillRef>
-      <a:effectRef idx="3">
-        <a:scrgbClr r="0" g="0" b="0"/>
-      </a:effectRef>
-      <a:fontRef idx="minor"/>
-    </dgm:style>
-  </dgm:styleLbl>
-  <dgm:styleLbl name="revTx">
-    <dgm:scene3d>
-      <a:camera prst="orthographicFront"/>
-      <a:lightRig rig="threePt" dir="t"/>
-    </dgm:scene3d>
-    <dgm:sp3d/>
-    <dgm:txPr/>
-    <dgm:style>
-      <a:lnRef idx="0">
-        <a:scrgbClr r="0" g="0" b="0"/>
-      </a:lnRef>
-      <a:fillRef idx="0">
-        <a:scrgbClr r="0" g="0" b="0"/>
-      </a:fillRef>
-      <a:effectRef idx="0">
-        <a:scrgbClr r="0" g="0" b="0"/>
-      </a:effectRef>
-      <a:fontRef idx="minor"/>
-    </dgm:style>
-  </dgm:styleLbl>
-</dgm:styleDef>
-</file>
-
 <file path=ppt/handoutMasters/handoutMaster1.xml><?xml version="1.0" encoding="utf-8"?>
 <p:handoutMaster xmlns:a="http://schemas.openxmlformats.org/drawingml/2006/main" xmlns:r="http://schemas.openxmlformats.org/officeDocument/2006/relationships" xmlns:p="http://schemas.openxmlformats.org/presentationml/2006/main">
   <p:cSld>
@@ -3632,7 +223,7 @@
           <a:p>
             <a:fld id="{CD3CA2AC-DAA1-4188-B756-796880E3F85F}" type="datetime1">
               <a:rPr lang="nl-NL" smtClean="0"/>
-              <a:t>2-1-2020</a:t>
+              <a:t>5-1-2020</a:t>
             </a:fld>
             <a:endParaRPr lang="nl-NL"/>
           </a:p>
@@ -3812,7 +403,7 @@
             <a:pPr rtl="0"/>
             <a:fld id="{34717FC9-DBCB-479A-B3AE-E0048F1D9E29}" type="datetime1">
               <a:rPr lang="nl-NL" noProof="0" smtClean="0"/>
-              <a:t>2-1-2020</a:t>
+              <a:t>5-1-2020</a:t>
             </a:fld>
             <a:endParaRPr lang="nl-NL" noProof="0"/>
           </a:p>
@@ -4413,7 +1004,7 @@
     </p:spTree>
     <p:extLst>
       <p:ext uri="{BB962C8B-B14F-4D97-AF65-F5344CB8AC3E}">
-        <p14:creationId xmlns:p14="http://schemas.microsoft.com/office/powerpoint/2010/main" val="2772548184"/>
+        <p14:creationId xmlns:p14="http://schemas.microsoft.com/office/powerpoint/2010/main" val="4038220692"/>
       </p:ext>
     </p:extLst>
   </p:cSld>
@@ -4498,7 +1089,7 @@
     </p:spTree>
     <p:extLst>
       <p:ext uri="{BB962C8B-B14F-4D97-AF65-F5344CB8AC3E}">
-        <p14:creationId xmlns:p14="http://schemas.microsoft.com/office/powerpoint/2010/main" val="4038220692"/>
+        <p14:creationId xmlns:p14="http://schemas.microsoft.com/office/powerpoint/2010/main" val="317991241"/>
       </p:ext>
     </p:extLst>
   </p:cSld>
@@ -4583,7 +1174,7 @@
     </p:spTree>
     <p:extLst>
       <p:ext uri="{BB962C8B-B14F-4D97-AF65-F5344CB8AC3E}">
-        <p14:creationId xmlns:p14="http://schemas.microsoft.com/office/powerpoint/2010/main" val="2191517344"/>
+        <p14:creationId xmlns:p14="http://schemas.microsoft.com/office/powerpoint/2010/main" val="1036882288"/>
       </p:ext>
     </p:extLst>
   </p:cSld>
@@ -4668,92 +1259,7 @@
     </p:spTree>
     <p:extLst>
       <p:ext uri="{BB962C8B-B14F-4D97-AF65-F5344CB8AC3E}">
-        <p14:creationId xmlns:p14="http://schemas.microsoft.com/office/powerpoint/2010/main" val="301805828"/>
-      </p:ext>
-    </p:extLst>
-  </p:cSld>
-  <p:clrMapOvr>
-    <a:masterClrMapping/>
-  </p:clrMapOvr>
-</p:notes>
-</file>
-
-<file path=ppt/notesSlides/notesSlide8.xml><?xml version="1.0" encoding="utf-8"?>
-<p:notes xmlns:a="http://schemas.openxmlformats.org/drawingml/2006/main" xmlns:r="http://schemas.openxmlformats.org/officeDocument/2006/relationships" xmlns:p="http://schemas.openxmlformats.org/presentationml/2006/main">
-  <p:cSld>
-    <p:spTree>
-      <p:nvGrpSpPr>
-        <p:cNvPr id="1" name=""/>
-        <p:cNvGrpSpPr/>
-        <p:nvPr/>
-      </p:nvGrpSpPr>
-      <p:grpSpPr>
-        <a:xfrm>
-          <a:off x="0" y="0"/>
-          <a:ext cx="0" cy="0"/>
-          <a:chOff x="0" y="0"/>
-          <a:chExt cx="0" cy="0"/>
-        </a:xfrm>
-      </p:grpSpPr>
-      <p:sp>
-        <p:nvSpPr>
-          <p:cNvPr id="2" name="Tijdelijke aanduiding voor dia-afbeelding 1"/>
-          <p:cNvSpPr>
-            <a:spLocks noGrp="1" noRot="1" noChangeAspect="1"/>
-          </p:cNvSpPr>
-          <p:nvPr>
-            <p:ph type="sldImg"/>
-          </p:nvPr>
-        </p:nvSpPr>
-        <p:spPr/>
-      </p:sp>
-      <p:sp>
-        <p:nvSpPr>
-          <p:cNvPr id="3" name="Tijdelijke aanduiding voor notities 2"/>
-          <p:cNvSpPr>
-            <a:spLocks noGrp="1"/>
-          </p:cNvSpPr>
-          <p:nvPr>
-            <p:ph type="body" idx="1"/>
-          </p:nvPr>
-        </p:nvSpPr>
-        <p:spPr/>
-        <p:txBody>
-          <a:bodyPr/>
-          <a:lstStyle/>
-          <a:p>
-            <a:endParaRPr lang="nl-NL"/>
-          </a:p>
-        </p:txBody>
-      </p:sp>
-      <p:sp>
-        <p:nvSpPr>
-          <p:cNvPr id="4" name="Tijdelijke aanduiding voor dianummer 3"/>
-          <p:cNvSpPr>
-            <a:spLocks noGrp="1"/>
-          </p:cNvSpPr>
-          <p:nvPr>
-            <p:ph type="sldNum" sz="quarter" idx="5"/>
-          </p:nvPr>
-        </p:nvSpPr>
-        <p:spPr/>
-        <p:txBody>
-          <a:bodyPr/>
-          <a:lstStyle/>
-          <a:p>
-            <a:pPr rtl="0"/>
-            <a:fld id="{68B68C18-1BF1-F447-95ED-60EAAE35426E}" type="slidenum">
-              <a:rPr lang="nl-NL" noProof="0" smtClean="0"/>
-              <a:t>8</a:t>
-            </a:fld>
-            <a:endParaRPr lang="nl-NL" noProof="0"/>
-          </a:p>
-        </p:txBody>
-      </p:sp>
-    </p:spTree>
-    <p:extLst>
-      <p:ext uri="{BB962C8B-B14F-4D97-AF65-F5344CB8AC3E}">
-        <p14:creationId xmlns:p14="http://schemas.microsoft.com/office/powerpoint/2010/main" val="1452795165"/>
+        <p14:creationId xmlns:p14="http://schemas.microsoft.com/office/powerpoint/2010/main" val="2191517344"/>
       </p:ext>
     </p:extLst>
   </p:cSld>
@@ -5337,7 +1843,7 @@
             <a:pPr rtl="0"/>
             <a:fld id="{CCDFD60E-4EAE-4723-A084-0DF2A409BD84}" type="datetime1">
               <a:rPr lang="nl-NL" noProof="0" smtClean="0"/>
-              <a:t>2-1-2020</a:t>
+              <a:t>5-1-2020</a:t>
             </a:fld>
             <a:endParaRPr lang="nl-NL" noProof="0"/>
           </a:p>
@@ -5701,7 +2207,7 @@
             <a:pPr rtl="0"/>
             <a:fld id="{D4CFEB86-4158-43D7-AFAB-F4C499500524}" type="datetime1">
               <a:rPr lang="nl-NL" noProof="0" smtClean="0"/>
-              <a:t>2-1-2020</a:t>
+              <a:t>5-1-2020</a:t>
             </a:fld>
             <a:endParaRPr lang="nl-NL" noProof="0"/>
           </a:p>
@@ -6042,7 +2548,7 @@
             <a:pPr rtl="0"/>
             <a:fld id="{1D96F3C3-917D-4841-9510-3522C6DCD5A9}" type="datetime1">
               <a:rPr lang="nl-NL" noProof="0" smtClean="0"/>
-              <a:t>2-1-2020</a:t>
+              <a:t>5-1-2020</a:t>
             </a:fld>
             <a:endParaRPr lang="nl-NL" noProof="0"/>
           </a:p>
@@ -6398,7 +2904,7 @@
             <a:pPr rtl="0"/>
             <a:fld id="{5742F284-F98A-4661-BE8E-2E4F07F72820}" type="datetime1">
               <a:rPr lang="nl-NL" noProof="0" smtClean="0"/>
-              <a:t>2-1-2020</a:t>
+              <a:t>5-1-2020</a:t>
             </a:fld>
             <a:endParaRPr lang="nl-NL" noProof="0" dirty="0"/>
           </a:p>
@@ -6794,7 +3300,7 @@
             <a:pPr rtl="0"/>
             <a:fld id="{AE29A6C1-F43C-42C2-A6E7-089B4314FE33}" type="datetime1">
               <a:rPr lang="nl-NL" noProof="0" smtClean="0"/>
-              <a:t>2-1-2020</a:t>
+              <a:t>5-1-2020</a:t>
             </a:fld>
             <a:endParaRPr lang="nl-NL" noProof="0"/>
           </a:p>
@@ -6919,7 +3425,7 @@
             <a:pPr rtl="0"/>
             <a:fld id="{0682881C-6DC0-4B61-AC36-7B64F4402377}" type="datetime1">
               <a:rPr lang="nl-NL" noProof="0" smtClean="0"/>
-              <a:t>2-1-2020</a:t>
+              <a:t>5-1-2020</a:t>
             </a:fld>
             <a:endParaRPr lang="nl-NL" noProof="0"/>
           </a:p>
@@ -7017,7 +3523,7 @@
             <a:pPr rtl="0"/>
             <a:fld id="{2F494C6D-C81C-496B-8CCD-217C7267547D}" type="datetime1">
               <a:rPr lang="nl-NL" noProof="0" smtClean="0"/>
-              <a:t>2-1-2020</a:t>
+              <a:t>5-1-2020</a:t>
             </a:fld>
             <a:endParaRPr lang="nl-NL" noProof="0"/>
           </a:p>
@@ -7278,7 +3784,7 @@
             <a:pPr rtl="0"/>
             <a:fld id="{75248B2F-2CAF-4141-BCC6-0DD50D62C202}" type="datetime1">
               <a:rPr lang="nl-NL" noProof="0" smtClean="0"/>
-              <a:t>2-1-2020</a:t>
+              <a:t>5-1-2020</a:t>
             </a:fld>
             <a:endParaRPr lang="nl-NL" noProof="0"/>
           </a:p>
@@ -7539,7 +4045,7 @@
             <a:pPr rtl="0"/>
             <a:fld id="{374A8F9D-C04A-4787-A4A2-CD462B0C0CAE}" type="datetime1">
               <a:rPr lang="nl-NL" noProof="0" smtClean="0"/>
-              <a:t>2-1-2020</a:t>
+              <a:t>5-1-2020</a:t>
             </a:fld>
             <a:endParaRPr lang="nl-NL" noProof="0"/>
           </a:p>
@@ -8515,7 +5021,7 @@
             <a:pPr rtl="0"/>
             <a:fld id="{6019A31A-4D72-4DA2-A6C3-3E1904E7EC09}" type="datetime1">
               <a:rPr lang="nl-NL" noProof="0" smtClean="0"/>
-              <a:t>2-1-2020</a:t>
+              <a:t>5-1-2020</a:t>
             </a:fld>
             <a:endParaRPr lang="nl-NL" noProof="0"/>
           </a:p>
@@ -9094,7 +5600,7 @@
             <a:pPr rtl="0"/>
             <a:fld id="{AB41140D-BA27-48EB-A837-9280A48B4806}" type="datetime1">
               <a:rPr lang="nl-NL" noProof="0" smtClean="0"/>
-              <a:t>2-1-2020</a:t>
+              <a:t>5-1-2020</a:t>
             </a:fld>
             <a:endParaRPr lang="nl-NL" noProof="0"/>
           </a:p>
@@ -9607,7 +6113,7 @@
             <a:pPr rtl="0"/>
             <a:fld id="{047D3391-4467-4C74-8228-0C27131C288A}" type="datetime1">
               <a:rPr lang="nl-NL" noProof="0" smtClean="0"/>
-              <a:t>2-1-2020</a:t>
+              <a:t>5-1-2020</a:t>
             </a:fld>
             <a:endParaRPr lang="nl-NL" noProof="0"/>
           </a:p>
@@ -10537,7 +7043,7 @@
             <a:pPr rtl="0"/>
             <a:fld id="{A186701C-FDA9-4F77-A55D-BDECB1861917}" type="datetime1">
               <a:rPr lang="nl-NL" noProof="0" smtClean="0"/>
-              <a:t>2-1-2020</a:t>
+              <a:t>5-1-2020</a:t>
             </a:fld>
             <a:endParaRPr lang="nl-NL" noProof="0"/>
           </a:p>
@@ -12212,7 +8718,7 @@
             <a:pPr rtl="0"/>
             <a:fld id="{5407909E-C6A0-48CF-B620-04ACEFA5C53A}" type="datetime1">
               <a:rPr lang="nl-NL" noProof="0" smtClean="0"/>
-              <a:t>2-1-2020</a:t>
+              <a:t>5-1-2020</a:t>
             </a:fld>
             <a:endParaRPr lang="nl-NL" noProof="0"/>
           </a:p>
@@ -12710,7 +9216,7 @@
             <a:pPr rtl="0"/>
             <a:fld id="{C07A5CE3-26C8-4FA4-8A8F-E0D2F2081124}" type="datetime1">
               <a:rPr lang="nl-NL" noProof="0" smtClean="0"/>
-              <a:t>2-1-2020</a:t>
+              <a:t>5-1-2020</a:t>
             </a:fld>
             <a:endParaRPr lang="nl-NL" noProof="0"/>
           </a:p>
@@ -13233,35 +9739,6 @@
       </p:grpSpPr>
       <p:sp>
         <p:nvSpPr>
-          <p:cNvPr id="2" name="Titel 1">
-            <a:extLst>
-              <a:ext uri="{FF2B5EF4-FFF2-40B4-BE49-F238E27FC236}">
-                <a16:creationId xmlns:a16="http://schemas.microsoft.com/office/drawing/2014/main" id="{92679374-8EAE-4873-9BB6-F6C630302DA2}"/>
-              </a:ext>
-            </a:extLst>
-          </p:cNvPr>
-          <p:cNvSpPr>
-            <a:spLocks noGrp="1"/>
-          </p:cNvSpPr>
-          <p:nvPr>
-            <p:ph type="ctrTitle"/>
-          </p:nvPr>
-        </p:nvSpPr>
-        <p:spPr/>
-        <p:txBody>
-          <a:bodyPr rtlCol="0"/>
-          <a:lstStyle/>
-          <a:p>
-            <a:pPr rtl="0"/>
-            <a:r>
-              <a:rPr lang="nl-NL" i="0" dirty="0"/>
-              <a:t>Arte Tech Pro</a:t>
-            </a:r>
-          </a:p>
-        </p:txBody>
-      </p:sp>
-      <p:sp>
-        <p:nvSpPr>
           <p:cNvPr id="3" name="Subtitel 2">
             <a:extLst>
               <a:ext uri="{FF2B5EF4-FFF2-40B4-BE49-F238E27FC236}">
@@ -13283,51 +9760,63 @@
           </a:xfrm>
         </p:spPr>
         <p:txBody>
-          <a:bodyPr rtlCol="0"/>
+          <a:bodyPr rtlCol="0" anchor="t"/>
           <a:lstStyle/>
           <a:p>
             <a:pPr rtl="0"/>
             <a:r>
+              <a:rPr lang="nl-NL" dirty="0">
+                <a:solidFill>
+                  <a:schemeClr val="tx1"/>
+                </a:solidFill>
+              </a:rPr>
+              <a:t>Nawang Tendar</a:t>
+            </a:r>
+          </a:p>
+          <a:p>
+            <a:pPr rtl="0"/>
+            <a:r>
               <a:rPr lang="nl-NL" dirty="0"/>
-              <a:t>Maak een titel aan die u publiek aanspreekt. U kunt dit ondertitelveld gebruiken voor een citaat of een scriptiestelling waaruit het belang van de persoon die u bespreekt, blijkt.</a:t>
+              <a:t>Januari 2020</a:t>
+            </a:r>
+          </a:p>
+          <a:p>
+            <a:pPr rtl="0"/>
+            <a:r>
+              <a:rPr lang="nl-NL" dirty="0"/>
+              <a:t>CMS Development</a:t>
             </a:r>
           </a:p>
         </p:txBody>
       </p:sp>
       <p:pic>
         <p:nvPicPr>
-          <p:cNvPr id="53" name="Tijdelijke aanduiding voor afbeelding 52" descr="Vrouw met donker haar glimlacht en kijkt weg van de camera">
-            <a:extLst>
-              <a:ext uri="{FF2B5EF4-FFF2-40B4-BE49-F238E27FC236}">
-                <a16:creationId xmlns:a16="http://schemas.microsoft.com/office/drawing/2014/main" id="{3A9FE351-A4C6-4292-8E5E-15D6D36A50E2}"/>
+          <p:cNvPr id="15" name="Afbeelding 14">
+            <a:extLst>
+              <a:ext uri="{FF2B5EF4-FFF2-40B4-BE49-F238E27FC236}">
+                <a16:creationId xmlns:a16="http://schemas.microsoft.com/office/drawing/2014/main" id="{8F8DE996-A4A8-42D0-8B93-999379A38345}"/>
               </a:ext>
             </a:extLst>
           </p:cNvPr>
           <p:cNvPicPr>
-            <a:picLocks noGrp="1" noChangeAspect="1"/>
+            <a:picLocks noChangeAspect="1"/>
           </p:cNvPicPr>
-          <p:nvPr>
-            <p:ph type="pic" sz="quarter" idx="10"/>
-          </p:nvPr>
+          <p:nvPr/>
         </p:nvPicPr>
         <p:blipFill>
-          <a:blip r:embed="rId3" cstate="screen">
-            <a:extLst>
-              <a:ext uri="{28A0092B-C50C-407E-A947-70E740481C1C}">
-                <a14:useLocalDpi xmlns:a14="http://schemas.microsoft.com/office/drawing/2010/main"/>
-              </a:ext>
-            </a:extLst>
-          </a:blip>
-          <a:srcRect/>
+          <a:blip r:embed="rId3"/>
           <a:stretch>
             <a:fillRect/>
           </a:stretch>
         </p:blipFill>
         <p:spPr>
           <a:xfrm>
-            <a:off x="2743615" y="1367500"/>
-            <a:ext cx="2397795" cy="2397795"/>
-          </a:xfrm>
+            <a:off x="5800487" y="1303207"/>
+            <a:ext cx="5097498" cy="4733910"/>
+          </a:xfrm>
+          <a:prstGeom prst="rect">
+            <a:avLst/>
+          </a:prstGeom>
         </p:spPr>
       </p:pic>
     </p:spTree>
@@ -13384,7 +9873,7 @@
             <a:pPr rtl="0"/>
             <a:r>
               <a:rPr lang="nl-NL" dirty="0"/>
-              <a:t>Leven</a:t>
+              <a:t>Probleem</a:t>
             </a:r>
           </a:p>
         </p:txBody>
@@ -13412,8 +9901,8 @@
           <a:p>
             <a:pPr rtl="0"/>
             <a:r>
-              <a:rPr lang="nl-NL"/>
-              <a:t>Achtergrondinformatie over de persoon die u bespreekt. Belangrijke informatie kan het volgende omvatten:</a:t>
+              <a:rPr lang="nl-NL" dirty="0"/>
+              <a:t>Old school</a:t>
             </a:r>
           </a:p>
         </p:txBody>
@@ -13447,7 +9936,7 @@
             <a:pPr rtl="0"/>
             <a:r>
               <a:rPr lang="nl-NL" dirty="0"/>
-              <a:t>Ervaringen uit de jeugd die op hem/haar van invloed waren</a:t>
+              <a:t>Werkbonnen</a:t>
             </a:r>
           </a:p>
         </p:txBody>
@@ -13480,8 +9969,15 @@
           <a:p>
             <a:pPr rtl="0"/>
             <a:r>
-              <a:rPr lang="nl-NL"/>
-              <a:t>Zijn of haar opleiding</a:t>
+              <a:rPr lang="nl-NL" dirty="0"/>
+              <a:t>Wekelijks onderteken,</a:t>
+            </a:r>
+          </a:p>
+          <a:p>
+            <a:pPr rtl="0"/>
+            <a:r>
+              <a:rPr lang="nl-NL" dirty="0"/>
+              <a:t>Op papier</a:t>
             </a:r>
           </a:p>
         </p:txBody>
@@ -13514,19 +10010,19 @@
           <a:p>
             <a:pPr rtl="0"/>
             <a:r>
-              <a:rPr lang="nl-NL"/>
-              <a:t>Mensen die hem of haar beïnvloed hebben</a:t>
-            </a:r>
-          </a:p>
-          <a:p>
-            <a:pPr rtl="0"/>
-            <a:endParaRPr lang="nl-NL"/>
+              <a:rPr lang="nl-NL" dirty="0"/>
+              <a:t>Magic</a:t>
+            </a:r>
+          </a:p>
+          <a:p>
+            <a:pPr rtl="0"/>
+            <a:endParaRPr lang="nl-NL" dirty="0"/>
           </a:p>
         </p:txBody>
       </p:sp>
       <p:pic>
         <p:nvPicPr>
-          <p:cNvPr id="17" name="Tijdelijke aanduiding voor afbeelding 16" descr="Reuzenrad">
+          <p:cNvPr id="17" name="Tijdelijke aanduiding voor afbeelding 16">
             <a:extLst>
               <a:ext uri="{FF2B5EF4-FFF2-40B4-BE49-F238E27FC236}">
                 <a16:creationId xmlns:a16="http://schemas.microsoft.com/office/drawing/2014/main" id="{AE7453D0-D40E-4463-83A5-ADE525B32ADC}"/>
@@ -13541,28 +10037,27 @@
           </p:nvPr>
         </p:nvPicPr>
         <p:blipFill>
-          <a:blip r:embed="rId3" cstate="screen">
-            <a:extLst>
-              <a:ext uri="{28A0092B-C50C-407E-A947-70E740481C1C}">
-                <a14:useLocalDpi xmlns:a14="http://schemas.microsoft.com/office/drawing/2010/main"/>
+          <a:blip r:embed="rId3">
+            <a:extLst>
+              <a:ext uri="{837473B0-CC2E-450A-ABE3-18F120FF3D39}">
+                <a1611:picAttrSrcUrl xmlns:a1611="http://schemas.microsoft.com/office/drawing/2016/11/main" r:id="rId4"/>
               </a:ext>
             </a:extLst>
           </a:blip>
-          <a:srcRect/>
           <a:stretch>
             <a:fillRect/>
           </a:stretch>
         </p:blipFill>
         <p:spPr>
           <a:xfrm>
-            <a:off x="5648325" y="2247900"/>
-            <a:ext cx="971550" cy="973138"/>
+            <a:off x="5648325" y="2248694"/>
+            <a:ext cx="971550" cy="971550"/>
           </a:xfrm>
         </p:spPr>
       </p:pic>
       <p:pic>
         <p:nvPicPr>
-          <p:cNvPr id="19" name="Tijdelijke aanduiding voor afbeelding 18" descr="Peddel in water">
+          <p:cNvPr id="19" name="Tijdelijke aanduiding voor afbeelding 18">
             <a:extLst>
               <a:ext uri="{FF2B5EF4-FFF2-40B4-BE49-F238E27FC236}">
                 <a16:creationId xmlns:a16="http://schemas.microsoft.com/office/drawing/2014/main" id="{4B9CA223-D3A1-4970-848A-26CEBD622878}"/>
@@ -13577,28 +10072,27 @@
           </p:nvPr>
         </p:nvPicPr>
         <p:blipFill>
-          <a:blip r:embed="rId4" cstate="screen">
-            <a:extLst>
-              <a:ext uri="{28A0092B-C50C-407E-A947-70E740481C1C}">
-                <a14:useLocalDpi xmlns:a14="http://schemas.microsoft.com/office/drawing/2010/main"/>
+          <a:blip r:embed="rId5">
+            <a:extLst>
+              <a:ext uri="{837473B0-CC2E-450A-ABE3-18F120FF3D39}">
+                <a1611:picAttrSrcUrl xmlns:a1611="http://schemas.microsoft.com/office/drawing/2016/11/main" r:id="rId6"/>
               </a:ext>
             </a:extLst>
           </a:blip>
-          <a:srcRect/>
           <a:stretch>
             <a:fillRect/>
           </a:stretch>
         </p:blipFill>
         <p:spPr>
           <a:xfrm>
-            <a:off x="7781925" y="2247900"/>
-            <a:ext cx="971550" cy="973138"/>
+            <a:off x="7781925" y="2248694"/>
+            <a:ext cx="971550" cy="971550"/>
           </a:xfrm>
         </p:spPr>
       </p:pic>
       <p:pic>
         <p:nvPicPr>
-          <p:cNvPr id="21" name="Tijdelijke aanduiding voor afbeelding 20" descr="Heteluchtballon">
+          <p:cNvPr id="21" name="Tijdelijke aanduiding voor afbeelding 20">
             <a:extLst>
               <a:ext uri="{FF2B5EF4-FFF2-40B4-BE49-F238E27FC236}">
                 <a16:creationId xmlns:a16="http://schemas.microsoft.com/office/drawing/2014/main" id="{2309EE82-F242-4D96-98E6-A564E5488BCF}"/>
@@ -13613,14 +10107,13 @@
           </p:nvPr>
         </p:nvPicPr>
         <p:blipFill>
-          <a:blip r:embed="rId5" cstate="screen">
-            <a:extLst>
-              <a:ext uri="{28A0092B-C50C-407E-A947-70E740481C1C}">
-                <a14:useLocalDpi xmlns:a14="http://schemas.microsoft.com/office/drawing/2010/main"/>
+          <a:blip r:embed="rId7">
+            <a:extLst>
+              <a:ext uri="{837473B0-CC2E-450A-ABE3-18F120FF3D39}">
+                <a1611:picAttrSrcUrl xmlns:a1611="http://schemas.microsoft.com/office/drawing/2016/11/main" r:id="rId8"/>
               </a:ext>
             </a:extLst>
           </a:blip>
-          <a:srcRect/>
           <a:stretch>
             <a:fillRect/>
           </a:stretch>
@@ -13628,7 +10121,7 @@
         <p:spPr>
           <a:xfrm>
             <a:off x="9913938" y="2247900"/>
-            <a:ext cx="973137" cy="973138"/>
+            <a:ext cx="973137" cy="973137"/>
           </a:xfrm>
         </p:spPr>
       </p:pic>
@@ -13715,8 +10208,8 @@
           <a:p>
             <a:pPr rtl="0"/>
             <a:r>
-              <a:rPr lang="nl-NL"/>
-              <a:t>Werk</a:t>
+              <a:rPr lang="nl-NL" dirty="0"/>
+              <a:t>Oplossing</a:t>
             </a:r>
           </a:p>
         </p:txBody>
@@ -13749,22 +10242,8 @@
           <a:p>
             <a:pPr rtl="0"/>
             <a:r>
-              <a:rPr lang="nl-NL"/>
-              <a:t>Beschrijving </a:t>
-            </a:r>
-            <a:br>
-              <a:rPr lang="nl-NL"/>
-            </a:br>
-            <a:r>
-              <a:rPr lang="nl-NL"/>
-              <a:t>belangrijk </a:t>
-            </a:r>
-            <a:br>
-              <a:rPr lang="nl-NL"/>
-            </a:br>
-            <a:r>
-              <a:rPr lang="nl-NL"/>
-              <a:t>evenement</a:t>
+              <a:rPr lang="nl-NL" dirty="0"/>
+              <a:t>Manager</a:t>
             </a:r>
           </a:p>
         </p:txBody>
@@ -13792,22 +10271,8 @@
           <a:p>
             <a:pPr rtl="0"/>
             <a:r>
-              <a:rPr lang="nl-NL"/>
-              <a:t>Beschrijving </a:t>
-            </a:r>
-            <a:br>
-              <a:rPr lang="nl-NL"/>
-            </a:br>
-            <a:r>
-              <a:rPr lang="nl-NL"/>
-              <a:t>belangrijk </a:t>
-            </a:r>
-            <a:br>
-              <a:rPr lang="nl-NL"/>
-            </a:br>
-            <a:r>
-              <a:rPr lang="nl-NL"/>
-              <a:t>evenement</a:t>
+              <a:rPr lang="nl-NL" dirty="0"/>
+              <a:t>Klant</a:t>
             </a:r>
           </a:p>
         </p:txBody>
@@ -13840,22 +10305,8 @@
           <a:p>
             <a:pPr rtl="0"/>
             <a:r>
-              <a:rPr lang="nl-NL"/>
-              <a:t>Beschrijving </a:t>
-            </a:r>
-            <a:br>
-              <a:rPr lang="nl-NL"/>
-            </a:br>
-            <a:r>
-              <a:rPr lang="nl-NL"/>
-              <a:t>belangrijk </a:t>
-            </a:r>
-            <a:br>
-              <a:rPr lang="nl-NL"/>
-            </a:br>
-            <a:r>
-              <a:rPr lang="nl-NL"/>
-              <a:t>evenement</a:t>
+              <a:rPr lang="nl-NL" dirty="0"/>
+              <a:t>Werknemer</a:t>
             </a:r>
           </a:p>
         </p:txBody>
@@ -13883,7 +10334,7 @@
           <a:p>
             <a:pPr rtl="0"/>
             <a:r>
-              <a:rPr lang="nl-NL"/>
+              <a:rPr lang="nl-NL" dirty="0"/>
               <a:t>1</a:t>
             </a:r>
           </a:p>
@@ -13971,7 +10422,7 @@
             <a:pPr rtl="0"/>
             <a:r>
               <a:rPr lang="nl-NL" dirty="0"/>
-              <a:t>Geeft informatie over de belangrijke gebeurtenissen die hij of zij heeft voltooid.</a:t>
+              <a:t>2 digitale platforms</a:t>
             </a:r>
           </a:p>
         </p:txBody>
@@ -14022,14 +10473,6 @@
 <file path=ppt/slides/slide4.xml><?xml version="1.0" encoding="utf-8"?>
 <p:sld xmlns:a="http://schemas.openxmlformats.org/drawingml/2006/main" xmlns:r="http://schemas.openxmlformats.org/officeDocument/2006/relationships" xmlns:p="http://schemas.openxmlformats.org/presentationml/2006/main">
   <p:cSld>
-    <p:bg>
-      <p:bgPr>
-        <a:solidFill>
-          <a:schemeClr val="bg2"/>
-        </a:solidFill>
-        <a:effectLst/>
-      </p:bgPr>
-    </p:bg>
     <p:spTree>
       <p:nvGrpSpPr>
         <p:cNvPr id="1" name=""/>
@@ -14049,7 +10492,7 @@
           <p:cNvPr id="2" name="Titel 1">
             <a:extLst>
               <a:ext uri="{FF2B5EF4-FFF2-40B4-BE49-F238E27FC236}">
-                <a16:creationId xmlns:a16="http://schemas.microsoft.com/office/drawing/2014/main" id="{58A97F4D-F280-472F-9307-25B3E6BD88B5}"/>
+                <a16:creationId xmlns:a16="http://schemas.microsoft.com/office/drawing/2014/main" id="{2654DA9A-F01A-481E-A192-F11CA07CCE35}"/>
               </a:ext>
             </a:extLst>
           </p:cNvPr>
@@ -14068,17 +10511,17 @@
             <a:pPr rtl="0"/>
             <a:r>
               <a:rPr lang="nl-NL" dirty="0"/>
-              <a:t>Invloed</a:t>
-            </a:r>
-          </a:p>
-        </p:txBody>
-      </p:sp>
-      <p:sp>
-        <p:nvSpPr>
-          <p:cNvPr id="4" name="Tijdelijke aanduiding voor tekst 3">
-            <a:extLst>
-              <a:ext uri="{FF2B5EF4-FFF2-40B4-BE49-F238E27FC236}">
-                <a16:creationId xmlns:a16="http://schemas.microsoft.com/office/drawing/2014/main" id="{C1891695-E7DA-48AF-9EEB-86DA1F9BF74F}"/>
+              <a:t>Manager</a:t>
+            </a:r>
+          </a:p>
+        </p:txBody>
+      </p:sp>
+      <p:sp>
+        <p:nvSpPr>
+          <p:cNvPr id="3" name="Tijdelijke aanduiding voor tekst 2">
+            <a:extLst>
+              <a:ext uri="{FF2B5EF4-FFF2-40B4-BE49-F238E27FC236}">
+                <a16:creationId xmlns:a16="http://schemas.microsoft.com/office/drawing/2014/main" id="{6DCC875B-FB79-4EB2-ACC0-A26593F489C1}"/>
               </a:ext>
             </a:extLst>
           </p:cNvPr>
@@ -14089,12 +10532,7 @@
             <p:ph type="body" sz="quarter" idx="18"/>
           </p:nvPr>
         </p:nvSpPr>
-        <p:spPr>
-          <a:xfrm>
-            <a:off x="1114424" y="2895600"/>
-            <a:ext cx="3490125" cy="2855913"/>
-          </a:xfrm>
-        </p:spPr>
+        <p:spPr/>
         <p:txBody>
           <a:bodyPr rtlCol="0"/>
           <a:lstStyle/>
@@ -14102,48 +10540,410 @@
             <a:pPr rtl="0"/>
             <a:r>
               <a:rPr lang="nl-NL" dirty="0"/>
-              <a:t>Leg aan uw publiek uit welke impact hij of zij gehad heeft in uw leven.</a:t>
-            </a:r>
-          </a:p>
-        </p:txBody>
-      </p:sp>
-      <p:graphicFrame>
-        <p:nvGraphicFramePr>
-          <p:cNvPr id="5" name="Tijdelijke aanduiding voor inhoud 2" descr="SmartArt-tijdlijn">
-            <a:extLst>
-              <a:ext uri="{FF2B5EF4-FFF2-40B4-BE49-F238E27FC236}">
-                <a16:creationId xmlns:a16="http://schemas.microsoft.com/office/drawing/2014/main" id="{49A92778-1E2C-48F2-99CD-26EF59E3C6C0}"/>
-              </a:ext>
-            </a:extLst>
-          </p:cNvPr>
-          <p:cNvGraphicFramePr>
-            <a:graphicFrameLocks noGrp="1"/>
-          </p:cNvGraphicFramePr>
-          <p:nvPr>
-            <p:ph idx="4294967295"/>
-            <p:extLst>
-              <p:ext uri="{D42A27DB-BD31-4B8C-83A1-F6EECF244321}">
-                <p14:modId xmlns:p14="http://schemas.microsoft.com/office/powerpoint/2010/main" val="3115861175"/>
-              </p:ext>
-            </p:extLst>
-          </p:nvPr>
-        </p:nvGraphicFramePr>
-        <p:xfrm>
-          <a:off x="5419725" y="568325"/>
-          <a:ext cx="6248400" cy="5656263"/>
-        </p:xfrm>
-        <a:graphic>
-          <a:graphicData uri="http://schemas.openxmlformats.org/drawingml/2006/diagram">
-            <dgm:relIds xmlns:dgm="http://schemas.openxmlformats.org/drawingml/2006/diagram" xmlns:r="http://schemas.openxmlformats.org/officeDocument/2006/relationships" r:dm="rId3" r:lo="rId4" r:qs="rId5" r:cs="rId6"/>
-          </a:graphicData>
-        </a:graphic>
-      </p:graphicFrame>
-      <p:sp>
-        <p:nvSpPr>
-          <p:cNvPr id="3" name="Tijdelijke aanduiding voor dianummer 2">
-            <a:extLst>
-              <a:ext uri="{FF2B5EF4-FFF2-40B4-BE49-F238E27FC236}">
-                <a16:creationId xmlns:a16="http://schemas.microsoft.com/office/drawing/2014/main" id="{EB761CE6-695A-0941-954E-A6BD7E16386F}"/>
+              <a:t>CMS – </a:t>
+            </a:r>
+            <a:r>
+              <a:rPr lang="nl-NL" dirty="0" err="1"/>
+              <a:t>Back-end</a:t>
+            </a:r>
+            <a:endParaRPr lang="nl-NL" dirty="0"/>
+          </a:p>
+        </p:txBody>
+      </p:sp>
+      <p:sp>
+        <p:nvSpPr>
+          <p:cNvPr id="4" name="Tijdelijke aanduiding voor inhoud 3">
+            <a:extLst>
+              <a:ext uri="{FF2B5EF4-FFF2-40B4-BE49-F238E27FC236}">
+                <a16:creationId xmlns:a16="http://schemas.microsoft.com/office/drawing/2014/main" id="{52ACB615-64CF-4226-B7EB-A7D9E8A800A2}"/>
+              </a:ext>
+            </a:extLst>
+          </p:cNvPr>
+          <p:cNvSpPr>
+            <a:spLocks noGrp="1"/>
+          </p:cNvSpPr>
+          <p:nvPr>
+            <p:ph idx="1"/>
+          </p:nvPr>
+        </p:nvSpPr>
+        <p:spPr/>
+        <p:txBody>
+          <a:bodyPr rtlCol="0"/>
+          <a:lstStyle/>
+          <a:p>
+            <a:pPr rtl="0"/>
+            <a:r>
+              <a:rPr lang="nl-NL" dirty="0"/>
+              <a:t>Klanten</a:t>
+            </a:r>
+          </a:p>
+        </p:txBody>
+      </p:sp>
+      <p:sp>
+        <p:nvSpPr>
+          <p:cNvPr id="5" name="Tijdelijke aanduiding voor tekst 4">
+            <a:extLst>
+              <a:ext uri="{FF2B5EF4-FFF2-40B4-BE49-F238E27FC236}">
+                <a16:creationId xmlns:a16="http://schemas.microsoft.com/office/drawing/2014/main" id="{7CC704F7-10A3-438C-BF49-21B39AA5FD1F}"/>
+              </a:ext>
+            </a:extLst>
+          </p:cNvPr>
+          <p:cNvSpPr>
+            <a:spLocks noGrp="1"/>
+          </p:cNvSpPr>
+          <p:nvPr>
+            <p:ph type="body" sz="quarter" idx="13"/>
+          </p:nvPr>
+        </p:nvSpPr>
+        <p:spPr/>
+        <p:txBody>
+          <a:bodyPr rtlCol="0"/>
+          <a:lstStyle/>
+          <a:p>
+            <a:pPr rtl="0"/>
+            <a:r>
+              <a:rPr lang="nl-NL" dirty="0"/>
+              <a:t>Werknemers</a:t>
+            </a:r>
+          </a:p>
+        </p:txBody>
+      </p:sp>
+      <p:sp>
+        <p:nvSpPr>
+          <p:cNvPr id="6" name="Tijdelijke aanduiding voor tekst 5">
+            <a:extLst>
+              <a:ext uri="{FF2B5EF4-FFF2-40B4-BE49-F238E27FC236}">
+                <a16:creationId xmlns:a16="http://schemas.microsoft.com/office/drawing/2014/main" id="{C0CB0B93-889C-4918-9E62-5E0470169619}"/>
+              </a:ext>
+            </a:extLst>
+          </p:cNvPr>
+          <p:cNvSpPr>
+            <a:spLocks noGrp="1"/>
+          </p:cNvSpPr>
+          <p:nvPr>
+            <p:ph type="body" sz="quarter" idx="14"/>
+          </p:nvPr>
+        </p:nvSpPr>
+        <p:spPr/>
+        <p:txBody>
+          <a:bodyPr rtlCol="0"/>
+          <a:lstStyle/>
+          <a:p>
+            <a:pPr rtl="0"/>
+            <a:r>
+              <a:rPr lang="nl-NL" dirty="0"/>
+              <a:t>Freelancers</a:t>
+            </a:r>
+          </a:p>
+        </p:txBody>
+      </p:sp>
+      <p:sp>
+        <p:nvSpPr>
+          <p:cNvPr id="7" name="Tijdelijke aanduiding voor tekst 6">
+            <a:extLst>
+              <a:ext uri="{FF2B5EF4-FFF2-40B4-BE49-F238E27FC236}">
+                <a16:creationId xmlns:a16="http://schemas.microsoft.com/office/drawing/2014/main" id="{E818D25A-67F7-4CDC-A9F9-92E596277CD6}"/>
+              </a:ext>
+            </a:extLst>
+          </p:cNvPr>
+          <p:cNvSpPr>
+            <a:spLocks noGrp="1"/>
+          </p:cNvSpPr>
+          <p:nvPr>
+            <p:ph type="body" sz="quarter" idx="19"/>
+          </p:nvPr>
+        </p:nvSpPr>
+        <p:spPr/>
+        <p:txBody>
+          <a:bodyPr rtlCol="0"/>
+          <a:lstStyle/>
+          <a:p>
+            <a:pPr rtl="0"/>
+            <a:r>
+              <a:rPr lang="nl-NL" dirty="0"/>
+              <a:t>Prestatie</a:t>
+            </a:r>
+          </a:p>
+        </p:txBody>
+      </p:sp>
+      <p:sp>
+        <p:nvSpPr>
+          <p:cNvPr id="8" name="Tijdelijke aanduiding voor tekst 7">
+            <a:extLst>
+              <a:ext uri="{FF2B5EF4-FFF2-40B4-BE49-F238E27FC236}">
+                <a16:creationId xmlns:a16="http://schemas.microsoft.com/office/drawing/2014/main" id="{C78C2BF3-B597-4BD5-90B4-54EB9C2F6EE1}"/>
+              </a:ext>
+            </a:extLst>
+          </p:cNvPr>
+          <p:cNvSpPr>
+            <a:spLocks noGrp="1"/>
+          </p:cNvSpPr>
+          <p:nvPr>
+            <p:ph type="body" sz="quarter" idx="20"/>
+          </p:nvPr>
+        </p:nvSpPr>
+        <p:spPr/>
+        <p:txBody>
+          <a:bodyPr rtlCol="0"/>
+          <a:lstStyle/>
+          <a:p>
+            <a:pPr rtl="0"/>
+            <a:r>
+              <a:rPr lang="nl-NL" dirty="0"/>
+              <a:t>Periode</a:t>
+            </a:r>
+          </a:p>
+        </p:txBody>
+      </p:sp>
+      <p:sp>
+        <p:nvSpPr>
+          <p:cNvPr id="9" name="Tijdelijke aanduiding voor tekst 8">
+            <a:extLst>
+              <a:ext uri="{FF2B5EF4-FFF2-40B4-BE49-F238E27FC236}">
+                <a16:creationId xmlns:a16="http://schemas.microsoft.com/office/drawing/2014/main" id="{1637545D-50F9-427A-9297-89D0C0CFAB4F}"/>
+              </a:ext>
+            </a:extLst>
+          </p:cNvPr>
+          <p:cNvSpPr>
+            <a:spLocks noGrp="1"/>
+          </p:cNvSpPr>
+          <p:nvPr>
+            <p:ph type="body" sz="quarter" idx="21"/>
+          </p:nvPr>
+        </p:nvSpPr>
+        <p:spPr/>
+        <p:txBody>
+          <a:bodyPr rtlCol="0"/>
+          <a:lstStyle/>
+          <a:p>
+            <a:pPr rtl="0"/>
+            <a:r>
+              <a:rPr lang="nl-NL" dirty="0"/>
+              <a:t>Bonus Type</a:t>
+            </a:r>
+          </a:p>
+        </p:txBody>
+      </p:sp>
+      <p:pic>
+        <p:nvPicPr>
+          <p:cNvPr id="17" name="Tijdelijke aanduiding voor afbeelding 16" descr="Handdruk">
+            <a:extLst>
+              <a:ext uri="{FF2B5EF4-FFF2-40B4-BE49-F238E27FC236}">
+                <a16:creationId xmlns:a16="http://schemas.microsoft.com/office/drawing/2014/main" id="{CA59F1EA-7BF1-46B0-8D92-7F28002EA8FF}"/>
+              </a:ext>
+            </a:extLst>
+          </p:cNvPr>
+          <p:cNvPicPr>
+            <a:picLocks noGrp="1" noChangeAspect="1"/>
+          </p:cNvPicPr>
+          <p:nvPr>
+            <p:ph type="pic" sz="quarter" idx="22"/>
+          </p:nvPr>
+        </p:nvPicPr>
+        <p:blipFill>
+          <a:blip r:embed="rId3">
+            <a:extLst>
+              <a:ext uri="{96DAC541-7B7A-43D3-8B79-37D633B846F1}">
+                <asvg:svgBlip xmlns:asvg="http://schemas.microsoft.com/office/drawing/2016/SVG/main" r:embed="rId4"/>
+              </a:ext>
+            </a:extLst>
+          </a:blip>
+          <a:stretch>
+            <a:fillRect/>
+          </a:stretch>
+        </p:blipFill>
+        <p:spPr>
+          <a:xfrm>
+            <a:off x="5648550" y="729000"/>
+            <a:ext cx="972000" cy="972000"/>
+          </a:xfrm>
+        </p:spPr>
+      </p:pic>
+      <p:pic>
+        <p:nvPicPr>
+          <p:cNvPr id="19" name="Tijdelijke aanduiding voor afbeelding 18" descr="Doelgroep">
+            <a:extLst>
+              <a:ext uri="{FF2B5EF4-FFF2-40B4-BE49-F238E27FC236}">
+                <a16:creationId xmlns:a16="http://schemas.microsoft.com/office/drawing/2014/main" id="{AEA436B7-2654-4FEB-A48E-421EF9A9A0B6}"/>
+              </a:ext>
+            </a:extLst>
+          </p:cNvPr>
+          <p:cNvPicPr>
+            <a:picLocks noGrp="1" noChangeAspect="1"/>
+          </p:cNvPicPr>
+          <p:nvPr>
+            <p:ph type="pic" sz="quarter" idx="23"/>
+          </p:nvPr>
+        </p:nvPicPr>
+        <p:blipFill>
+          <a:blip r:embed="rId5">
+            <a:extLst>
+              <a:ext uri="{96DAC541-7B7A-43D3-8B79-37D633B846F1}">
+                <asvg:svgBlip xmlns:asvg="http://schemas.microsoft.com/office/drawing/2016/SVG/main" r:embed="rId6"/>
+              </a:ext>
+            </a:extLst>
+          </a:blip>
+          <a:stretch>
+            <a:fillRect/>
+          </a:stretch>
+        </p:blipFill>
+        <p:spPr>
+          <a:xfrm>
+            <a:off x="7781581" y="729000"/>
+            <a:ext cx="972000" cy="972000"/>
+          </a:xfrm>
+        </p:spPr>
+      </p:pic>
+      <p:pic>
+        <p:nvPicPr>
+          <p:cNvPr id="21" name="Tijdelijke aanduiding voor afbeelding 20" descr="Elektricien">
+            <a:extLst>
+              <a:ext uri="{FF2B5EF4-FFF2-40B4-BE49-F238E27FC236}">
+                <a16:creationId xmlns:a16="http://schemas.microsoft.com/office/drawing/2014/main" id="{7A368000-5E96-4DAA-B5E5-BDD2F634DBA4}"/>
+              </a:ext>
+            </a:extLst>
+          </p:cNvPr>
+          <p:cNvPicPr>
+            <a:picLocks noGrp="1" noChangeAspect="1"/>
+          </p:cNvPicPr>
+          <p:nvPr>
+            <p:ph type="pic" sz="quarter" idx="24"/>
+          </p:nvPr>
+        </p:nvPicPr>
+        <p:blipFill>
+          <a:blip r:embed="rId7">
+            <a:extLst>
+              <a:ext uri="{96DAC541-7B7A-43D3-8B79-37D633B846F1}">
+                <asvg:svgBlip xmlns:asvg="http://schemas.microsoft.com/office/drawing/2016/SVG/main" r:embed="rId8"/>
+              </a:ext>
+            </a:extLst>
+          </a:blip>
+          <a:stretch>
+            <a:fillRect/>
+          </a:stretch>
+        </p:blipFill>
+        <p:spPr>
+          <a:xfrm>
+            <a:off x="9914613" y="729000"/>
+            <a:ext cx="972000" cy="972000"/>
+          </a:xfrm>
+        </p:spPr>
+      </p:pic>
+      <p:pic>
+        <p:nvPicPr>
+          <p:cNvPr id="23" name="Tijdelijke aanduiding voor afbeelding 22" descr="Lint">
+            <a:extLst>
+              <a:ext uri="{FF2B5EF4-FFF2-40B4-BE49-F238E27FC236}">
+                <a16:creationId xmlns:a16="http://schemas.microsoft.com/office/drawing/2014/main" id="{2F9CFDA8-BA9E-4328-B0A0-62AD1193A61A}"/>
+              </a:ext>
+            </a:extLst>
+          </p:cNvPr>
+          <p:cNvPicPr>
+            <a:picLocks noGrp="1" noChangeAspect="1"/>
+          </p:cNvPicPr>
+          <p:nvPr>
+            <p:ph type="pic" sz="quarter" idx="25"/>
+          </p:nvPr>
+        </p:nvPicPr>
+        <p:blipFill rotWithShape="1">
+          <a:blip r:embed="rId9" cstate="screen">
+            <a:extLst>
+              <a:ext uri="{28A0092B-C50C-407E-A947-70E740481C1C}">
+                <a14:useLocalDpi xmlns:a14="http://schemas.microsoft.com/office/drawing/2010/main"/>
+              </a:ext>
+              <a:ext uri="{96DAC541-7B7A-43D3-8B79-37D633B846F1}">
+                <asvg:svgBlip xmlns:asvg="http://schemas.microsoft.com/office/drawing/2016/SVG/main" r:embed="rId10"/>
+              </a:ext>
+            </a:extLst>
+          </a:blip>
+          <a:srcRect l="-28442" t="-28442" r="-28442" b="-28442"/>
+          <a:stretch/>
+        </p:blipFill>
+        <p:spPr>
+          <a:xfrm>
+            <a:off x="5648550" y="3598323"/>
+            <a:ext cx="972000" cy="972000"/>
+          </a:xfrm>
+        </p:spPr>
+      </p:pic>
+      <p:pic>
+        <p:nvPicPr>
+          <p:cNvPr id="25" name="Tijdelijke aanduiding voor afbeelding 24" descr="Document">
+            <a:extLst>
+              <a:ext uri="{FF2B5EF4-FFF2-40B4-BE49-F238E27FC236}">
+                <a16:creationId xmlns:a16="http://schemas.microsoft.com/office/drawing/2014/main" id="{D848E5F5-40CC-4937-BDFD-77AE052CF964}"/>
+              </a:ext>
+            </a:extLst>
+          </p:cNvPr>
+          <p:cNvPicPr>
+            <a:picLocks noGrp="1" noChangeAspect="1"/>
+          </p:cNvPicPr>
+          <p:nvPr>
+            <p:ph type="pic" sz="quarter" idx="26"/>
+          </p:nvPr>
+        </p:nvPicPr>
+        <p:blipFill>
+          <a:blip r:embed="rId11">
+            <a:extLst>
+              <a:ext uri="{96DAC541-7B7A-43D3-8B79-37D633B846F1}">
+                <asvg:svgBlip xmlns:asvg="http://schemas.microsoft.com/office/drawing/2016/SVG/main" r:embed="rId12"/>
+              </a:ext>
+            </a:extLst>
+          </a:blip>
+          <a:stretch>
+            <a:fillRect/>
+          </a:stretch>
+        </p:blipFill>
+        <p:spPr>
+          <a:xfrm>
+            <a:off x="7781581" y="3598323"/>
+            <a:ext cx="972000" cy="972000"/>
+          </a:xfrm>
+        </p:spPr>
+      </p:pic>
+      <p:pic>
+        <p:nvPicPr>
+          <p:cNvPr id="27" name="Tijdelijke aanduiding voor afbeelding 26" descr="Krans">
+            <a:extLst>
+              <a:ext uri="{FF2B5EF4-FFF2-40B4-BE49-F238E27FC236}">
+                <a16:creationId xmlns:a16="http://schemas.microsoft.com/office/drawing/2014/main" id="{5CF2F104-BBB7-4069-B6BF-9A845C32FDC0}"/>
+              </a:ext>
+            </a:extLst>
+          </p:cNvPr>
+          <p:cNvPicPr>
+            <a:picLocks noGrp="1" noChangeAspect="1"/>
+          </p:cNvPicPr>
+          <p:nvPr>
+            <p:ph type="pic" sz="quarter" idx="27"/>
+          </p:nvPr>
+        </p:nvPicPr>
+        <p:blipFill rotWithShape="1">
+          <a:blip r:embed="rId13" cstate="screen">
+            <a:extLst>
+              <a:ext uri="{28A0092B-C50C-407E-A947-70E740481C1C}">
+                <a14:useLocalDpi xmlns:a14="http://schemas.microsoft.com/office/drawing/2010/main"/>
+              </a:ext>
+              <a:ext uri="{96DAC541-7B7A-43D3-8B79-37D633B846F1}">
+                <asvg:svgBlip xmlns:asvg="http://schemas.microsoft.com/office/drawing/2016/SVG/main" r:embed="rId14"/>
+              </a:ext>
+            </a:extLst>
+          </a:blip>
+          <a:srcRect l="-22209" t="-22157" r="-22342" b="-22157"/>
+          <a:stretch/>
+        </p:blipFill>
+        <p:spPr>
+          <a:xfrm>
+            <a:off x="9914613" y="3598323"/>
+            <a:ext cx="972000" cy="972000"/>
+          </a:xfrm>
+        </p:spPr>
+      </p:pic>
+      <p:sp>
+        <p:nvSpPr>
+          <p:cNvPr id="10" name="Tijdelijke aanduiding voor dianummer 9">
+            <a:extLst>
+              <a:ext uri="{FF2B5EF4-FFF2-40B4-BE49-F238E27FC236}">
+                <a16:creationId xmlns:a16="http://schemas.microsoft.com/office/drawing/2014/main" id="{EC7ECEE9-580B-8B4A-919F-4C04337CEC51}"/>
               </a:ext>
             </a:extLst>
           </p:cNvPr>
@@ -14164,14 +10964,14 @@
               <a:rPr lang="nl-NL" smtClean="0"/>
               <a:t>4</a:t>
             </a:fld>
-            <a:endParaRPr lang="nl-NL" dirty="0"/>
+            <a:endParaRPr lang="nl-NL"/>
           </a:p>
         </p:txBody>
       </p:sp>
     </p:spTree>
     <p:extLst>
       <p:ext uri="{BB962C8B-B14F-4D97-AF65-F5344CB8AC3E}">
-        <p14:creationId xmlns:p14="http://schemas.microsoft.com/office/powerpoint/2010/main" val="298975433"/>
+        <p14:creationId xmlns:p14="http://schemas.microsoft.com/office/powerpoint/2010/main" val="3289796151"/>
       </p:ext>
     </p:extLst>
   </p:cSld>
@@ -14222,7 +11022,7 @@
             <a:pPr rtl="0"/>
             <a:r>
               <a:rPr lang="nl-NL" dirty="0"/>
-              <a:t>Prijzen en erkenningen</a:t>
+              <a:t>Klant</a:t>
             </a:r>
           </a:p>
         </p:txBody>
@@ -14250,8 +11050,8 @@
           <a:p>
             <a:pPr rtl="0"/>
             <a:r>
-              <a:rPr lang="nl-NL"/>
-              <a:t>De prijzen en erkenningen die aan hem of haar zijn uitgereikt.</a:t>
+              <a:rPr lang="nl-NL" dirty="0"/>
+              <a:t>CMS - Front-end</a:t>
             </a:r>
           </a:p>
         </p:txBody>
@@ -14272,33 +11072,38 @@
             <p:ph idx="1"/>
           </p:nvPr>
         </p:nvSpPr>
-        <p:spPr/>
+        <p:spPr>
+          <a:xfrm>
+            <a:off x="5162550" y="559678"/>
+            <a:ext cx="1944000" cy="2700000"/>
+          </a:xfrm>
+        </p:spPr>
         <p:txBody>
           <a:bodyPr rtlCol="0"/>
           <a:lstStyle/>
           <a:p>
             <a:pPr rtl="0"/>
             <a:r>
-              <a:rPr lang="nl-NL"/>
-              <a:t>Prijsomschrijving</a:t>
-            </a:r>
-          </a:p>
-        </p:txBody>
-      </p:sp>
-      <p:sp>
-        <p:nvSpPr>
-          <p:cNvPr id="5" name="Tijdelijke aanduiding voor tekst 4">
-            <a:extLst>
-              <a:ext uri="{FF2B5EF4-FFF2-40B4-BE49-F238E27FC236}">
-                <a16:creationId xmlns:a16="http://schemas.microsoft.com/office/drawing/2014/main" id="{7CC704F7-10A3-438C-BF49-21B39AA5FD1F}"/>
-              </a:ext>
-            </a:extLst>
-          </p:cNvPr>
-          <p:cNvSpPr>
-            <a:spLocks noGrp="1"/>
-          </p:cNvSpPr>
-          <p:nvPr>
-            <p:ph type="body" sz="quarter" idx="13"/>
+              <a:rPr lang="nl-NL" dirty="0"/>
+              <a:t>Overeenkomst</a:t>
+            </a:r>
+          </a:p>
+        </p:txBody>
+      </p:sp>
+      <p:sp>
+        <p:nvSpPr>
+          <p:cNvPr id="6" name="Tijdelijke aanduiding voor tekst 5">
+            <a:extLst>
+              <a:ext uri="{FF2B5EF4-FFF2-40B4-BE49-F238E27FC236}">
+                <a16:creationId xmlns:a16="http://schemas.microsoft.com/office/drawing/2014/main" id="{C0CB0B93-889C-4918-9E62-5E0470169619}"/>
+              </a:ext>
+            </a:extLst>
+          </p:cNvPr>
+          <p:cNvSpPr>
+            <a:spLocks noGrp="1"/>
+          </p:cNvSpPr>
+          <p:nvPr>
+            <p:ph type="body" sz="quarter" idx="14"/>
           </p:nvPr>
         </p:nvSpPr>
         <p:spPr/>
@@ -14308,26 +11113,26 @@
           <a:p>
             <a:pPr rtl="0"/>
             <a:r>
-              <a:rPr lang="nl-NL"/>
-              <a:t>Prijsomschrijving</a:t>
-            </a:r>
-          </a:p>
-        </p:txBody>
-      </p:sp>
-      <p:sp>
-        <p:nvSpPr>
-          <p:cNvPr id="6" name="Tijdelijke aanduiding voor tekst 5">
-            <a:extLst>
-              <a:ext uri="{FF2B5EF4-FFF2-40B4-BE49-F238E27FC236}">
-                <a16:creationId xmlns:a16="http://schemas.microsoft.com/office/drawing/2014/main" id="{C0CB0B93-889C-4918-9E62-5E0470169619}"/>
-              </a:ext>
-            </a:extLst>
-          </p:cNvPr>
-          <p:cNvSpPr>
-            <a:spLocks noGrp="1"/>
-          </p:cNvSpPr>
-          <p:nvPr>
-            <p:ph type="body" sz="quarter" idx="14"/>
+              <a:rPr lang="nl-NL" dirty="0"/>
+              <a:t>Opmerking</a:t>
+            </a:r>
+          </a:p>
+        </p:txBody>
+      </p:sp>
+      <p:sp>
+        <p:nvSpPr>
+          <p:cNvPr id="8" name="Tijdelijke aanduiding voor tekst 7">
+            <a:extLst>
+              <a:ext uri="{FF2B5EF4-FFF2-40B4-BE49-F238E27FC236}">
+                <a16:creationId xmlns:a16="http://schemas.microsoft.com/office/drawing/2014/main" id="{C78C2BF3-B597-4BD5-90B4-54EB9C2F6EE1}"/>
+              </a:ext>
+            </a:extLst>
+          </p:cNvPr>
+          <p:cNvSpPr>
+            <a:spLocks noGrp="1"/>
+          </p:cNvSpPr>
+          <p:nvPr>
+            <p:ph type="body" sz="quarter" idx="20"/>
           </p:nvPr>
         </p:nvSpPr>
         <p:spPr/>
@@ -14337,102 +11142,15 @@
           <a:p>
             <a:pPr rtl="0"/>
             <a:r>
-              <a:rPr lang="nl-NL"/>
-              <a:t>Prijsomschrijving</a:t>
-            </a:r>
-          </a:p>
-        </p:txBody>
-      </p:sp>
-      <p:sp>
-        <p:nvSpPr>
-          <p:cNvPr id="7" name="Tijdelijke aanduiding voor tekst 6">
-            <a:extLst>
-              <a:ext uri="{FF2B5EF4-FFF2-40B4-BE49-F238E27FC236}">
-                <a16:creationId xmlns:a16="http://schemas.microsoft.com/office/drawing/2014/main" id="{E818D25A-67F7-4CDC-A9F9-92E596277CD6}"/>
-              </a:ext>
-            </a:extLst>
-          </p:cNvPr>
-          <p:cNvSpPr>
-            <a:spLocks noGrp="1"/>
-          </p:cNvSpPr>
-          <p:nvPr>
-            <p:ph type="body" sz="quarter" idx="19"/>
-          </p:nvPr>
-        </p:nvSpPr>
-        <p:spPr/>
-        <p:txBody>
-          <a:bodyPr rtlCol="0"/>
-          <a:lstStyle/>
-          <a:p>
-            <a:pPr rtl="0"/>
-            <a:r>
-              <a:rPr lang="nl-NL"/>
-              <a:t>Prijsomschrijving</a:t>
-            </a:r>
-          </a:p>
-        </p:txBody>
-      </p:sp>
-      <p:sp>
-        <p:nvSpPr>
-          <p:cNvPr id="8" name="Tijdelijke aanduiding voor tekst 7">
-            <a:extLst>
-              <a:ext uri="{FF2B5EF4-FFF2-40B4-BE49-F238E27FC236}">
-                <a16:creationId xmlns:a16="http://schemas.microsoft.com/office/drawing/2014/main" id="{C78C2BF3-B597-4BD5-90B4-54EB9C2F6EE1}"/>
-              </a:ext>
-            </a:extLst>
-          </p:cNvPr>
-          <p:cNvSpPr>
-            <a:spLocks noGrp="1"/>
-          </p:cNvSpPr>
-          <p:nvPr>
-            <p:ph type="body" sz="quarter" idx="20"/>
-          </p:nvPr>
-        </p:nvSpPr>
-        <p:spPr/>
-        <p:txBody>
-          <a:bodyPr rtlCol="0"/>
-          <a:lstStyle/>
-          <a:p>
-            <a:pPr rtl="0"/>
-            <a:r>
-              <a:rPr lang="nl-NL"/>
-              <a:t>Prijsomschrijving</a:t>
-            </a:r>
-          </a:p>
-        </p:txBody>
-      </p:sp>
-      <p:sp>
-        <p:nvSpPr>
-          <p:cNvPr id="9" name="Tijdelijke aanduiding voor tekst 8">
-            <a:extLst>
-              <a:ext uri="{FF2B5EF4-FFF2-40B4-BE49-F238E27FC236}">
-                <a16:creationId xmlns:a16="http://schemas.microsoft.com/office/drawing/2014/main" id="{1637545D-50F9-427A-9297-89D0C0CFAB4F}"/>
-              </a:ext>
-            </a:extLst>
-          </p:cNvPr>
-          <p:cNvSpPr>
-            <a:spLocks noGrp="1"/>
-          </p:cNvSpPr>
-          <p:nvPr>
-            <p:ph type="body" sz="quarter" idx="21"/>
-          </p:nvPr>
-        </p:nvSpPr>
-        <p:spPr/>
-        <p:txBody>
-          <a:bodyPr rtlCol="0"/>
-          <a:lstStyle/>
-          <a:p>
-            <a:pPr rtl="0"/>
-            <a:r>
-              <a:rPr lang="nl-NL"/>
-              <a:t>Prijsomschrijving</a:t>
+              <a:rPr lang="nl-NL" dirty="0"/>
+              <a:t>Periode</a:t>
             </a:r>
           </a:p>
         </p:txBody>
       </p:sp>
       <p:pic>
         <p:nvPicPr>
-          <p:cNvPr id="17" name="Tijdelijke aanduiding voor afbeelding 16" descr="Podium">
+          <p:cNvPr id="17" name="Tijdelijke aanduiding voor afbeelding 16" descr="Handdruk">
             <a:extLst>
               <a:ext uri="{FF2B5EF4-FFF2-40B4-BE49-F238E27FC236}">
                 <a16:creationId xmlns:a16="http://schemas.microsoft.com/office/drawing/2014/main" id="{CA59F1EA-7BF1-46B0-8D92-7F28002EA8FF}"/>
@@ -14446,19 +11164,17 @@
             <p:ph type="pic" sz="quarter" idx="22"/>
           </p:nvPr>
         </p:nvPicPr>
-        <p:blipFill rotWithShape="1">
-          <a:blip r:embed="rId3" cstate="screen">
-            <a:extLst>
-              <a:ext uri="{28A0092B-C50C-407E-A947-70E740481C1C}">
-                <a14:useLocalDpi xmlns:a14="http://schemas.microsoft.com/office/drawing/2010/main"/>
-              </a:ext>
+        <p:blipFill>
+          <a:blip r:embed="rId3">
+            <a:extLst>
               <a:ext uri="{96DAC541-7B7A-43D3-8B79-37D633B846F1}">
                 <asvg:svgBlip xmlns:asvg="http://schemas.microsoft.com/office/drawing/2016/SVG/main" r:embed="rId4"/>
               </a:ext>
             </a:extLst>
           </a:blip>
-          <a:srcRect l="-24397" t="-24397" r="-24397" b="-24397"/>
-          <a:stretch/>
+          <a:stretch>
+            <a:fillRect/>
+          </a:stretch>
         </p:blipFill>
         <p:spPr>
           <a:xfrm>
@@ -14469,10 +11185,10 @@
       </p:pic>
       <p:pic>
         <p:nvPicPr>
-          <p:cNvPr id="19" name="Tijdelijke aanduiding voor afbeelding 18" descr="Medaille">
-            <a:extLst>
-              <a:ext uri="{FF2B5EF4-FFF2-40B4-BE49-F238E27FC236}">
-                <a16:creationId xmlns:a16="http://schemas.microsoft.com/office/drawing/2014/main" id="{AEA436B7-2654-4FEB-A48E-421EF9A9A0B6}"/>
+          <p:cNvPr id="21" name="Tijdelijke aanduiding voor afbeelding 20" descr="Vragen RTL">
+            <a:extLst>
+              <a:ext uri="{FF2B5EF4-FFF2-40B4-BE49-F238E27FC236}">
+                <a16:creationId xmlns:a16="http://schemas.microsoft.com/office/drawing/2014/main" id="{7A368000-5E96-4DAA-B5E5-BDD2F634DBA4}"/>
               </a:ext>
             </a:extLst>
           </p:cNvPr>
@@ -14480,36 +11196,34 @@
             <a:picLocks noGrp="1" noChangeAspect="1"/>
           </p:cNvPicPr>
           <p:nvPr>
-            <p:ph type="pic" sz="quarter" idx="23"/>
+            <p:ph type="pic" sz="quarter" idx="24"/>
           </p:nvPr>
         </p:nvPicPr>
-        <p:blipFill rotWithShape="1">
-          <a:blip r:embed="rId5" cstate="screen">
-            <a:extLst>
-              <a:ext uri="{28A0092B-C50C-407E-A947-70E740481C1C}">
-                <a14:useLocalDpi xmlns:a14="http://schemas.microsoft.com/office/drawing/2010/main"/>
-              </a:ext>
+        <p:blipFill>
+          <a:blip r:embed="rId5">
+            <a:extLst>
               <a:ext uri="{96DAC541-7B7A-43D3-8B79-37D633B846F1}">
                 <asvg:svgBlip xmlns:asvg="http://schemas.microsoft.com/office/drawing/2016/SVG/main" r:embed="rId6"/>
               </a:ext>
             </a:extLst>
           </a:blip>
-          <a:srcRect l="-31552" t="-31590" r="-31628" b="-31590"/>
-          <a:stretch/>
+          <a:stretch>
+            <a:fillRect/>
+          </a:stretch>
         </p:blipFill>
         <p:spPr>
           <a:xfrm>
-            <a:off x="7781581" y="729000"/>
+            <a:off x="9914613" y="729000"/>
             <a:ext cx="972000" cy="972000"/>
           </a:xfrm>
         </p:spPr>
       </p:pic>
       <p:pic>
         <p:nvPicPr>
-          <p:cNvPr id="21" name="Tijdelijke aanduiding voor afbeelding 20" descr="Trofee">
-            <a:extLst>
-              <a:ext uri="{FF2B5EF4-FFF2-40B4-BE49-F238E27FC236}">
-                <a16:creationId xmlns:a16="http://schemas.microsoft.com/office/drawing/2014/main" id="{7A368000-5E96-4DAA-B5E5-BDD2F634DBA4}"/>
+          <p:cNvPr id="25" name="Tijdelijke aanduiding voor afbeelding 24" descr="Document">
+            <a:extLst>
+              <a:ext uri="{FF2B5EF4-FFF2-40B4-BE49-F238E27FC236}">
+                <a16:creationId xmlns:a16="http://schemas.microsoft.com/office/drawing/2014/main" id="{D848E5F5-40CC-4937-BDFD-77AE052CF964}"/>
               </a:ext>
             </a:extLst>
           </p:cNvPr>
@@ -14517,137 +11231,24 @@
             <a:picLocks noGrp="1" noChangeAspect="1"/>
           </p:cNvPicPr>
           <p:nvPr>
-            <p:ph type="pic" sz="quarter" idx="24"/>
+            <p:ph type="pic" sz="quarter" idx="26"/>
           </p:nvPr>
         </p:nvPicPr>
-        <p:blipFill rotWithShape="1">
-          <a:blip r:embed="rId7" cstate="screen">
-            <a:extLst>
-              <a:ext uri="{28A0092B-C50C-407E-A947-70E740481C1C}">
-                <a14:useLocalDpi xmlns:a14="http://schemas.microsoft.com/office/drawing/2010/main"/>
-              </a:ext>
+        <p:blipFill>
+          <a:blip r:embed="rId7">
+            <a:extLst>
               <a:ext uri="{96DAC541-7B7A-43D3-8B79-37D633B846F1}">
                 <asvg:svgBlip xmlns:asvg="http://schemas.microsoft.com/office/drawing/2016/SVG/main" r:embed="rId8"/>
               </a:ext>
             </a:extLst>
           </a:blip>
-          <a:srcRect l="-34126" t="-34065" r="-34281" b="-34065"/>
-          <a:stretch/>
+          <a:stretch>
+            <a:fillRect/>
+          </a:stretch>
         </p:blipFill>
         <p:spPr>
           <a:xfrm>
-            <a:off x="9914613" y="729000"/>
-            <a:ext cx="972000" cy="972000"/>
-          </a:xfrm>
-        </p:spPr>
-      </p:pic>
-      <p:pic>
-        <p:nvPicPr>
-          <p:cNvPr id="23" name="Tijdelijke aanduiding voor afbeelding 22" descr="Lint">
-            <a:extLst>
-              <a:ext uri="{FF2B5EF4-FFF2-40B4-BE49-F238E27FC236}">
-                <a16:creationId xmlns:a16="http://schemas.microsoft.com/office/drawing/2014/main" id="{2F9CFDA8-BA9E-4328-B0A0-62AD1193A61A}"/>
-              </a:ext>
-            </a:extLst>
-          </p:cNvPr>
-          <p:cNvPicPr>
-            <a:picLocks noGrp="1" noChangeAspect="1"/>
-          </p:cNvPicPr>
-          <p:nvPr>
-            <p:ph type="pic" sz="quarter" idx="25"/>
-          </p:nvPr>
-        </p:nvPicPr>
-        <p:blipFill rotWithShape="1">
-          <a:blip r:embed="rId9" cstate="screen">
-            <a:extLst>
-              <a:ext uri="{28A0092B-C50C-407E-A947-70E740481C1C}">
-                <a14:useLocalDpi xmlns:a14="http://schemas.microsoft.com/office/drawing/2010/main"/>
-              </a:ext>
-              <a:ext uri="{96DAC541-7B7A-43D3-8B79-37D633B846F1}">
-                <asvg:svgBlip xmlns:asvg="http://schemas.microsoft.com/office/drawing/2016/SVG/main" r:embed="rId10"/>
-              </a:ext>
-            </a:extLst>
-          </a:blip>
-          <a:srcRect l="-28442" t="-28442" r="-28442" b="-28442"/>
-          <a:stretch/>
-        </p:blipFill>
-        <p:spPr>
-          <a:xfrm>
-            <a:off x="5648550" y="3598323"/>
-            <a:ext cx="972000" cy="972000"/>
-          </a:xfrm>
-        </p:spPr>
-      </p:pic>
-      <p:pic>
-        <p:nvPicPr>
-          <p:cNvPr id="25" name="Tijdelijke aanduiding voor afbeelding 24" descr="Diploma">
-            <a:extLst>
-              <a:ext uri="{FF2B5EF4-FFF2-40B4-BE49-F238E27FC236}">
-                <a16:creationId xmlns:a16="http://schemas.microsoft.com/office/drawing/2014/main" id="{D848E5F5-40CC-4937-BDFD-77AE052CF964}"/>
-              </a:ext>
-            </a:extLst>
-          </p:cNvPr>
-          <p:cNvPicPr>
-            <a:picLocks noGrp="1" noChangeAspect="1"/>
-          </p:cNvPicPr>
-          <p:nvPr>
-            <p:ph type="pic" sz="quarter" idx="26"/>
-          </p:nvPr>
-        </p:nvPicPr>
-        <p:blipFill rotWithShape="1">
-          <a:blip r:embed="rId11" cstate="screen">
-            <a:extLst>
-              <a:ext uri="{28A0092B-C50C-407E-A947-70E740481C1C}">
-                <a14:useLocalDpi xmlns:a14="http://schemas.microsoft.com/office/drawing/2010/main"/>
-              </a:ext>
-              <a:ext uri="{96DAC541-7B7A-43D3-8B79-37D633B846F1}">
-                <asvg:svgBlip xmlns:asvg="http://schemas.microsoft.com/office/drawing/2016/SVG/main" r:embed="rId12"/>
-              </a:ext>
-            </a:extLst>
-          </a:blip>
-          <a:srcRect l="-20777" t="-20809" r="-20842" b="-20809"/>
-          <a:stretch/>
-        </p:blipFill>
-        <p:spPr>
-          <a:xfrm>
             <a:off x="7781581" y="3598323"/>
-            <a:ext cx="972000" cy="972000"/>
-          </a:xfrm>
-        </p:spPr>
-      </p:pic>
-      <p:pic>
-        <p:nvPicPr>
-          <p:cNvPr id="27" name="Tijdelijke aanduiding voor afbeelding 26" descr="Krans">
-            <a:extLst>
-              <a:ext uri="{FF2B5EF4-FFF2-40B4-BE49-F238E27FC236}">
-                <a16:creationId xmlns:a16="http://schemas.microsoft.com/office/drawing/2014/main" id="{5CF2F104-BBB7-4069-B6BF-9A845C32FDC0}"/>
-              </a:ext>
-            </a:extLst>
-          </p:cNvPr>
-          <p:cNvPicPr>
-            <a:picLocks noGrp="1" noChangeAspect="1"/>
-          </p:cNvPicPr>
-          <p:nvPr>
-            <p:ph type="pic" sz="quarter" idx="27"/>
-          </p:nvPr>
-        </p:nvPicPr>
-        <p:blipFill rotWithShape="1">
-          <a:blip r:embed="rId13" cstate="screen">
-            <a:extLst>
-              <a:ext uri="{28A0092B-C50C-407E-A947-70E740481C1C}">
-                <a14:useLocalDpi xmlns:a14="http://schemas.microsoft.com/office/drawing/2010/main"/>
-              </a:ext>
-              <a:ext uri="{96DAC541-7B7A-43D3-8B79-37D633B846F1}">
-                <asvg:svgBlip xmlns:asvg="http://schemas.microsoft.com/office/drawing/2016/SVG/main" r:embed="rId14"/>
-              </a:ext>
-            </a:extLst>
-          </a:blip>
-          <a:srcRect l="-22209" t="-22157" r="-22342" b="-22157"/>
-          <a:stretch/>
-        </p:blipFill>
-        <p:spPr>
-          <a:xfrm>
-            <a:off x="9914613" y="3598323"/>
             <a:ext cx="972000" cy="972000"/>
           </a:xfrm>
         </p:spPr>
@@ -14685,7 +11286,7 @@
     </p:spTree>
     <p:extLst>
       <p:ext uri="{BB962C8B-B14F-4D97-AF65-F5344CB8AC3E}">
-        <p14:creationId xmlns:p14="http://schemas.microsoft.com/office/powerpoint/2010/main" val="3289796151"/>
+        <p14:creationId xmlns:p14="http://schemas.microsoft.com/office/powerpoint/2010/main" val="2225614843"/>
       </p:ext>
     </p:extLst>
   </p:cSld>
@@ -14717,7 +11318,7 @@
           <p:cNvPr id="2" name="Titel 1">
             <a:extLst>
               <a:ext uri="{FF2B5EF4-FFF2-40B4-BE49-F238E27FC236}">
-                <a16:creationId xmlns:a16="http://schemas.microsoft.com/office/drawing/2014/main" id="{46A00B74-5475-4C20-9E4F-D93144C702EA}"/>
+                <a16:creationId xmlns:a16="http://schemas.microsoft.com/office/drawing/2014/main" id="{2654DA9A-F01A-481E-A192-F11CA07CCE35}"/>
               </a:ext>
             </a:extLst>
           </p:cNvPr>
@@ -14730,8 +11331,8 @@
         </p:nvSpPr>
         <p:spPr>
           <a:xfrm>
-            <a:off x="266700" y="2831932"/>
-            <a:ext cx="4329206" cy="1562638"/>
+            <a:off x="762000" y="559678"/>
+            <a:ext cx="3833906" cy="2221622"/>
           </a:xfrm>
         </p:spPr>
         <p:txBody>
@@ -14740,8 +11341,8 @@
           <a:p>
             <a:pPr rtl="0"/>
             <a:r>
-              <a:rPr lang="nl-NL"/>
-              <a:t>Nalatenschap</a:t>
+              <a:rPr lang="nl-NL" dirty="0"/>
+              <a:t>Werknemer/ Freelancer</a:t>
             </a:r>
           </a:p>
         </p:txBody>
@@ -14751,7 +11352,7 @@
           <p:cNvPr id="3" name="Tijdelijke aanduiding voor tekst 2">
             <a:extLst>
               <a:ext uri="{FF2B5EF4-FFF2-40B4-BE49-F238E27FC236}">
-                <a16:creationId xmlns:a16="http://schemas.microsoft.com/office/drawing/2014/main" id="{A70F1B58-257D-4779-A040-5E1616327E2D}"/>
+                <a16:creationId xmlns:a16="http://schemas.microsoft.com/office/drawing/2014/main" id="{6DCC875B-FB79-4EB2-ACC0-A26593F489C1}"/>
               </a:ext>
             </a:extLst>
           </p:cNvPr>
@@ -14764,25 +11365,146 @@
         </p:nvSpPr>
         <p:spPr/>
         <p:txBody>
-          <a:bodyPr rtlCol="0">
-            <a:normAutofit fontScale="92500" lnSpcReduction="20000"/>
-          </a:bodyPr>
+          <a:bodyPr rtlCol="0"/>
           <a:lstStyle/>
           <a:p>
             <a:pPr rtl="0"/>
             <a:r>
-              <a:rPr lang="nl-NL"/>
-              <a:t>Beschrijving voor uw publiek van de nalatenschap die hij of zij heeft achtergelaten. Hoe hij of zij de wereld heeft veranderd.</a:t>
+              <a:rPr lang="nl-NL" dirty="0"/>
+              <a:t>Web App</a:t>
+            </a:r>
+          </a:p>
+        </p:txBody>
+      </p:sp>
+      <p:sp>
+        <p:nvSpPr>
+          <p:cNvPr id="4" name="Tijdelijke aanduiding voor inhoud 3">
+            <a:extLst>
+              <a:ext uri="{FF2B5EF4-FFF2-40B4-BE49-F238E27FC236}">
+                <a16:creationId xmlns:a16="http://schemas.microsoft.com/office/drawing/2014/main" id="{52ACB615-64CF-4226-B7EB-A7D9E8A800A2}"/>
+              </a:ext>
+            </a:extLst>
+          </p:cNvPr>
+          <p:cNvSpPr>
+            <a:spLocks noGrp="1"/>
+          </p:cNvSpPr>
+          <p:nvPr>
+            <p:ph idx="1"/>
+          </p:nvPr>
+        </p:nvSpPr>
+        <p:spPr/>
+        <p:txBody>
+          <a:bodyPr rtlCol="0"/>
+          <a:lstStyle/>
+          <a:p>
+            <a:pPr rtl="0"/>
+            <a:r>
+              <a:rPr lang="nl-NL" dirty="0"/>
+              <a:t>Prestaties</a:t>
+            </a:r>
+          </a:p>
+        </p:txBody>
+      </p:sp>
+      <p:sp>
+        <p:nvSpPr>
+          <p:cNvPr id="5" name="Tijdelijke aanduiding voor tekst 4">
+            <a:extLst>
+              <a:ext uri="{FF2B5EF4-FFF2-40B4-BE49-F238E27FC236}">
+                <a16:creationId xmlns:a16="http://schemas.microsoft.com/office/drawing/2014/main" id="{7CC704F7-10A3-438C-BF49-21B39AA5FD1F}"/>
+              </a:ext>
+            </a:extLst>
+          </p:cNvPr>
+          <p:cNvSpPr>
+            <a:spLocks noGrp="1"/>
+          </p:cNvSpPr>
+          <p:nvPr>
+            <p:ph type="body" sz="quarter" idx="13"/>
+          </p:nvPr>
+        </p:nvSpPr>
+        <p:spPr/>
+        <p:txBody>
+          <a:bodyPr rtlCol="0"/>
+          <a:lstStyle/>
+          <a:p>
+            <a:pPr rtl="0"/>
+            <a:r>
+              <a:rPr lang="nl-NL" dirty="0"/>
+              <a:t>Rapport</a:t>
+            </a:r>
+          </a:p>
+        </p:txBody>
+      </p:sp>
+      <p:sp>
+        <p:nvSpPr>
+          <p:cNvPr id="6" name="Tijdelijke aanduiding voor tekst 5">
+            <a:extLst>
+              <a:ext uri="{FF2B5EF4-FFF2-40B4-BE49-F238E27FC236}">
+                <a16:creationId xmlns:a16="http://schemas.microsoft.com/office/drawing/2014/main" id="{C0CB0B93-889C-4918-9E62-5E0470169619}"/>
+              </a:ext>
+            </a:extLst>
+          </p:cNvPr>
+          <p:cNvSpPr>
+            <a:spLocks noGrp="1"/>
+          </p:cNvSpPr>
+          <p:nvPr>
+            <p:ph type="body" sz="quarter" idx="14"/>
+          </p:nvPr>
+        </p:nvSpPr>
+        <p:spPr/>
+        <p:txBody>
+          <a:bodyPr rtlCol="0"/>
+          <a:lstStyle/>
+          <a:p>
+            <a:pPr rtl="0"/>
+            <a:r>
+              <a:rPr lang="nl-NL" dirty="0"/>
+              <a:t>Prestatie</a:t>
+            </a:r>
+          </a:p>
+          <a:p>
+            <a:pPr rtl="0"/>
+            <a:r>
+              <a:rPr lang="nl-NL" dirty="0"/>
+              <a:t>Toevoegen</a:t>
+            </a:r>
+          </a:p>
+        </p:txBody>
+      </p:sp>
+      <p:sp>
+        <p:nvSpPr>
+          <p:cNvPr id="7" name="Tijdelijke aanduiding voor tekst 6">
+            <a:extLst>
+              <a:ext uri="{FF2B5EF4-FFF2-40B4-BE49-F238E27FC236}">
+                <a16:creationId xmlns:a16="http://schemas.microsoft.com/office/drawing/2014/main" id="{E818D25A-67F7-4CDC-A9F9-92E596277CD6}"/>
+              </a:ext>
+            </a:extLst>
+          </p:cNvPr>
+          <p:cNvSpPr>
+            <a:spLocks noGrp="1"/>
+          </p:cNvSpPr>
+          <p:nvPr>
+            <p:ph type="body" sz="quarter" idx="19"/>
+          </p:nvPr>
+        </p:nvSpPr>
+        <p:spPr/>
+        <p:txBody>
+          <a:bodyPr rtlCol="0"/>
+          <a:lstStyle/>
+          <a:p>
+            <a:pPr rtl="0"/>
+            <a:r>
+              <a:rPr lang="nl-NL" dirty="0"/>
+              <a:t>Tarief aanpassen</a:t>
             </a:r>
           </a:p>
         </p:txBody>
       </p:sp>
       <p:pic>
         <p:nvPicPr>
-          <p:cNvPr id="18" name="Tijdelijke aanduiding voor afbeelding 17" descr="Vrouw met donker haar glimlacht en kijkt weg van de camera">
-            <a:extLst>
-              <a:ext uri="{FF2B5EF4-FFF2-40B4-BE49-F238E27FC236}">
-                <a16:creationId xmlns:a16="http://schemas.microsoft.com/office/drawing/2014/main" id="{95A486D2-A2CB-47AF-AB12-0976F3BAED55}"/>
+          <p:cNvPr id="17" name="Tijdelijke aanduiding voor afbeelding 16" descr="Lijst RTL">
+            <a:extLst>
+              <a:ext uri="{FF2B5EF4-FFF2-40B4-BE49-F238E27FC236}">
+                <a16:creationId xmlns:a16="http://schemas.microsoft.com/office/drawing/2014/main" id="{CA59F1EA-7BF1-46B0-8D92-7F28002EA8FF}"/>
               </a:ext>
             </a:extLst>
           </p:cNvPr>
@@ -14790,204 +11512,34 @@
             <a:picLocks noGrp="1" noChangeAspect="1"/>
           </p:cNvPicPr>
           <p:nvPr>
-            <p:ph type="pic" sz="quarter" idx="19"/>
+            <p:ph type="pic" sz="quarter" idx="22"/>
           </p:nvPr>
         </p:nvPicPr>
         <p:blipFill>
-          <a:blip r:embed="rId3" cstate="screen">
-            <a:extLst>
-              <a:ext uri="{28A0092B-C50C-407E-A947-70E740481C1C}">
-                <a14:useLocalDpi xmlns:a14="http://schemas.microsoft.com/office/drawing/2010/main"/>
+          <a:blip r:embed="rId3">
+            <a:extLst>
+              <a:ext uri="{96DAC541-7B7A-43D3-8B79-37D633B846F1}">
+                <asvg:svgBlip xmlns:asvg="http://schemas.microsoft.com/office/drawing/2016/SVG/main" r:embed="rId4"/>
               </a:ext>
             </a:extLst>
           </a:blip>
-          <a:srcRect/>
           <a:stretch>
             <a:fillRect/>
           </a:stretch>
         </p:blipFill>
-        <p:spPr/>
+        <p:spPr>
+          <a:xfrm>
+            <a:off x="5648550" y="729000"/>
+            <a:ext cx="972000" cy="972000"/>
+          </a:xfrm>
+        </p:spPr>
       </p:pic>
-      <p:sp>
-        <p:nvSpPr>
-          <p:cNvPr id="5" name="Tijdelijke aanduiding voor inhoud 4">
-            <a:extLst>
-              <a:ext uri="{FF2B5EF4-FFF2-40B4-BE49-F238E27FC236}">
-                <a16:creationId xmlns:a16="http://schemas.microsoft.com/office/drawing/2014/main" id="{085B3B5D-2D70-464D-97D7-2F81F133EFA7}"/>
-              </a:ext>
-            </a:extLst>
-          </p:cNvPr>
-          <p:cNvSpPr>
-            <a:spLocks noGrp="1"/>
-          </p:cNvSpPr>
-          <p:nvPr>
-            <p:ph idx="1"/>
-          </p:nvPr>
-        </p:nvSpPr>
-        <p:spPr/>
-        <p:txBody>
-          <a:bodyPr rtlCol="0"/>
-          <a:lstStyle/>
-          <a:p>
-            <a:pPr rtl="0"/>
-            <a:r>
-              <a:rPr lang="nl-NL"/>
-              <a:t>Beschrijving nalatenschap</a:t>
-            </a:r>
-          </a:p>
-        </p:txBody>
-      </p:sp>
-      <p:sp>
-        <p:nvSpPr>
-          <p:cNvPr id="6" name="Tijdelijke aanduiding voor tekst 5">
-            <a:extLst>
-              <a:ext uri="{FF2B5EF4-FFF2-40B4-BE49-F238E27FC236}">
-                <a16:creationId xmlns:a16="http://schemas.microsoft.com/office/drawing/2014/main" id="{B5E06AD1-C7AD-4761-9E4E-0F0DDD088F11}"/>
-              </a:ext>
-            </a:extLst>
-          </p:cNvPr>
-          <p:cNvSpPr>
-            <a:spLocks noGrp="1"/>
-          </p:cNvSpPr>
-          <p:nvPr>
-            <p:ph type="body" sz="quarter" idx="13"/>
-          </p:nvPr>
-        </p:nvSpPr>
-        <p:spPr/>
-        <p:txBody>
-          <a:bodyPr rtlCol="0"/>
-          <a:lstStyle/>
-          <a:p>
-            <a:pPr rtl="0"/>
-            <a:r>
-              <a:rPr lang="nl-NL"/>
-              <a:t>Beschrijving nalatenschap</a:t>
-            </a:r>
-          </a:p>
-        </p:txBody>
-      </p:sp>
-      <p:sp>
-        <p:nvSpPr>
-          <p:cNvPr id="7" name="Tijdelijke aanduiding voor tekst 6">
-            <a:extLst>
-              <a:ext uri="{FF2B5EF4-FFF2-40B4-BE49-F238E27FC236}">
-                <a16:creationId xmlns:a16="http://schemas.microsoft.com/office/drawing/2014/main" id="{4F730BB3-A959-4EF9-B77F-FBF43DB5A80A}"/>
-              </a:ext>
-            </a:extLst>
-          </p:cNvPr>
-          <p:cNvSpPr>
-            <a:spLocks noGrp="1"/>
-          </p:cNvSpPr>
-          <p:nvPr>
-            <p:ph type="body" sz="quarter" idx="14"/>
-          </p:nvPr>
-        </p:nvSpPr>
-        <p:spPr/>
-        <p:txBody>
-          <a:bodyPr rtlCol="0"/>
-          <a:lstStyle/>
-          <a:p>
-            <a:pPr rtl="0"/>
-            <a:r>
-              <a:rPr lang="nl-NL"/>
-              <a:t>Beschrijving nalatenschap</a:t>
-            </a:r>
-          </a:p>
-        </p:txBody>
-      </p:sp>
-      <p:sp>
-        <p:nvSpPr>
-          <p:cNvPr id="8" name="Tijdelijke aanduiding voor tekst 7">
-            <a:extLst>
-              <a:ext uri="{FF2B5EF4-FFF2-40B4-BE49-F238E27FC236}">
-                <a16:creationId xmlns:a16="http://schemas.microsoft.com/office/drawing/2014/main" id="{00BBAFCA-88C5-4965-BDEC-02CBA7481B75}"/>
-              </a:ext>
-            </a:extLst>
-          </p:cNvPr>
-          <p:cNvSpPr>
-            <a:spLocks noGrp="1"/>
-          </p:cNvSpPr>
-          <p:nvPr>
-            <p:ph type="body" sz="quarter" idx="20"/>
-          </p:nvPr>
-        </p:nvSpPr>
-        <p:spPr/>
-        <p:txBody>
-          <a:bodyPr rtlCol="0"/>
-          <a:lstStyle/>
-          <a:p>
-            <a:pPr rtl="0"/>
-            <a:r>
-              <a:rPr lang="nl-NL"/>
-              <a:t>Beschrijving nalatenschap</a:t>
-            </a:r>
-          </a:p>
-        </p:txBody>
-      </p:sp>
-      <p:sp>
-        <p:nvSpPr>
-          <p:cNvPr id="9" name="Tijdelijke aanduiding voor tekst 8">
-            <a:extLst>
-              <a:ext uri="{FF2B5EF4-FFF2-40B4-BE49-F238E27FC236}">
-                <a16:creationId xmlns:a16="http://schemas.microsoft.com/office/drawing/2014/main" id="{08FE4DC2-8CCB-442B-B83B-CB17CB8293CD}"/>
-              </a:ext>
-            </a:extLst>
-          </p:cNvPr>
-          <p:cNvSpPr>
-            <a:spLocks noGrp="1"/>
-          </p:cNvSpPr>
-          <p:nvPr>
-            <p:ph type="body" sz="quarter" idx="21"/>
-          </p:nvPr>
-        </p:nvSpPr>
-        <p:spPr/>
-        <p:txBody>
-          <a:bodyPr rtlCol="0"/>
-          <a:lstStyle/>
-          <a:p>
-            <a:pPr rtl="0"/>
-            <a:r>
-              <a:rPr lang="nl-NL"/>
-              <a:t>Beschrijving nalatenschap</a:t>
-            </a:r>
-          </a:p>
-        </p:txBody>
-      </p:sp>
-      <p:sp>
-        <p:nvSpPr>
-          <p:cNvPr id="10" name="Tijdelijke aanduiding voor tekst 9">
-            <a:extLst>
-              <a:ext uri="{FF2B5EF4-FFF2-40B4-BE49-F238E27FC236}">
-                <a16:creationId xmlns:a16="http://schemas.microsoft.com/office/drawing/2014/main" id="{2CBD5911-3682-4285-879A-C6AC261D874F}"/>
-              </a:ext>
-            </a:extLst>
-          </p:cNvPr>
-          <p:cNvSpPr>
-            <a:spLocks noGrp="1"/>
-          </p:cNvSpPr>
-          <p:nvPr>
-            <p:ph type="body" sz="quarter" idx="22"/>
-          </p:nvPr>
-        </p:nvSpPr>
-        <p:spPr/>
-        <p:txBody>
-          <a:bodyPr rtlCol="0"/>
-          <a:lstStyle/>
-          <a:p>
-            <a:pPr rtl="0"/>
-            <a:r>
-              <a:rPr lang="nl-NL"/>
-              <a:t>Beschrijving nalatenschap</a:t>
-            </a:r>
-          </a:p>
-        </p:txBody>
-      </p:sp>
       <p:pic>
         <p:nvPicPr>
-          <p:cNvPr id="20" name="Tijdelijke aanduiding voor afbeelding 19" descr="Reuzenrad">
-            <a:extLst>
-              <a:ext uri="{FF2B5EF4-FFF2-40B4-BE49-F238E27FC236}">
-                <a16:creationId xmlns:a16="http://schemas.microsoft.com/office/drawing/2014/main" id="{9E5CE8C1-B631-446C-9BB6-0814870B5ECA}"/>
+          <p:cNvPr id="19" name="Tijdelijke aanduiding voor afbeelding 18" descr="Staafdiagram">
+            <a:extLst>
+              <a:ext uri="{FF2B5EF4-FFF2-40B4-BE49-F238E27FC236}">
+                <a16:creationId xmlns:a16="http://schemas.microsoft.com/office/drawing/2014/main" id="{AEA436B7-2654-4FEB-A48E-421EF9A9A0B6}"/>
               </a:ext>
             </a:extLst>
           </p:cNvPr>
@@ -14999,26 +11551,30 @@
           </p:nvPr>
         </p:nvPicPr>
         <p:blipFill>
-          <a:blip r:embed="rId4" cstate="screen">
-            <a:extLst>
-              <a:ext uri="{28A0092B-C50C-407E-A947-70E740481C1C}">
-                <a14:useLocalDpi xmlns:a14="http://schemas.microsoft.com/office/drawing/2010/main"/>
+          <a:blip r:embed="rId5">
+            <a:extLst>
+              <a:ext uri="{96DAC541-7B7A-43D3-8B79-37D633B846F1}">
+                <asvg:svgBlip xmlns:asvg="http://schemas.microsoft.com/office/drawing/2016/SVG/main" r:embed="rId6"/>
               </a:ext>
             </a:extLst>
           </a:blip>
-          <a:srcRect/>
           <a:stretch>
             <a:fillRect/>
           </a:stretch>
         </p:blipFill>
-        <p:spPr/>
+        <p:spPr>
+          <a:xfrm>
+            <a:off x="7781581" y="729000"/>
+            <a:ext cx="972000" cy="972000"/>
+          </a:xfrm>
+        </p:spPr>
       </p:pic>
       <p:pic>
         <p:nvPicPr>
-          <p:cNvPr id="22" name="Tijdelijke aanduiding voor afbeelding 21" descr="Peddel in water">
-            <a:extLst>
-              <a:ext uri="{FF2B5EF4-FFF2-40B4-BE49-F238E27FC236}">
-                <a16:creationId xmlns:a16="http://schemas.microsoft.com/office/drawing/2014/main" id="{448F3FAC-A0F2-4FD5-A9B2-29E38370C088}"/>
+          <p:cNvPr id="21" name="Tijdelijke aanduiding voor afbeelding 20" descr="Stopwatch">
+            <a:extLst>
+              <a:ext uri="{FF2B5EF4-FFF2-40B4-BE49-F238E27FC236}">
+                <a16:creationId xmlns:a16="http://schemas.microsoft.com/office/drawing/2014/main" id="{7A368000-5E96-4DAA-B5E5-BDD2F634DBA4}"/>
               </a:ext>
             </a:extLst>
           </p:cNvPr>
@@ -15030,26 +11586,30 @@
           </p:nvPr>
         </p:nvPicPr>
         <p:blipFill>
-          <a:blip r:embed="rId5" cstate="screen">
-            <a:extLst>
-              <a:ext uri="{28A0092B-C50C-407E-A947-70E740481C1C}">
-                <a14:useLocalDpi xmlns:a14="http://schemas.microsoft.com/office/drawing/2010/main"/>
+          <a:blip r:embed="rId7">
+            <a:extLst>
+              <a:ext uri="{96DAC541-7B7A-43D3-8B79-37D633B846F1}">
+                <asvg:svgBlip xmlns:asvg="http://schemas.microsoft.com/office/drawing/2016/SVG/main" r:embed="rId8"/>
               </a:ext>
             </a:extLst>
           </a:blip>
-          <a:srcRect/>
           <a:stretch>
             <a:fillRect/>
           </a:stretch>
         </p:blipFill>
-        <p:spPr/>
+        <p:spPr>
+          <a:xfrm>
+            <a:off x="9914613" y="729000"/>
+            <a:ext cx="972000" cy="972000"/>
+          </a:xfrm>
+        </p:spPr>
       </p:pic>
       <p:pic>
         <p:nvPicPr>
-          <p:cNvPr id="24" name="Tijdelijke aanduiding voor afbeelding 23" descr="Heteluchtballon">
-            <a:extLst>
-              <a:ext uri="{FF2B5EF4-FFF2-40B4-BE49-F238E27FC236}">
-                <a16:creationId xmlns:a16="http://schemas.microsoft.com/office/drawing/2014/main" id="{B645D955-0DD1-4098-B4D9-1EC11300FD81}"/>
+          <p:cNvPr id="23" name="Tijdelijke aanduiding voor afbeelding 22" descr="Palet">
+            <a:extLst>
+              <a:ext uri="{FF2B5EF4-FFF2-40B4-BE49-F238E27FC236}">
+                <a16:creationId xmlns:a16="http://schemas.microsoft.com/office/drawing/2014/main" id="{2F9CFDA8-BA9E-4328-B0A0-62AD1193A61A}"/>
               </a:ext>
             </a:extLst>
           </p:cNvPr>
@@ -15061,119 +11621,30 @@
           </p:nvPr>
         </p:nvPicPr>
         <p:blipFill>
-          <a:blip r:embed="rId6" cstate="screen">
-            <a:extLst>
-              <a:ext uri="{28A0092B-C50C-407E-A947-70E740481C1C}">
-                <a14:useLocalDpi xmlns:a14="http://schemas.microsoft.com/office/drawing/2010/main"/>
+          <a:blip r:embed="rId9">
+            <a:extLst>
+              <a:ext uri="{96DAC541-7B7A-43D3-8B79-37D633B846F1}">
+                <asvg:svgBlip xmlns:asvg="http://schemas.microsoft.com/office/drawing/2016/SVG/main" r:embed="rId10"/>
               </a:ext>
             </a:extLst>
           </a:blip>
-          <a:srcRect/>
           <a:stretch>
             <a:fillRect/>
           </a:stretch>
         </p:blipFill>
-        <p:spPr/>
+        <p:spPr>
+          <a:xfrm>
+            <a:off x="5648550" y="3598323"/>
+            <a:ext cx="972000" cy="972000"/>
+          </a:xfrm>
+        </p:spPr>
       </p:pic>
-      <p:pic>
-        <p:nvPicPr>
-          <p:cNvPr id="26" name="Tijdelijke aanduiding voor afbeelding 25" descr="Op elkaar gestapelde stenen&#10;">
-            <a:extLst>
-              <a:ext uri="{FF2B5EF4-FFF2-40B4-BE49-F238E27FC236}">
-                <a16:creationId xmlns:a16="http://schemas.microsoft.com/office/drawing/2014/main" id="{BDCF608A-9254-4801-8B1F-A7AA58FE590D}"/>
-              </a:ext>
-            </a:extLst>
-          </p:cNvPr>
-          <p:cNvPicPr>
-            <a:picLocks noGrp="1" noChangeAspect="1"/>
-          </p:cNvPicPr>
-          <p:nvPr>
-            <p:ph type="pic" sz="quarter" idx="26"/>
-          </p:nvPr>
-        </p:nvPicPr>
-        <p:blipFill>
-          <a:blip r:embed="rId7" cstate="screen">
-            <a:extLst>
-              <a:ext uri="{28A0092B-C50C-407E-A947-70E740481C1C}">
-                <a14:useLocalDpi xmlns:a14="http://schemas.microsoft.com/office/drawing/2010/main"/>
-              </a:ext>
-            </a:extLst>
-          </a:blip>
-          <a:srcRect/>
-          <a:stretch>
-            <a:fillRect/>
-          </a:stretch>
-        </p:blipFill>
-        <p:spPr/>
-      </p:pic>
-      <p:pic>
-        <p:nvPicPr>
-          <p:cNvPr id="28" name="Tijdelijke aanduiding voor afbeelding 27" descr="Verschillende kalenderdatums die zijn afgedrukt op papier en op elkaar zijn gestapeld">
-            <a:extLst>
-              <a:ext uri="{FF2B5EF4-FFF2-40B4-BE49-F238E27FC236}">
-                <a16:creationId xmlns:a16="http://schemas.microsoft.com/office/drawing/2014/main" id="{7E7712B6-62E7-468F-AE58-5306EA579A7D}"/>
-              </a:ext>
-            </a:extLst>
-          </p:cNvPr>
-          <p:cNvPicPr>
-            <a:picLocks noGrp="1" noChangeAspect="1"/>
-          </p:cNvPicPr>
-          <p:nvPr>
-            <p:ph type="pic" sz="quarter" idx="27"/>
-          </p:nvPr>
-        </p:nvPicPr>
-        <p:blipFill>
-          <a:blip r:embed="rId8" cstate="screen">
-            <a:extLst>
-              <a:ext uri="{28A0092B-C50C-407E-A947-70E740481C1C}">
-                <a14:useLocalDpi xmlns:a14="http://schemas.microsoft.com/office/drawing/2010/main"/>
-              </a:ext>
-            </a:extLst>
-          </a:blip>
-          <a:srcRect/>
-          <a:stretch>
-            <a:fillRect/>
-          </a:stretch>
-        </p:blipFill>
-        <p:spPr/>
-      </p:pic>
-      <p:pic>
-        <p:nvPicPr>
-          <p:cNvPr id="30" name="Tijdelijke aanduiding voor afbeelding 29" descr="Schaakbord met koning en pion tegenover elkaar">
-            <a:extLst>
-              <a:ext uri="{FF2B5EF4-FFF2-40B4-BE49-F238E27FC236}">
-                <a16:creationId xmlns:a16="http://schemas.microsoft.com/office/drawing/2014/main" id="{D878A039-CB99-412A-BAD5-1D6255F0C322}"/>
-              </a:ext>
-            </a:extLst>
-          </p:cNvPr>
-          <p:cNvPicPr>
-            <a:picLocks noGrp="1" noChangeAspect="1"/>
-          </p:cNvPicPr>
-          <p:nvPr>
-            <p:ph type="pic" sz="quarter" idx="28"/>
-          </p:nvPr>
-        </p:nvPicPr>
-        <p:blipFill>
-          <a:blip r:embed="rId9" cstate="screen">
-            <a:extLst>
-              <a:ext uri="{28A0092B-C50C-407E-A947-70E740481C1C}">
-                <a14:useLocalDpi xmlns:a14="http://schemas.microsoft.com/office/drawing/2010/main"/>
-              </a:ext>
-            </a:extLst>
-          </a:blip>
-          <a:srcRect/>
-          <a:stretch>
-            <a:fillRect/>
-          </a:stretch>
-        </p:blipFill>
-        <p:spPr/>
-      </p:pic>
-      <p:sp>
-        <p:nvSpPr>
-          <p:cNvPr id="4" name="Tijdelijke aanduiding voor dianummer 3">
-            <a:extLst>
-              <a:ext uri="{FF2B5EF4-FFF2-40B4-BE49-F238E27FC236}">
-                <a16:creationId xmlns:a16="http://schemas.microsoft.com/office/drawing/2014/main" id="{BF38360A-177E-E146-99A7-581A782814CE}"/>
+      <p:sp>
+        <p:nvSpPr>
+          <p:cNvPr id="10" name="Tijdelijke aanduiding voor dianummer 9">
+            <a:extLst>
+              <a:ext uri="{FF2B5EF4-FFF2-40B4-BE49-F238E27FC236}">
+                <a16:creationId xmlns:a16="http://schemas.microsoft.com/office/drawing/2014/main" id="{EC7ECEE9-580B-8B4A-919F-4C04337CEC51}"/>
               </a:ext>
             </a:extLst>
           </p:cNvPr>
@@ -15201,7 +11672,7 @@
     </p:spTree>
     <p:extLst>
       <p:ext uri="{BB962C8B-B14F-4D97-AF65-F5344CB8AC3E}">
-        <p14:creationId xmlns:p14="http://schemas.microsoft.com/office/powerpoint/2010/main" val="4149113901"/>
+        <p14:creationId xmlns:p14="http://schemas.microsoft.com/office/powerpoint/2010/main" val="226702496"/>
       </p:ext>
     </p:extLst>
   </p:cSld>
@@ -15233,7 +11704,7 @@
           <p:cNvPr id="2" name="Titel 1">
             <a:extLst>
               <a:ext uri="{FF2B5EF4-FFF2-40B4-BE49-F238E27FC236}">
-                <a16:creationId xmlns:a16="http://schemas.microsoft.com/office/drawing/2014/main" id="{F672769D-B8C8-4982-AE15-C41C3D921D39}"/>
+                <a16:creationId xmlns:a16="http://schemas.microsoft.com/office/drawing/2014/main" id="{46A00B74-5475-4C20-9E4F-D93144C702EA}"/>
               </a:ext>
             </a:extLst>
           </p:cNvPr>
@@ -15246,8 +11717,8 @@
         </p:nvSpPr>
         <p:spPr>
           <a:xfrm>
-            <a:off x="466725" y="559678"/>
-            <a:ext cx="4129181" cy="4952492"/>
+            <a:off x="266700" y="2831932"/>
+            <a:ext cx="4329206" cy="1562638"/>
           </a:xfrm>
         </p:spPr>
         <p:txBody>
@@ -15256,212 +11727,46 @@
           <a:p>
             <a:pPr rtl="0"/>
             <a:r>
-              <a:rPr lang="nl-NL"/>
-              <a:t>Deze sjabloon gebruiken</a:t>
-            </a:r>
-          </a:p>
-        </p:txBody>
-      </p:sp>
-      <p:sp>
-        <p:nvSpPr>
-          <p:cNvPr id="3" name="Tijdelijke aanduiding voor inhoud 2">
-            <a:extLst>
-              <a:ext uri="{FF2B5EF4-FFF2-40B4-BE49-F238E27FC236}">
-                <a16:creationId xmlns:a16="http://schemas.microsoft.com/office/drawing/2014/main" id="{3AD45E12-8254-4FAB-AF03-3FA92E2DC3BF}"/>
-              </a:ext>
-            </a:extLst>
-          </p:cNvPr>
-          <p:cNvSpPr>
-            <a:spLocks noGrp="1"/>
-          </p:cNvSpPr>
-          <p:nvPr>
-            <p:ph idx="1"/>
-          </p:nvPr>
-        </p:nvSpPr>
-        <p:spPr>
-          <a:xfrm>
-            <a:off x="5181600" y="569066"/>
-            <a:ext cx="6248398" cy="5655156"/>
-          </a:xfrm>
-        </p:spPr>
-        <p:txBody>
-          <a:bodyPr rtlCol="0"/>
+              <a:rPr lang="nl-NL" dirty="0"/>
+              <a:t>Database Model</a:t>
+            </a:r>
+          </a:p>
+        </p:txBody>
+      </p:sp>
+      <p:sp>
+        <p:nvSpPr>
+          <p:cNvPr id="3" name="Tijdelijke aanduiding voor tekst 2">
+            <a:extLst>
+              <a:ext uri="{FF2B5EF4-FFF2-40B4-BE49-F238E27FC236}">
+                <a16:creationId xmlns:a16="http://schemas.microsoft.com/office/drawing/2014/main" id="{A70F1B58-257D-4779-A040-5E1616327E2D}"/>
+              </a:ext>
+            </a:extLst>
+          </p:cNvPr>
+          <p:cNvSpPr>
+            <a:spLocks noGrp="1"/>
+          </p:cNvSpPr>
+          <p:nvPr>
+            <p:ph type="body" sz="quarter" idx="18"/>
+          </p:nvPr>
+        </p:nvSpPr>
+        <p:spPr/>
+        <p:txBody>
+          <a:bodyPr rtlCol="0">
+            <a:normAutofit/>
+          </a:bodyPr>
           <a:lstStyle/>
           <a:p>
             <a:pPr rtl="0"/>
-            <a:r>
-              <a:rPr lang="nl-NL"/>
-              <a:t>Volg de instructies op elke dia om uw presentatie te maken.</a:t>
-            </a:r>
-          </a:p>
-          <a:p>
-            <a:pPr rtl="0"/>
-            <a:r>
-              <a:rPr lang="nl-NL"/>
-              <a:t>Onthoud dat een PowerPoint een visueel element is voor uw presentatie. De woorden op de dia dienen alleen als opsomming (in plaats van voorleestekst).</a:t>
-            </a:r>
-          </a:p>
-          <a:p>
-            <a:pPr rtl="0"/>
-            <a:r>
-              <a:rPr lang="nl-NL"/>
-              <a:t>Afbeeldingen en foto’s verfraaien; zorg ervoor dat u ze aan uw dia's toevoegt waar gepast.</a:t>
-            </a:r>
-          </a:p>
-          <a:p>
-            <a:pPr rtl="0"/>
-            <a:r>
-              <a:rPr lang="nl-NL"/>
-              <a:t>Gebruik de functie Ontwerpideeën om prachtige presentaties te maken.</a:t>
-            </a:r>
-          </a:p>
-          <a:p>
-            <a:pPr marL="402336" lvl="1" indent="0" rtl="0">
-              <a:buNone/>
-            </a:pPr>
-            <a:r>
-              <a:rPr lang="nl-NL"/>
-              <a:t>    </a:t>
-            </a:r>
-            <a:r>
-              <a:rPr lang="nl-NL" sz="1600" i="1"/>
-              <a:t>Ga naar het lint Ontwerp en selecteer Ontwerpideeën.</a:t>
-            </a:r>
-          </a:p>
-          <a:p>
-            <a:pPr rtl="0"/>
-            <a:r>
-              <a:rPr lang="nl-NL"/>
-              <a:t>Kies zorgvuldig overgangen en animaties.  </a:t>
-            </a:r>
-            <a:br>
-              <a:rPr lang="nl-NL"/>
-            </a:br>
-            <a:r>
-              <a:rPr lang="nl-NL"/>
-              <a:t>(U wilt dat uw publiek zich concentreert op uw inhoud, en niet op de effecten.)</a:t>
-            </a:r>
-          </a:p>
-        </p:txBody>
-      </p:sp>
-      <p:grpSp>
-        <p:nvGrpSpPr>
-          <p:cNvPr id="7" name="Groep 6" descr="Pictogram muiscursor">
-            <a:extLst>
-              <a:ext uri="{FF2B5EF4-FFF2-40B4-BE49-F238E27FC236}">
-                <a16:creationId xmlns:a16="http://schemas.microsoft.com/office/drawing/2014/main" id="{643E3450-B92D-4704-A017-74EA9B0F2E75}"/>
-              </a:ext>
-            </a:extLst>
-          </p:cNvPr>
-          <p:cNvGrpSpPr/>
-          <p:nvPr/>
-        </p:nvGrpSpPr>
-        <p:grpSpPr>
-          <a:xfrm>
-            <a:off x="5550491" y="4202704"/>
-            <a:ext cx="209957" cy="209957"/>
-            <a:chOff x="5551876" y="4504508"/>
-            <a:chExt cx="254048" cy="254048"/>
-          </a:xfrm>
-        </p:grpSpPr>
-        <p:sp>
-          <p:nvSpPr>
-            <p:cNvPr id="6" name="Ovaal 5">
-              <a:extLst>
-                <a:ext uri="{FF2B5EF4-FFF2-40B4-BE49-F238E27FC236}">
-                  <a16:creationId xmlns:a16="http://schemas.microsoft.com/office/drawing/2014/main" id="{059F3F1F-6FF1-4907-A469-28B65C79B6AC}"/>
-                </a:ext>
-              </a:extLst>
-            </p:cNvPr>
-            <p:cNvSpPr/>
-            <p:nvPr/>
-          </p:nvSpPr>
-          <p:spPr>
-            <a:xfrm>
-              <a:off x="5551876" y="4504508"/>
-              <a:ext cx="254048" cy="254048"/>
-            </a:xfrm>
-            <a:prstGeom prst="ellipse">
-              <a:avLst/>
-            </a:prstGeom>
-            <a:solidFill>
-              <a:schemeClr val="accent1"/>
-            </a:solidFill>
-            <a:ln>
-              <a:noFill/>
-            </a:ln>
-          </p:spPr>
-          <p:style>
-            <a:lnRef idx="2">
-              <a:schemeClr val="accent1">
-                <a:shade val="50000"/>
-              </a:schemeClr>
-            </a:lnRef>
-            <a:fillRef idx="1">
-              <a:schemeClr val="accent1"/>
-            </a:fillRef>
-            <a:effectRef idx="0">
-              <a:schemeClr val="accent1"/>
-            </a:effectRef>
-            <a:fontRef idx="minor">
-              <a:schemeClr val="lt1"/>
-            </a:fontRef>
-          </p:style>
-          <p:txBody>
-            <a:bodyPr rtlCol="0" anchor="ctr"/>
-            <a:lstStyle/>
-            <a:p>
-              <a:pPr algn="ctr" rtl="0"/>
-              <a:endParaRPr lang="nl-NL"/>
-            </a:p>
-          </p:txBody>
-        </p:sp>
-        <p:pic>
-          <p:nvPicPr>
-            <p:cNvPr id="5" name="Afbeelding 4" descr="Pictogram muiscursor">
-              <a:extLst>
-                <a:ext uri="{FF2B5EF4-FFF2-40B4-BE49-F238E27FC236}">
-                  <a16:creationId xmlns:a16="http://schemas.microsoft.com/office/drawing/2014/main" id="{36C1DCFE-C1BD-476B-84D7-4F971B2B60EC}"/>
-                </a:ext>
-              </a:extLst>
-            </p:cNvPr>
-            <p:cNvPicPr>
-              <a:picLocks noChangeAspect="1"/>
-            </p:cNvPicPr>
-            <p:nvPr/>
-          </p:nvPicPr>
-          <p:blipFill>
-            <a:blip r:embed="rId3" cstate="screen">
-              <a:extLst>
-                <a:ext uri="{28A0092B-C50C-407E-A947-70E740481C1C}">
-                  <a14:useLocalDpi xmlns:a14="http://schemas.microsoft.com/office/drawing/2010/main"/>
-                </a:ext>
-                <a:ext uri="{96DAC541-7B7A-43D3-8B79-37D633B846F1}">
-                  <asvg:svgBlip xmlns:asvg="http://schemas.microsoft.com/office/drawing/2016/SVG/main" r:embed="rId4"/>
-                </a:ext>
-              </a:extLst>
-            </a:blip>
-            <a:stretch>
-              <a:fillRect/>
-            </a:stretch>
-          </p:blipFill>
-          <p:spPr>
-            <a:xfrm>
-              <a:off x="5616179" y="4545761"/>
-              <a:ext cx="148492" cy="148492"/>
-            </a:xfrm>
-            <a:prstGeom prst="rect">
-              <a:avLst/>
-            </a:prstGeom>
-          </p:spPr>
-        </p:pic>
-      </p:grpSp>
+            <a:endParaRPr lang="nl-NL" dirty="0"/>
+          </a:p>
+        </p:txBody>
+      </p:sp>
       <p:sp>
         <p:nvSpPr>
           <p:cNvPr id="4" name="Tijdelijke aanduiding voor dianummer 3">
             <a:extLst>
               <a:ext uri="{FF2B5EF4-FFF2-40B4-BE49-F238E27FC236}">
-                <a16:creationId xmlns:a16="http://schemas.microsoft.com/office/drawing/2014/main" id="{D0C282D6-6FE9-264F-8985-EBC964197BF5}"/>
+                <a16:creationId xmlns:a16="http://schemas.microsoft.com/office/drawing/2014/main" id="{BF38360A-177E-E146-99A7-581A782814CE}"/>
               </a:ext>
             </a:extLst>
           </p:cNvPr>
@@ -15486,10 +11791,39 @@
           </a:p>
         </p:txBody>
       </p:sp>
+      <p:pic>
+        <p:nvPicPr>
+          <p:cNvPr id="45" name="Afbeelding 44" descr="Afbeelding met schermafbeelding&#10;&#10;Automatisch gegenereerde beschrijving">
+            <a:extLst>
+              <a:ext uri="{FF2B5EF4-FFF2-40B4-BE49-F238E27FC236}">
+                <a16:creationId xmlns:a16="http://schemas.microsoft.com/office/drawing/2014/main" id="{8DC4656C-F5CA-4052-9E09-5DBFF9EE773D}"/>
+              </a:ext>
+            </a:extLst>
+          </p:cNvPr>
+          <p:cNvPicPr>
+            <a:picLocks noChangeAspect="1"/>
+          </p:cNvPicPr>
+          <p:nvPr/>
+        </p:nvPicPr>
+        <p:blipFill rotWithShape="1">
+          <a:blip r:embed="rId3"/>
+          <a:srcRect l="1150" r="958"/>
+          <a:stretch/>
+        </p:blipFill>
+        <p:spPr>
+          <a:xfrm>
+            <a:off x="4835236" y="342900"/>
+            <a:ext cx="7356763" cy="6172200"/>
+          </a:xfrm>
+          <a:prstGeom prst="rect">
+            <a:avLst/>
+          </a:prstGeom>
+        </p:spPr>
+      </p:pic>
     </p:spTree>
     <p:extLst>
       <p:ext uri="{BB962C8B-B14F-4D97-AF65-F5344CB8AC3E}">
-        <p14:creationId xmlns:p14="http://schemas.microsoft.com/office/powerpoint/2010/main" val="2977379270"/>
+        <p14:creationId xmlns:p14="http://schemas.microsoft.com/office/powerpoint/2010/main" val="4149113901"/>
       </p:ext>
     </p:extLst>
   </p:cSld>
@@ -15518,113 +11852,216 @@
       </p:grpSpPr>
       <p:sp>
         <p:nvSpPr>
-          <p:cNvPr id="4" name="Titel 3">
-            <a:extLst>
-              <a:ext uri="{FF2B5EF4-FFF2-40B4-BE49-F238E27FC236}">
-                <a16:creationId xmlns:a16="http://schemas.microsoft.com/office/drawing/2014/main" id="{E98DCA46-603B-4178-8707-30E192CE6B8D}"/>
-              </a:ext>
-            </a:extLst>
-          </p:cNvPr>
-          <p:cNvSpPr>
-            <a:spLocks noGrp="1"/>
-          </p:cNvSpPr>
-          <p:nvPr>
-            <p:ph type="title"/>
-          </p:nvPr>
-        </p:nvSpPr>
-        <p:spPr>
-          <a:xfrm>
-            <a:off x="762000" y="559678"/>
-            <a:ext cx="3833906" cy="4952492"/>
-          </a:xfrm>
-        </p:spPr>
-        <p:txBody>
-          <a:bodyPr rtlCol="0"/>
+          <p:cNvPr id="18" name="Titel 17">
+            <a:extLst>
+              <a:ext uri="{FF2B5EF4-FFF2-40B4-BE49-F238E27FC236}">
+                <a16:creationId xmlns:a16="http://schemas.microsoft.com/office/drawing/2014/main" id="{22048763-8F03-4F68-965E-8988D3BAF8DE}"/>
+              </a:ext>
+            </a:extLst>
+          </p:cNvPr>
+          <p:cNvSpPr>
+            <a:spLocks noGrp="1"/>
+          </p:cNvSpPr>
+          <p:nvPr>
+            <p:ph type="ctrTitle"/>
+          </p:nvPr>
+        </p:nvSpPr>
+        <p:spPr/>
+        <p:txBody>
+          <a:bodyPr/>
           <a:lstStyle/>
           <a:p>
-            <a:pPr rtl="0"/>
-            <a:r>
-              <a:rPr lang="nl-NL"/>
-              <a:t>Pas deze sjabloon aan</a:t>
-            </a:r>
-          </a:p>
-        </p:txBody>
-      </p:sp>
-      <p:sp>
-        <p:nvSpPr>
-          <p:cNvPr id="8" name="Tekstvak 7">
-            <a:hlinkClick r:id="rId3"/>
-            <a:extLst>
-              <a:ext uri="{FF2B5EF4-FFF2-40B4-BE49-F238E27FC236}">
-                <a16:creationId xmlns:a16="http://schemas.microsoft.com/office/drawing/2014/main" id="{5FC6C278-4035-446A-A94B-030E792FDDF5}"/>
-              </a:ext>
-            </a:extLst>
-          </p:cNvPr>
-          <p:cNvSpPr txBox="1"/>
+            <a:endParaRPr lang="nl-BE"/>
+          </a:p>
+        </p:txBody>
+      </p:sp>
+      <p:sp>
+        <p:nvSpPr>
+          <p:cNvPr id="19" name="Ondertitel 18">
+            <a:extLst>
+              <a:ext uri="{FF2B5EF4-FFF2-40B4-BE49-F238E27FC236}">
+                <a16:creationId xmlns:a16="http://schemas.microsoft.com/office/drawing/2014/main" id="{C0182F4A-6A1F-4695-8CFA-7C3904AA5E09}"/>
+              </a:ext>
+            </a:extLst>
+          </p:cNvPr>
+          <p:cNvSpPr>
+            <a:spLocks noGrp="1"/>
+          </p:cNvSpPr>
+          <p:nvPr>
+            <p:ph type="subTitle" idx="1"/>
+          </p:nvPr>
+        </p:nvSpPr>
+        <p:spPr/>
+        <p:txBody>
+          <a:bodyPr/>
+          <a:lstStyle/>
+          <a:p>
+            <a:endParaRPr lang="nl-BE"/>
+          </a:p>
+        </p:txBody>
+      </p:sp>
+      <p:sp>
+        <p:nvSpPr>
+          <p:cNvPr id="3" name="Tijdelijke aanduiding voor dianummer 2">
+            <a:extLst>
+              <a:ext uri="{FF2B5EF4-FFF2-40B4-BE49-F238E27FC236}">
+                <a16:creationId xmlns:a16="http://schemas.microsoft.com/office/drawing/2014/main" id="{1E92CF60-51B2-4FE7-A9C1-97F517570006}"/>
+              </a:ext>
+            </a:extLst>
+          </p:cNvPr>
+          <p:cNvSpPr>
+            <a:spLocks noGrp="1"/>
+          </p:cNvSpPr>
+          <p:nvPr>
+            <p:ph type="sldNum" sz="quarter" idx="4294967295"/>
+          </p:nvPr>
+        </p:nvSpPr>
+        <p:spPr>
+          <a:xfrm>
+            <a:off x="11784013" y="5607050"/>
+            <a:ext cx="407987" cy="365125"/>
+          </a:xfrm>
+        </p:spPr>
+        <p:txBody>
+          <a:bodyPr/>
+          <a:lstStyle/>
+          <a:p>
+            <a:pPr rtl="0"/>
+            <a:fld id="{13D2E340-0663-474B-992C-9192B5C45E57}" type="slidenum">
+              <a:rPr lang="nl-NL" noProof="0" smtClean="0"/>
+              <a:t>8</a:t>
+            </a:fld>
+            <a:endParaRPr lang="nl-NL" noProof="0"/>
+          </a:p>
+        </p:txBody>
+      </p:sp>
+      <p:pic>
+        <p:nvPicPr>
+          <p:cNvPr id="20" name="Afbeelding 19" descr="Afbeelding met schermafbeelding&#10;&#10;Automatisch gegenereerde beschrijving">
+            <a:extLst>
+              <a:ext uri="{FF2B5EF4-FFF2-40B4-BE49-F238E27FC236}">
+                <a16:creationId xmlns:a16="http://schemas.microsoft.com/office/drawing/2014/main" id="{74931567-B53C-4DBD-A6FE-B83AB796E47C}"/>
+              </a:ext>
+            </a:extLst>
+          </p:cNvPr>
+          <p:cNvPicPr>
+            <a:picLocks noChangeAspect="1"/>
+          </p:cNvPicPr>
           <p:nvPr/>
-        </p:nvSpPr>
-        <p:spPr>
-          <a:xfrm>
-            <a:off x="5181599" y="685800"/>
-            <a:ext cx="6248401" cy="4952492"/>
+        </p:nvPicPr>
+        <p:blipFill rotWithShape="1">
+          <a:blip r:embed="rId2"/>
+          <a:srcRect l="1150" r="958"/>
+          <a:stretch/>
+        </p:blipFill>
+        <p:spPr>
+          <a:xfrm>
+            <a:off x="2228126" y="183919"/>
+            <a:ext cx="7735748" cy="6490162"/>
           </a:xfrm>
           <a:prstGeom prst="rect">
             <a:avLst/>
           </a:prstGeom>
-          <a:noFill/>
-        </p:spPr>
-        <p:txBody>
-          <a:bodyPr wrap="square" rtlCol="0">
-            <a:noAutofit/>
-          </a:bodyPr>
-          <a:lstStyle/>
-          <a:p>
-            <a:pPr rtl="0"/>
-            <a:r>
-              <a:rPr lang="nl-NL" sz="6000" u="sng" dirty="0">
-                <a:solidFill>
-                  <a:srgbClr val="0070C0"/>
-                </a:solidFill>
-              </a:rPr>
-              <a:t>Bewerkinstructies voor sjabloon en feedback</a:t>
-            </a:r>
-          </a:p>
-        </p:txBody>
-      </p:sp>
-      <p:sp>
-        <p:nvSpPr>
-          <p:cNvPr id="5" name="Tijdelijke aanduiding voor dianummer 4">
-            <a:extLst>
-              <a:ext uri="{FF2B5EF4-FFF2-40B4-BE49-F238E27FC236}">
-                <a16:creationId xmlns:a16="http://schemas.microsoft.com/office/drawing/2014/main" id="{C8D30775-E195-4C4C-93B0-0261753A3724}"/>
-              </a:ext>
-            </a:extLst>
-          </p:cNvPr>
-          <p:cNvSpPr>
-            <a:spLocks noGrp="1"/>
-          </p:cNvSpPr>
-          <p:nvPr>
-            <p:ph type="sldNum" sz="quarter" idx="12"/>
-          </p:nvPr>
-        </p:nvSpPr>
-        <p:spPr/>
-        <p:txBody>
-          <a:bodyPr rtlCol="0"/>
-          <a:lstStyle/>
-          <a:p>
-            <a:pPr rtl="0"/>
-            <a:fld id="{13D2E340-0663-474B-992C-9192B5C45E57}" type="slidenum">
-              <a:rPr lang="nl-NL" smtClean="0"/>
-              <a:t>8</a:t>
-            </a:fld>
-            <a:endParaRPr lang="nl-NL"/>
-          </a:p>
-        </p:txBody>
-      </p:sp>
+        </p:spPr>
+      </p:pic>
     </p:spTree>
     <p:extLst>
       <p:ext uri="{BB962C8B-B14F-4D97-AF65-F5344CB8AC3E}">
-        <p14:creationId xmlns:p14="http://schemas.microsoft.com/office/powerpoint/2010/main" val="2394598200"/>
+        <p14:creationId xmlns:p14="http://schemas.microsoft.com/office/powerpoint/2010/main" val="1258510858"/>
+      </p:ext>
+    </p:extLst>
+  </p:cSld>
+  <p:clrMapOvr>
+    <a:masterClrMapping/>
+  </p:clrMapOvr>
+</p:sld>
+</file>
+
+<file path=ppt/slides/slide9.xml><?xml version="1.0" encoding="utf-8"?>
+<p:sld xmlns:a="http://schemas.openxmlformats.org/drawingml/2006/main" xmlns:r="http://schemas.openxmlformats.org/officeDocument/2006/relationships" xmlns:p="http://schemas.openxmlformats.org/presentationml/2006/main">
+  <p:cSld>
+    <p:spTree>
+      <p:nvGrpSpPr>
+        <p:cNvPr id="1" name=""/>
+        <p:cNvGrpSpPr/>
+        <p:nvPr/>
+      </p:nvGrpSpPr>
+      <p:grpSpPr>
+        <a:xfrm>
+          <a:off x="0" y="0"/>
+          <a:ext cx="0" cy="0"/>
+          <a:chOff x="0" y="0"/>
+          <a:chExt cx="0" cy="0"/>
+        </a:xfrm>
+      </p:grpSpPr>
+      <p:sp>
+        <p:nvSpPr>
+          <p:cNvPr id="2" name="Titel 1">
+            <a:extLst>
+              <a:ext uri="{FF2B5EF4-FFF2-40B4-BE49-F238E27FC236}">
+                <a16:creationId xmlns:a16="http://schemas.microsoft.com/office/drawing/2014/main" id="{8F16B795-FF88-4249-9FFA-83C08E68F815}"/>
+              </a:ext>
+            </a:extLst>
+          </p:cNvPr>
+          <p:cNvSpPr>
+            <a:spLocks noGrp="1"/>
+          </p:cNvSpPr>
+          <p:nvPr>
+            <p:ph type="title"/>
+          </p:nvPr>
+        </p:nvSpPr>
+        <p:spPr/>
+        <p:txBody>
+          <a:bodyPr>
+            <a:normAutofit/>
+          </a:bodyPr>
+          <a:lstStyle/>
+          <a:p>
+            <a:r>
+              <a:rPr lang="en-US" sz="7200" dirty="0"/>
+              <a:t>Demo</a:t>
+            </a:r>
+            <a:endParaRPr lang="nl-BE" sz="7200" dirty="0"/>
+          </a:p>
+        </p:txBody>
+      </p:sp>
+      <p:sp>
+        <p:nvSpPr>
+          <p:cNvPr id="4" name="Tijdelijke aanduiding voor tekst 3">
+            <a:extLst>
+              <a:ext uri="{FF2B5EF4-FFF2-40B4-BE49-F238E27FC236}">
+                <a16:creationId xmlns:a16="http://schemas.microsoft.com/office/drawing/2014/main" id="{7DE6768D-B23C-4A5C-BF07-4CE725881DB6}"/>
+              </a:ext>
+            </a:extLst>
+          </p:cNvPr>
+          <p:cNvSpPr>
+            <a:spLocks noGrp="1"/>
+          </p:cNvSpPr>
+          <p:nvPr>
+            <p:ph type="body" sz="quarter" idx="18"/>
+          </p:nvPr>
+        </p:nvSpPr>
+        <p:spPr/>
+        <p:txBody>
+          <a:bodyPr/>
+          <a:lstStyle/>
+          <a:p>
+            <a:r>
+              <a:rPr lang="en-US" dirty="0" err="1"/>
+              <a:t>Vragen</a:t>
+            </a:r>
+            <a:r>
+              <a:rPr lang="en-US" dirty="0"/>
+              <a:t>?</a:t>
+            </a:r>
+            <a:endParaRPr lang="nl-BE" dirty="0"/>
+          </a:p>
+        </p:txBody>
+      </p:sp>
+    </p:spTree>
+    <p:extLst>
+      <p:ext uri="{BB962C8B-B14F-4D97-AF65-F5344CB8AC3E}">
+        <p14:creationId xmlns:p14="http://schemas.microsoft.com/office/powerpoint/2010/main" val="3911935220"/>
       </p:ext>
     </p:extLst>
   </p:cSld>
@@ -15637,7 +12074,7 @@
 <file path=ppt/theme/theme1.xml><?xml version="1.0" encoding="utf-8"?>
 <a:theme xmlns:a="http://schemas.openxmlformats.org/drawingml/2006/main" name="Koppen">
   <a:themeElements>
-    <a:clrScheme name="Diepblauw">
+    <a:clrScheme name="Aangepast 13">
       <a:dk1>
         <a:sysClr val="windowText" lastClr="000000"/>
       </a:dk1>
@@ -15645,10 +12082,10 @@
         <a:sysClr val="window" lastClr="FFFFFF"/>
       </a:lt1>
       <a:dk2>
-        <a:srgbClr val="242852"/>
+        <a:srgbClr val="1F2E79"/>
       </a:dk2>
       <a:lt2>
-        <a:srgbClr val="ACCBF9"/>
+        <a:srgbClr val="8D9BE1"/>
       </a:lt2>
       <a:accent1>
         <a:srgbClr val="4A66AC"/>
@@ -16472,11 +12909,12 @@
 </file>
 
 <file path=customXml/item1.xml><?xml version="1.0" encoding="utf-8"?>
-<p:properties xmlns:p="http://schemas.microsoft.com/office/2006/metadata/properties" xmlns:xsi="http://www.w3.org/2001/XMLSchema-instance" xmlns:pc="http://schemas.microsoft.com/office/infopath/2007/PartnerControls">
-  <documentManagement>
-    <MediaServiceKeyPoints xmlns="71af3243-3dd4-4a8d-8c0d-dd76da1f02a5" xsi:nil="true"/>
-  </documentManagement>
-</p:properties>
+<?mso-contentType ?>
+<FormTemplates xmlns="http://schemas.microsoft.com/sharepoint/v3/contenttype/forms">
+  <Display>DocumentLibraryForm</Display>
+  <Edit>DocumentLibraryForm</Edit>
+  <New>DocumentLibraryForm</New>
+</FormTemplates>
 </file>
 
 <file path=customXml/item2.xml><?xml version="1.0" encoding="utf-8"?>
@@ -16691,27 +13129,17 @@
 </file>
 
 <file path=customXml/item3.xml><?xml version="1.0" encoding="utf-8"?>
-<?mso-contentType ?>
-<FormTemplates xmlns="http://schemas.microsoft.com/sharepoint/v3/contenttype/forms">
-  <Display>DocumentLibraryForm</Display>
-  <Edit>DocumentLibraryForm</Edit>
-  <New>DocumentLibraryForm</New>
-</FormTemplates>
+<p:properties xmlns:p="http://schemas.microsoft.com/office/2006/metadata/properties" xmlns:xsi="http://www.w3.org/2001/XMLSchema-instance" xmlns:pc="http://schemas.microsoft.com/office/infopath/2007/PartnerControls">
+  <documentManagement>
+    <MediaServiceKeyPoints xmlns="71af3243-3dd4-4a8d-8c0d-dd76da1f02a5" xsi:nil="true"/>
+  </documentManagement>
+</p:properties>
 </file>
 
 <file path=customXml/itemProps1.xml><?xml version="1.0" encoding="utf-8"?>
-<ds:datastoreItem xmlns:ds="http://schemas.openxmlformats.org/officeDocument/2006/customXml" ds:itemID="{6DB4AFBF-E012-4607-B95C-D9E661912AC6}">
+<ds:datastoreItem xmlns:ds="http://schemas.openxmlformats.org/officeDocument/2006/customXml" ds:itemID="{C77EC923-6023-4411-8330-A0042153EED3}">
   <ds:schemaRefs>
-    <ds:schemaRef ds:uri="http://purl.org/dc/terms/"/>
-    <ds:schemaRef ds:uri="http://schemas.openxmlformats.org/package/2006/metadata/core-properties"/>
-    <ds:schemaRef ds:uri="http://schemas.microsoft.com/office/2006/documentManagement/types"/>
-    <ds:schemaRef ds:uri="http://purl.org/dc/dcmitype/"/>
-    <ds:schemaRef ds:uri="http://purl.org/dc/elements/1.1/"/>
-    <ds:schemaRef ds:uri="http://schemas.microsoft.com/office/2006/metadata/properties"/>
-    <ds:schemaRef ds:uri="http://schemas.microsoft.com/office/infopath/2007/PartnerControls"/>
-    <ds:schemaRef ds:uri="16c05727-aa75-4e4a-9b5f-8a80a1165891"/>
-    <ds:schemaRef ds:uri="71af3243-3dd4-4a8d-8c0d-dd76da1f02a5"/>
-    <ds:schemaRef ds:uri="http://www.w3.org/XML/1998/namespace"/>
+    <ds:schemaRef ds:uri="http://schemas.microsoft.com/sharepoint/v3/contenttype/forms"/>
   </ds:schemaRefs>
 </ds:datastoreItem>
 </file>
@@ -16736,9 +13164,18 @@
 </file>
 
 <file path=customXml/itemProps3.xml><?xml version="1.0" encoding="utf-8"?>
-<ds:datastoreItem xmlns:ds="http://schemas.openxmlformats.org/officeDocument/2006/customXml" ds:itemID="{C77EC923-6023-4411-8330-A0042153EED3}">
+<ds:datastoreItem xmlns:ds="http://schemas.openxmlformats.org/officeDocument/2006/customXml" ds:itemID="{6DB4AFBF-E012-4607-B95C-D9E661912AC6}">
   <ds:schemaRefs>
-    <ds:schemaRef ds:uri="http://schemas.microsoft.com/sharepoint/v3/contenttype/forms"/>
+    <ds:schemaRef ds:uri="http://purl.org/dc/terms/"/>
+    <ds:schemaRef ds:uri="http://schemas.openxmlformats.org/package/2006/metadata/core-properties"/>
+    <ds:schemaRef ds:uri="http://schemas.microsoft.com/office/2006/documentManagement/types"/>
+    <ds:schemaRef ds:uri="http://purl.org/dc/dcmitype/"/>
+    <ds:schemaRef ds:uri="http://purl.org/dc/elements/1.1/"/>
+    <ds:schemaRef ds:uri="http://schemas.microsoft.com/office/2006/metadata/properties"/>
+    <ds:schemaRef ds:uri="http://schemas.microsoft.com/office/infopath/2007/PartnerControls"/>
+    <ds:schemaRef ds:uri="16c05727-aa75-4e4a-9b5f-8a80a1165891"/>
+    <ds:schemaRef ds:uri="71af3243-3dd4-4a8d-8c0d-dd76da1f02a5"/>
+    <ds:schemaRef ds:uri="http://www.w3.org/XML/1998/namespace"/>
   </ds:schemaRefs>
 </ds:datastoreItem>
 </file>